--- a/高级人工智能/SNN.pptx
+++ b/高级人工智能/SNN.pptx
@@ -5,41 +5,41 @@
     <p:sldMasterId id="2147483648" r:id="rId1"/>
   </p:sldMasterIdLst>
   <p:notesMasterIdLst>
-    <p:notesMasterId r:id="rId7"/>
+    <p:notesMasterId r:id="rId34"/>
   </p:notesMasterIdLst>
   <p:sldIdLst>
-    <p:sldId id="613" r:id="rId3"/>
-    <p:sldId id="1024" r:id="rId4"/>
-    <p:sldId id="1025" r:id="rId5"/>
-    <p:sldId id="1027" r:id="rId6"/>
-    <p:sldId id="1026" r:id="rId8"/>
-    <p:sldId id="1029" r:id="rId9"/>
-    <p:sldId id="1030" r:id="rId10"/>
-    <p:sldId id="1028" r:id="rId11"/>
-    <p:sldId id="1031" r:id="rId12"/>
-    <p:sldId id="1034" r:id="rId13"/>
-    <p:sldId id="1035" r:id="rId14"/>
-    <p:sldId id="1040" r:id="rId15"/>
-    <p:sldId id="1045" r:id="rId16"/>
-    <p:sldId id="1046" r:id="rId17"/>
-    <p:sldId id="1047" r:id="rId18"/>
-    <p:sldId id="1048" r:id="rId19"/>
-    <p:sldId id="1049" r:id="rId20"/>
-    <p:sldId id="1050" r:id="rId21"/>
-    <p:sldId id="1051" r:id="rId22"/>
-    <p:sldId id="1052" r:id="rId23"/>
-    <p:sldId id="1053" r:id="rId24"/>
-    <p:sldId id="1054" r:id="rId25"/>
-    <p:sldId id="1055" r:id="rId26"/>
-    <p:sldId id="1056" r:id="rId27"/>
-    <p:sldId id="1057" r:id="rId28"/>
-    <p:sldId id="1058" r:id="rId29"/>
-    <p:sldId id="1060" r:id="rId30"/>
-    <p:sldId id="1061" r:id="rId31"/>
-    <p:sldId id="1066" r:id="rId32"/>
-    <p:sldId id="1062" r:id="rId33"/>
-    <p:sldId id="1059" r:id="rId34"/>
-    <p:sldId id="777" r:id="rId35"/>
+    <p:sldId id="613" r:id="rId2"/>
+    <p:sldId id="1024" r:id="rId3"/>
+    <p:sldId id="1025" r:id="rId4"/>
+    <p:sldId id="1027" r:id="rId5"/>
+    <p:sldId id="1026" r:id="rId6"/>
+    <p:sldId id="1029" r:id="rId7"/>
+    <p:sldId id="1030" r:id="rId8"/>
+    <p:sldId id="1028" r:id="rId9"/>
+    <p:sldId id="1031" r:id="rId10"/>
+    <p:sldId id="1034" r:id="rId11"/>
+    <p:sldId id="1035" r:id="rId12"/>
+    <p:sldId id="1040" r:id="rId13"/>
+    <p:sldId id="1045" r:id="rId14"/>
+    <p:sldId id="1046" r:id="rId15"/>
+    <p:sldId id="1047" r:id="rId16"/>
+    <p:sldId id="1048" r:id="rId17"/>
+    <p:sldId id="1049" r:id="rId18"/>
+    <p:sldId id="1050" r:id="rId19"/>
+    <p:sldId id="1051" r:id="rId20"/>
+    <p:sldId id="1052" r:id="rId21"/>
+    <p:sldId id="1053" r:id="rId22"/>
+    <p:sldId id="1054" r:id="rId23"/>
+    <p:sldId id="1055" r:id="rId24"/>
+    <p:sldId id="1056" r:id="rId25"/>
+    <p:sldId id="1057" r:id="rId26"/>
+    <p:sldId id="1058" r:id="rId27"/>
+    <p:sldId id="1060" r:id="rId28"/>
+    <p:sldId id="1061" r:id="rId29"/>
+    <p:sldId id="1066" r:id="rId30"/>
+    <p:sldId id="1062" r:id="rId31"/>
+    <p:sldId id="1059" r:id="rId32"/>
+    <p:sldId id="777" r:id="rId33"/>
   </p:sldIdLst>
   <p:sldSz cx="12192000" cy="6858000"/>
   <p:notesSz cx="9144000" cy="6858000"/>
@@ -237,6 +237,22 @@
       </a:defRPr>
     </a:lvl9pPr>
   </p:defaultTextStyle>
+  <p:extLst>
+    <p:ext uri="{EFAFB233-063F-42B5-8137-9DF3F51BA10A}">
+      <p15:sldGuideLst xmlns:p15="http://schemas.microsoft.com/office/powerpoint/2012/main">
+        <p15:guide id="1" orient="horz" pos="2056">
+          <p15:clr>
+            <a:srgbClr val="A4A3A4"/>
+          </p15:clr>
+        </p15:guide>
+        <p15:guide id="2" pos="3072">
+          <p15:clr>
+            <a:srgbClr val="A4A3A4"/>
+          </p15:clr>
+        </p15:guide>
+      </p15:sldGuideLst>
+    </p:ext>
+  </p:extLst>
 </p:presentation>
 </file>
 
@@ -257,7 +273,14 @@
         <p:cNvGrpSpPr/>
         <p:nvPr/>
       </p:nvGrpSpPr>
-      <p:grpSpPr/>
+      <p:grpSpPr>
+        <a:xfrm>
+          <a:off x="0" y="0"/>
+          <a:ext cx="0" cy="0"/>
+          <a:chOff x="0" y="0"/>
+          <a:chExt cx="0" cy="0"/>
+        </a:xfrm>
+      </p:grpSpPr>
       <p:sp>
         <p:nvSpPr>
           <p:cNvPr id="2050" name="Rectangle 2"/>
@@ -284,6 +307,7 @@
         </p:spPr>
         <p:txBody>
           <a:bodyPr vert="horz" wrap="square" lIns="96661" tIns="48331" rIns="96661" bIns="48331" anchor="t"/>
+          <a:lstStyle/>
           <a:p>
             <a:pPr lvl="0" fontAlgn="base"/>
             <a:endParaRPr sz="1300" strike="noStrike" noProof="1">
@@ -318,6 +342,7 @@
         </p:spPr>
         <p:txBody>
           <a:bodyPr vert="horz" wrap="square" lIns="96661" tIns="48331" rIns="96661" bIns="48331" anchor="t"/>
+          <a:lstStyle/>
           <a:p>
             <a:pPr lvl="0" algn="r" fontAlgn="base"/>
             <a:endParaRPr sz="1300" strike="noStrike" noProof="1">
@@ -373,13 +398,13 @@
         </p:spPr>
         <p:txBody>
           <a:bodyPr wrap="square" lIns="96661" tIns="48331" rIns="96661" bIns="48331" anchor="t"/>
+          <a:lstStyle/>
           <a:p>
             <a:pPr lvl="0" indent="0"/>
             <a:r>
               <a:rPr lang="en-US" altLang="zh-CN"/>
               <a:t>Click to edit Master text styles</a:t>
             </a:r>
-            <a:endParaRPr lang="en-US" altLang="zh-CN"/>
           </a:p>
           <a:p>
             <a:pPr lvl="1" indent="0"/>
@@ -387,7 +412,6 @@
               <a:rPr lang="en-US" altLang="zh-CN"/>
               <a:t>Second level</a:t>
             </a:r>
-            <a:endParaRPr lang="en-US" altLang="zh-CN"/>
           </a:p>
           <a:p>
             <a:pPr lvl="2" indent="0"/>
@@ -395,7 +419,6 @@
               <a:rPr lang="en-US" altLang="zh-CN"/>
               <a:t>Third level</a:t>
             </a:r>
-            <a:endParaRPr lang="en-US" altLang="zh-CN"/>
           </a:p>
           <a:p>
             <a:pPr lvl="3" indent="0"/>
@@ -403,7 +426,6 @@
               <a:rPr lang="en-US" altLang="zh-CN"/>
               <a:t>Fourth level</a:t>
             </a:r>
-            <a:endParaRPr lang="en-US" altLang="zh-CN"/>
           </a:p>
           <a:p>
             <a:pPr lvl="4" indent="0"/>
@@ -411,7 +433,6 @@
               <a:rPr lang="en-US" altLang="zh-CN"/>
               <a:t>Fifth level</a:t>
             </a:r>
-            <a:endParaRPr lang="en-US" altLang="zh-CN"/>
           </a:p>
         </p:txBody>
       </p:sp>
@@ -441,6 +462,7 @@
         </p:spPr>
         <p:txBody>
           <a:bodyPr vert="horz" wrap="square" lIns="96661" tIns="48331" rIns="96661" bIns="48331" anchor="b"/>
+          <a:lstStyle/>
           <a:p>
             <a:pPr lvl="0" fontAlgn="base"/>
             <a:endParaRPr sz="1300" strike="noStrike" noProof="1">
@@ -475,6 +497,7 @@
         </p:spPr>
         <p:txBody>
           <a:bodyPr vert="horz" wrap="square" lIns="96661" tIns="48331" rIns="96661" bIns="48331" anchor="b"/>
+          <a:lstStyle/>
           <a:p>
             <a:pPr lvl="0" algn="r" fontAlgn="base"/>
             <a:fld id="{9A0DB2DC-4C9A-4742-B13C-FB6460FD3503}" type="slidenum">
@@ -483,8 +506,9 @@
                 <a:ea typeface="宋体" panose="02010600030101010101" pitchFamily="2" charset="-122"/>
                 <a:cs typeface="+mn-ea"/>
               </a:rPr>
+              <a:t>‹#›</a:t>
             </a:fld>
-            <a:endParaRPr lang="en-US" altLang="x-none" sz="1300" strike="noStrike" noProof="1" dirty="0">
+            <a:endParaRPr lang="en-US" altLang="x-none" sz="1300" strike="noStrike" noProof="1">
               <a:ea typeface="宋体" panose="02010600030101010101" pitchFamily="2" charset="-122"/>
             </a:endParaRPr>
           </a:p>
@@ -571,12 +595,19 @@
         <p:cNvGrpSpPr/>
         <p:nvPr/>
       </p:nvGrpSpPr>
-      <p:grpSpPr/>
+      <p:grpSpPr>
+        <a:xfrm>
+          <a:off x="0" y="0"/>
+          <a:ext cx="0" cy="0"/>
+          <a:chOff x="0" y="0"/>
+          <a:chExt cx="0" cy="0"/>
+        </a:xfrm>
+      </p:grpSpPr>
       <p:sp>
         <p:nvSpPr>
           <p:cNvPr id="7169" name="幻灯片图像占位符 1"/>
           <p:cNvSpPr>
-            <a:spLocks noGrp="1" noRot="1" noTextEdit="1"/>
+            <a:spLocks noGrp="1" noRot="1" noChangeAspect="1" noTextEdit="1"/>
           </p:cNvSpPr>
           <p:nvPr>
             <p:ph type="sldImg"/>
@@ -617,12 +648,14 @@
         </p:spPr>
         <p:txBody>
           <a:bodyPr wrap="square" lIns="96661" tIns="48331" rIns="96661" bIns="48331" anchor="b"/>
+          <a:lstStyle/>
           <a:p>
             <a:pPr lvl="0" indent="0" algn="r"/>
             <a:fld id="{9A0DB2DC-4C9A-4742-B13C-FB6460FD3503}" type="slidenum">
               <a:rPr lang="en-US" altLang="x-none" dirty="0">
                 <a:ea typeface="宋体" panose="02010600030101010101" pitchFamily="2" charset="-122"/>
               </a:rPr>
+              <a:t>4</a:t>
             </a:fld>
             <a:endParaRPr lang="en-US" altLang="x-none" sz="1300" dirty="0">
               <a:ea typeface="宋体" panose="02010600030101010101" pitchFamily="2" charset="-122"/>
@@ -663,13 +696,13 @@
         </p:spPr>
         <p:txBody>
           <a:bodyPr anchor="t"/>
+          <a:lstStyle/>
           <a:p>
             <a:pPr lvl="0" indent="0"/>
             <a:r>
               <a:rPr lang="zh-CN" altLang="en-US"/>
               <a:t>深度神经网络依然有它的瓶颈。第一是训练效率问题，必须有大量标注样本训练才能保证足够高的泛化性能。第二是不够鲁棒，神经网络可能把不属于任何类别的模式非常自信地判别为某一类。而人脑学习模式只需要少量样本，而且对不认识的模式可以很可靠地拒识。</a:t>
             </a:r>
-            <a:endParaRPr lang="zh-CN" altLang="en-US"/>
           </a:p>
           <a:p>
             <a:pPr lvl="0" indent="0"/>
@@ -681,7 +714,6 @@
               <a:rPr lang="zh-CN" altLang="en-US"/>
               <a:t>人脑是最好的模式识别系统，是一个具有复杂度极高的神经网络结构。和其相比，人工神经网络（包括深度神经网络）对人脑神经系统的模拟还处在很初级的阶段。因此，有必要从模拟人脑的神经结构、思维方式和学习方式入手，让脑科学和人工智能的研究产生交叉，寻找人工智能新的突破。</a:t>
             </a:r>
-            <a:endParaRPr lang="zh-CN" altLang="en-US"/>
           </a:p>
         </p:txBody>
       </p:sp>
@@ -702,31 +734,45 @@
         <p:cNvGrpSpPr/>
         <p:nvPr/>
       </p:nvGrpSpPr>
-      <p:grpSpPr/>
+      <p:grpSpPr>
+        <a:xfrm>
+          <a:off x="0" y="0"/>
+          <a:ext cx="0" cy="0"/>
+          <a:chOff x="0" y="0"/>
+          <a:chExt cx="0" cy="0"/>
+        </a:xfrm>
+      </p:grpSpPr>
       <p:sp>
         <p:nvSpPr>
           <p:cNvPr id="2" name="幻灯片图像占位符 1"/>
-          <p:cNvSpPr/>
+          <p:cNvSpPr>
+            <a:spLocks noGrp="1" noRot="1" noChangeAspect="1"/>
+          </p:cNvSpPr>
           <p:nvPr>
             <p:ph type="sldImg"/>
           </p:nvPr>
         </p:nvSpPr>
-        <p:spPr/>
-      </p:sp>
-      <p:sp>
-        <p:nvSpPr>
-          <p:cNvPr id="3" name="文本占位符 2"/>
-          <p:cNvSpPr>
-            <a:spLocks noGrp="1"/>
-          </p:cNvSpPr>
-          <p:nvPr>
-            <p:ph type="body" sz="quarter"/>
-          </p:nvPr>
-        </p:nvSpPr>
-        <p:spPr>
-          <a:xfrm>
-            <a:off x="882689" y="2948625"/>
-            <a:ext cx="7061509" cy="2412511"/>
+        <p:spPr>
+          <a:xfrm>
+            <a:off x="2282825" y="512763"/>
+            <a:ext cx="4575175" cy="2573337"/>
+          </a:xfrm>
+        </p:spPr>
+      </p:sp>
+      <p:sp>
+        <p:nvSpPr>
+          <p:cNvPr id="3" name="备注占位符 2"/>
+          <p:cNvSpPr>
+            <a:spLocks noGrp="1"/>
+          </p:cNvSpPr>
+          <p:nvPr>
+            <p:ph type="body" idx="1"/>
+          </p:nvPr>
+        </p:nvSpPr>
+        <p:spPr>
+          <a:xfrm>
+            <a:off x="914400" y="3300413"/>
+            <a:ext cx="7315200" cy="2700337"/>
           </a:xfrm>
           <a:prstGeom prst="rect">
             <a:avLst/>
@@ -734,12 +780,18 @@
         </p:spPr>
         <p:txBody>
           <a:bodyPr/>
-          <a:p>
-            <a:endParaRPr lang="zh-CN" altLang="en-US"/>
+          <a:lstStyle/>
+          <a:p>
+            <a:endParaRPr lang="zh-CN" altLang="en-US" dirty="0"/>
           </a:p>
         </p:txBody>
       </p:sp>
     </p:spTree>
+    <p:extLst>
+      <p:ext uri="{BB962C8B-B14F-4D97-AF65-F5344CB8AC3E}">
+        <p14:creationId xmlns:p14="http://schemas.microsoft.com/office/powerpoint/2010/main" val="3761968400"/>
+      </p:ext>
+    </p:extLst>
   </p:cSld>
   <p:clrMapOvr>
     <a:masterClrMapping/>
@@ -756,12 +808,500 @@
         <p:cNvGrpSpPr/>
         <p:nvPr/>
       </p:nvGrpSpPr>
-      <p:grpSpPr/>
+      <p:grpSpPr>
+        <a:xfrm>
+          <a:off x="0" y="0"/>
+          <a:ext cx="0" cy="0"/>
+          <a:chOff x="0" y="0"/>
+          <a:chExt cx="0" cy="0"/>
+        </a:xfrm>
+      </p:grpSpPr>
+      <p:sp>
+        <p:nvSpPr>
+          <p:cNvPr id="2" name="幻灯片图像占位符 1"/>
+          <p:cNvSpPr>
+            <a:spLocks noGrp="1" noRot="1" noChangeAspect="1"/>
+          </p:cNvSpPr>
+          <p:nvPr>
+            <p:ph type="sldImg"/>
+          </p:nvPr>
+        </p:nvSpPr>
+        <p:spPr>
+          <a:xfrm>
+            <a:off x="2282825" y="512763"/>
+            <a:ext cx="4575175" cy="2573337"/>
+          </a:xfrm>
+        </p:spPr>
+      </p:sp>
+      <p:sp>
+        <p:nvSpPr>
+          <p:cNvPr id="3" name="备注占位符 2"/>
+          <p:cNvSpPr>
+            <a:spLocks noGrp="1"/>
+          </p:cNvSpPr>
+          <p:nvPr>
+            <p:ph type="body" idx="1"/>
+          </p:nvPr>
+        </p:nvSpPr>
+        <p:spPr>
+          <a:xfrm>
+            <a:off x="914400" y="3300413"/>
+            <a:ext cx="7315200" cy="2700337"/>
+          </a:xfrm>
+          <a:prstGeom prst="rect">
+            <a:avLst/>
+          </a:prstGeom>
+        </p:spPr>
+        <p:txBody>
+          <a:bodyPr/>
+          <a:lstStyle/>
+          <a:p>
+            <a:r>
+              <a:rPr lang="zh-CN" altLang="en-US" dirty="0"/>
+              <a:t>前馈神经网络   多层结构 中间全连接，最后节点输出为</a:t>
+            </a:r>
+            <a:r>
+              <a:rPr lang="en-US" altLang="zh-CN" dirty="0"/>
+              <a:t>1</a:t>
+            </a:r>
+            <a:endParaRPr lang="zh-CN" altLang="en-US" dirty="0"/>
+          </a:p>
+        </p:txBody>
+      </p:sp>
+    </p:spTree>
+    <p:extLst>
+      <p:ext uri="{BB962C8B-B14F-4D97-AF65-F5344CB8AC3E}">
+        <p14:creationId xmlns:p14="http://schemas.microsoft.com/office/powerpoint/2010/main" val="1483604997"/>
+      </p:ext>
+    </p:extLst>
+  </p:cSld>
+  <p:clrMapOvr>
+    <a:masterClrMapping/>
+  </p:clrMapOvr>
+</p:notes>
+</file>
+
+<file path=ppt/notesSlides/notesSlide12.xml><?xml version="1.0" encoding="utf-8"?>
+<p:notes xmlns:a="http://schemas.openxmlformats.org/drawingml/2006/main" xmlns:r="http://schemas.openxmlformats.org/officeDocument/2006/relationships" xmlns:p="http://schemas.openxmlformats.org/presentationml/2006/main">
+  <p:cSld>
+    <p:spTree>
+      <p:nvGrpSpPr>
+        <p:cNvPr id="1" name=""/>
+        <p:cNvGrpSpPr/>
+        <p:nvPr/>
+      </p:nvGrpSpPr>
+      <p:grpSpPr>
+        <a:xfrm>
+          <a:off x="0" y="0"/>
+          <a:ext cx="0" cy="0"/>
+          <a:chOff x="0" y="0"/>
+          <a:chExt cx="0" cy="0"/>
+        </a:xfrm>
+      </p:grpSpPr>
+      <p:sp>
+        <p:nvSpPr>
+          <p:cNvPr id="31745" name="幻灯片图像占位符 1"/>
+          <p:cNvSpPr>
+            <a:spLocks noGrp="1" noRot="1" noChangeAspect="1" noTextEdit="1"/>
+          </p:cNvSpPr>
+          <p:nvPr>
+            <p:ph type="sldImg"/>
+          </p:nvPr>
+        </p:nvSpPr>
+        <p:spPr/>
+      </p:sp>
+      <p:sp>
+        <p:nvSpPr>
+          <p:cNvPr id="31746" name="灯片编号占位符 2"/>
+          <p:cNvSpPr>
+            <a:spLocks noGrp="1"/>
+          </p:cNvSpPr>
+          <p:nvPr>
+            <p:ph type="sldNum" sz="quarter"/>
+          </p:nvPr>
+        </p:nvSpPr>
+        <p:spPr>
+          <a:xfrm>
+            <a:off x="5176838" y="6513513"/>
+            <a:ext cx="3960812" cy="341312"/>
+          </a:xfrm>
+          <a:prstGeom prst="rect">
+            <a:avLst/>
+          </a:prstGeom>
+          <a:solidFill>
+            <a:srgbClr val="FFFFFF"/>
+          </a:solidFill>
+          <a:ln w="9525" cap="flat" cmpd="sng">
+            <a:solidFill>
+              <a:srgbClr val="000000"/>
+            </a:solidFill>
+            <a:prstDash val="solid"/>
+            <a:miter/>
+            <a:headEnd type="none" w="med" len="med"/>
+            <a:tailEnd type="none" w="med" len="med"/>
+          </a:ln>
+        </p:spPr>
+        <p:txBody>
+          <a:bodyPr wrap="square" lIns="96661" tIns="48331" rIns="96661" bIns="48331" anchor="b"/>
+          <a:lstStyle/>
+          <a:p>
+            <a:pPr lvl="0" indent="0" algn="r"/>
+            <a:fld id="{9A0DB2DC-4C9A-4742-B13C-FB6460FD3503}" type="slidenum">
+              <a:rPr lang="en-US" altLang="x-none" dirty="0">
+                <a:ea typeface="宋体" panose="02010600030101010101" pitchFamily="2" charset="-122"/>
+              </a:rPr>
+              <a:t>24</a:t>
+            </a:fld>
+            <a:endParaRPr lang="en-US" altLang="x-none" sz="1300" dirty="0">
+              <a:ea typeface="宋体" panose="02010600030101010101" pitchFamily="2" charset="-122"/>
+            </a:endParaRPr>
+          </a:p>
+        </p:txBody>
+      </p:sp>
+      <p:sp>
+        <p:nvSpPr>
+          <p:cNvPr id="31747" name="文本占位符 3"/>
+          <p:cNvSpPr>
+            <a:spLocks noGrp="1"/>
+          </p:cNvSpPr>
+          <p:nvPr>
+            <p:ph type="body" sz="quarter"/>
+          </p:nvPr>
+        </p:nvSpPr>
+        <p:spPr>
+          <a:xfrm>
+            <a:off x="914400" y="3300413"/>
+            <a:ext cx="7315200" cy="2700337"/>
+          </a:xfrm>
+          <a:prstGeom prst="rect">
+            <a:avLst/>
+          </a:prstGeom>
+          <a:solidFill>
+            <a:srgbClr val="FFFFFF"/>
+          </a:solidFill>
+          <a:ln w="9525" cap="flat" cmpd="sng">
+            <a:solidFill>
+              <a:srgbClr val="000000"/>
+            </a:solidFill>
+            <a:prstDash val="solid"/>
+            <a:round/>
+            <a:headEnd type="none" w="med" len="med"/>
+            <a:tailEnd type="none" w="med" len="med"/>
+          </a:ln>
+        </p:spPr>
+        <p:txBody>
+          <a:bodyPr anchor="t"/>
+          <a:lstStyle/>
+          <a:p>
+            <a:pPr lvl="0" indent="0"/>
+            <a:r>
+              <a:rPr lang="zh-CN" altLang="en-US"/>
+              <a:t>如果输出神经元A 的脉冲总是发生在输入神经元B 的脉冲之前的一个很短的时间窗口内，这就意味着A 与B 之间存在相关联的触发，它们之间的突触就会被增强，神经元之间的连接权重增大；反之，如果输出神经元A 的脉冲总是发生在输入神经元B 的脉冲之后的一个很短的时间窗口内，它们之间的突触就会被减弱。</a:t>
+            </a:r>
+          </a:p>
+        </p:txBody>
+      </p:sp>
+    </p:spTree>
+  </p:cSld>
+  <p:clrMapOvr>
+    <a:masterClrMapping/>
+  </p:clrMapOvr>
+</p:notes>
+</file>
+
+<file path=ppt/notesSlides/notesSlide13.xml><?xml version="1.0" encoding="utf-8"?>
+<p:notes xmlns:a="http://schemas.openxmlformats.org/drawingml/2006/main" xmlns:r="http://schemas.openxmlformats.org/officeDocument/2006/relationships" xmlns:p="http://schemas.openxmlformats.org/presentationml/2006/main">
+  <p:cSld>
+    <p:spTree>
+      <p:nvGrpSpPr>
+        <p:cNvPr id="1" name=""/>
+        <p:cNvGrpSpPr/>
+        <p:nvPr/>
+      </p:nvGrpSpPr>
+      <p:grpSpPr>
+        <a:xfrm>
+          <a:off x="0" y="0"/>
+          <a:ext cx="0" cy="0"/>
+          <a:chOff x="0" y="0"/>
+          <a:chExt cx="0" cy="0"/>
+        </a:xfrm>
+      </p:grpSpPr>
+      <p:sp>
+        <p:nvSpPr>
+          <p:cNvPr id="34817" name="幻灯片图像占位符 1"/>
+          <p:cNvSpPr>
+            <a:spLocks noGrp="1" noRot="1" noChangeAspect="1" noTextEdit="1"/>
+          </p:cNvSpPr>
+          <p:nvPr>
+            <p:ph type="sldImg"/>
+          </p:nvPr>
+        </p:nvSpPr>
+        <p:spPr>
+          <a:xfrm>
+            <a:off x="2282825" y="512763"/>
+            <a:ext cx="4575175" cy="2573337"/>
+          </a:xfrm>
+        </p:spPr>
+      </p:sp>
+      <p:sp>
+        <p:nvSpPr>
+          <p:cNvPr id="34818" name="灯片编号占位符 2"/>
+          <p:cNvSpPr>
+            <a:spLocks noGrp="1"/>
+          </p:cNvSpPr>
+          <p:nvPr>
+            <p:ph type="sldNum" sz="quarter"/>
+          </p:nvPr>
+        </p:nvSpPr>
+        <p:spPr>
+          <a:xfrm>
+            <a:off x="5176838" y="6513513"/>
+            <a:ext cx="3960812" cy="341312"/>
+          </a:xfrm>
+          <a:prstGeom prst="rect">
+            <a:avLst/>
+          </a:prstGeom>
+          <a:solidFill>
+            <a:srgbClr val="FFFFFF"/>
+          </a:solidFill>
+          <a:ln w="9525" cap="flat" cmpd="sng">
+            <a:solidFill>
+              <a:srgbClr val="000000"/>
+            </a:solidFill>
+            <a:prstDash val="solid"/>
+            <a:miter/>
+            <a:headEnd type="none" w="med" len="med"/>
+            <a:tailEnd type="none" w="med" len="med"/>
+          </a:ln>
+        </p:spPr>
+        <p:txBody>
+          <a:bodyPr wrap="square" lIns="96661" tIns="48331" rIns="96661" bIns="48331" anchor="b"/>
+          <a:lstStyle/>
+          <a:p>
+            <a:pPr lvl="0" indent="0" algn="r"/>
+            <a:fld id="{9A0DB2DC-4C9A-4742-B13C-FB6460FD3503}" type="slidenum">
+              <a:rPr lang="en-US" altLang="x-none" dirty="0">
+                <a:ea typeface="宋体" panose="02010600030101010101" pitchFamily="2" charset="-122"/>
+              </a:rPr>
+              <a:t>26</a:t>
+            </a:fld>
+            <a:endParaRPr lang="en-US" altLang="x-none" sz="1300" dirty="0">
+              <a:ea typeface="宋体" panose="02010600030101010101" pitchFamily="2" charset="-122"/>
+            </a:endParaRPr>
+          </a:p>
+        </p:txBody>
+      </p:sp>
+      <p:sp>
+        <p:nvSpPr>
+          <p:cNvPr id="34819" name="文本占位符 3"/>
+          <p:cNvSpPr>
+            <a:spLocks noGrp="1"/>
+          </p:cNvSpPr>
+          <p:nvPr>
+            <p:ph type="body" sz="quarter"/>
+          </p:nvPr>
+        </p:nvSpPr>
+        <p:spPr>
+          <a:xfrm>
+            <a:off x="914400" y="3300413"/>
+            <a:ext cx="7315200" cy="2700337"/>
+          </a:xfrm>
+          <a:prstGeom prst="rect">
+            <a:avLst/>
+          </a:prstGeom>
+          <a:solidFill>
+            <a:srgbClr val="FFFFFF"/>
+          </a:solidFill>
+          <a:ln w="9525" cap="flat" cmpd="sng">
+            <a:solidFill>
+              <a:srgbClr val="000000"/>
+            </a:solidFill>
+            <a:prstDash val="solid"/>
+            <a:round/>
+            <a:headEnd type="none" w="med" len="med"/>
+            <a:tailEnd type="none" w="med" len="med"/>
+          </a:ln>
+        </p:spPr>
+        <p:txBody>
+          <a:bodyPr anchor="t"/>
+          <a:lstStyle/>
+          <a:p>
+            <a:pPr lvl="0" indent="0"/>
+            <a:r>
+              <a:rPr lang="zh-CN" altLang="en-US" dirty="0"/>
+              <a:t>神经元群（不是单个神经元）的活动被普遍认为可以保存信息。由于神经系统比较复杂，单个神经元的活动易受影响，因此群体编码是一个更为可靠的信息编码方式。</a:t>
+            </a:r>
+          </a:p>
+        </p:txBody>
+      </p:sp>
+    </p:spTree>
+  </p:cSld>
+  <p:clrMapOvr>
+    <a:masterClrMapping/>
+  </p:clrMapOvr>
+</p:notes>
+</file>
+
+<file path=ppt/notesSlides/notesSlide14.xml><?xml version="1.0" encoding="utf-8"?>
+<p:notes xmlns:a="http://schemas.openxmlformats.org/drawingml/2006/main" xmlns:r="http://schemas.openxmlformats.org/officeDocument/2006/relationships" xmlns:p="http://schemas.openxmlformats.org/presentationml/2006/main">
+  <p:cSld>
+    <p:spTree>
+      <p:nvGrpSpPr>
+        <p:cNvPr id="1" name=""/>
+        <p:cNvGrpSpPr/>
+        <p:nvPr/>
+      </p:nvGrpSpPr>
+      <p:grpSpPr>
+        <a:xfrm>
+          <a:off x="0" y="0"/>
+          <a:ext cx="0" cy="0"/>
+          <a:chOff x="0" y="0"/>
+          <a:chExt cx="0" cy="0"/>
+        </a:xfrm>
+      </p:grpSpPr>
+      <p:sp>
+        <p:nvSpPr>
+          <p:cNvPr id="2" name="幻灯片图像占位符 1"/>
+          <p:cNvSpPr>
+            <a:spLocks noGrp="1" noRot="1" noChangeAspect="1"/>
+          </p:cNvSpPr>
+          <p:nvPr>
+            <p:ph type="sldImg"/>
+          </p:nvPr>
+        </p:nvSpPr>
+        <p:spPr>
+          <a:xfrm>
+            <a:off x="2282825" y="512763"/>
+            <a:ext cx="4575175" cy="2573337"/>
+          </a:xfrm>
+        </p:spPr>
+      </p:sp>
+      <p:sp>
+        <p:nvSpPr>
+          <p:cNvPr id="3" name="备注占位符 2"/>
+          <p:cNvSpPr>
+            <a:spLocks noGrp="1"/>
+          </p:cNvSpPr>
+          <p:nvPr>
+            <p:ph type="body" idx="1"/>
+          </p:nvPr>
+        </p:nvSpPr>
+        <p:spPr>
+          <a:xfrm>
+            <a:off x="914400" y="3300413"/>
+            <a:ext cx="7315200" cy="2700337"/>
+          </a:xfrm>
+          <a:prstGeom prst="rect">
+            <a:avLst/>
+          </a:prstGeom>
+        </p:spPr>
+        <p:txBody>
+          <a:bodyPr/>
+          <a:lstStyle/>
+          <a:p>
+            <a:endParaRPr lang="zh-CN" altLang="en-US" dirty="0"/>
+          </a:p>
+        </p:txBody>
+      </p:sp>
+    </p:spTree>
+    <p:extLst>
+      <p:ext uri="{BB962C8B-B14F-4D97-AF65-F5344CB8AC3E}">
+        <p14:creationId xmlns:p14="http://schemas.microsoft.com/office/powerpoint/2010/main" val="3504726884"/>
+      </p:ext>
+    </p:extLst>
+  </p:cSld>
+  <p:clrMapOvr>
+    <a:masterClrMapping/>
+  </p:clrMapOvr>
+</p:notes>
+</file>
+
+<file path=ppt/notesSlides/notesSlide15.xml><?xml version="1.0" encoding="utf-8"?>
+<p:notes xmlns:a="http://schemas.openxmlformats.org/drawingml/2006/main" xmlns:r="http://schemas.openxmlformats.org/officeDocument/2006/relationships" xmlns:p="http://schemas.openxmlformats.org/presentationml/2006/main">
+  <p:cSld>
+    <p:spTree>
+      <p:nvGrpSpPr>
+        <p:cNvPr id="1" name=""/>
+        <p:cNvGrpSpPr/>
+        <p:nvPr/>
+      </p:nvGrpSpPr>
+      <p:grpSpPr>
+        <a:xfrm>
+          <a:off x="0" y="0"/>
+          <a:ext cx="0" cy="0"/>
+          <a:chOff x="0" y="0"/>
+          <a:chExt cx="0" cy="0"/>
+        </a:xfrm>
+      </p:grpSpPr>
+      <p:sp>
+        <p:nvSpPr>
+          <p:cNvPr id="2" name="幻灯片图像占位符 1"/>
+          <p:cNvSpPr>
+            <a:spLocks noGrp="1" noRot="1" noChangeAspect="1"/>
+          </p:cNvSpPr>
+          <p:nvPr>
+            <p:ph type="sldImg"/>
+          </p:nvPr>
+        </p:nvSpPr>
+        <p:spPr/>
+      </p:sp>
+      <p:sp>
+        <p:nvSpPr>
+          <p:cNvPr id="3" name="文本占位符 2"/>
+          <p:cNvSpPr>
+            <a:spLocks noGrp="1"/>
+          </p:cNvSpPr>
+          <p:nvPr>
+            <p:ph type="body" sz="quarter"/>
+          </p:nvPr>
+        </p:nvSpPr>
+        <p:spPr>
+          <a:xfrm>
+            <a:off x="882689" y="2948625"/>
+            <a:ext cx="7061509" cy="2412511"/>
+          </a:xfrm>
+          <a:prstGeom prst="rect">
+            <a:avLst/>
+          </a:prstGeom>
+        </p:spPr>
+        <p:txBody>
+          <a:bodyPr/>
+          <a:lstStyle/>
+          <a:p>
+            <a:endParaRPr lang="zh-CN" altLang="en-US" dirty="0"/>
+          </a:p>
+        </p:txBody>
+      </p:sp>
+    </p:spTree>
+  </p:cSld>
+  <p:clrMapOvr>
+    <a:masterClrMapping/>
+  </p:clrMapOvr>
+</p:notes>
+</file>
+
+<file path=ppt/notesSlides/notesSlide16.xml><?xml version="1.0" encoding="utf-8"?>
+<p:notes xmlns:a="http://schemas.openxmlformats.org/drawingml/2006/main" xmlns:r="http://schemas.openxmlformats.org/officeDocument/2006/relationships" xmlns:p="http://schemas.openxmlformats.org/presentationml/2006/main">
+  <p:cSld>
+    <p:spTree>
+      <p:nvGrpSpPr>
+        <p:cNvPr id="1" name=""/>
+        <p:cNvGrpSpPr/>
+        <p:nvPr/>
+      </p:nvGrpSpPr>
+      <p:grpSpPr>
+        <a:xfrm>
+          <a:off x="0" y="0"/>
+          <a:ext cx="0" cy="0"/>
+          <a:chOff x="0" y="0"/>
+          <a:chExt cx="0" cy="0"/>
+        </a:xfrm>
+      </p:grpSpPr>
       <p:sp>
         <p:nvSpPr>
           <p:cNvPr id="41985" name="幻灯片图像占位符 1"/>
           <p:cNvSpPr>
-            <a:spLocks noGrp="1" noRot="1" noTextEdit="1"/>
+            <a:spLocks noGrp="1" noRot="1" noChangeAspect="1" noTextEdit="1"/>
           </p:cNvSpPr>
           <p:nvPr>
             <p:ph type="sldImg"/>
@@ -794,6 +1334,7 @@
         </p:spPr>
         <p:txBody>
           <a:bodyPr anchor="t"/>
+          <a:lstStyle/>
           <a:p>
             <a:pPr lvl="0" indent="0"/>
             <a:endParaRPr lang="zh-CN" altLang="en-US"/>
@@ -817,12 +1358,19 @@
         <p:cNvGrpSpPr/>
         <p:nvPr/>
       </p:nvGrpSpPr>
-      <p:grpSpPr/>
+      <p:grpSpPr>
+        <a:xfrm>
+          <a:off x="0" y="0"/>
+          <a:ext cx="0" cy="0"/>
+          <a:chOff x="0" y="0"/>
+          <a:chExt cx="0" cy="0"/>
+        </a:xfrm>
+      </p:grpSpPr>
       <p:sp>
         <p:nvSpPr>
           <p:cNvPr id="10241" name="幻灯片图像占位符 1"/>
           <p:cNvSpPr>
-            <a:spLocks noGrp="1" noRot="1" noTextEdit="1"/>
+            <a:spLocks noGrp="1" noRot="1" noChangeAspect="1" noTextEdit="1"/>
           </p:cNvSpPr>
           <p:nvPr>
             <p:ph type="sldImg"/>
@@ -863,12 +1411,14 @@
         </p:spPr>
         <p:txBody>
           <a:bodyPr wrap="square" lIns="96661" tIns="48331" rIns="96661" bIns="48331" anchor="b"/>
+          <a:lstStyle/>
           <a:p>
             <a:pPr lvl="0" indent="0" algn="r"/>
             <a:fld id="{9A0DB2DC-4C9A-4742-B13C-FB6460FD3503}" type="slidenum">
               <a:rPr lang="en-US" altLang="x-none" dirty="0">
                 <a:ea typeface="宋体" panose="02010600030101010101" pitchFamily="2" charset="-122"/>
               </a:rPr>
+              <a:t>6</a:t>
             </a:fld>
             <a:endParaRPr lang="en-US" altLang="x-none" sz="1300" dirty="0">
               <a:ea typeface="宋体" panose="02010600030101010101" pitchFamily="2" charset="-122"/>
@@ -909,13 +1459,13 @@
         </p:spPr>
         <p:txBody>
           <a:bodyPr anchor="t"/>
+          <a:lstStyle/>
           <a:p>
             <a:pPr lvl="0" indent="0"/>
             <a:r>
               <a:rPr lang="zh-CN" altLang="en-US"/>
               <a:t>2013年1月，欧盟的“人类大脑计划”(Human Brain Project)，10年将耗资10亿欧元，旨在用巨型计算机模拟整个人类大脑</a:t>
             </a:r>
-            <a:endParaRPr lang="zh-CN" altLang="en-US"/>
           </a:p>
           <a:p>
             <a:pPr lvl="0" indent="0"/>
@@ -943,7 +1493,6 @@
               <a:rPr lang="zh-CN" altLang="en-US"/>
               <a:t>年6月“脑计划”被制订为短、中、长三期计划，着眼于研究大脑活动中的所有神经元，绘制详尽的神经回路图谱，探索神经元、神经回路与大脑功能间的关系。</a:t>
             </a:r>
-            <a:endParaRPr lang="zh-CN" altLang="en-US"/>
           </a:p>
         </p:txBody>
       </p:sp>
@@ -964,12 +1513,19 @@
         <p:cNvGrpSpPr/>
         <p:nvPr/>
       </p:nvGrpSpPr>
-      <p:grpSpPr/>
+      <p:grpSpPr>
+        <a:xfrm>
+          <a:off x="0" y="0"/>
+          <a:ext cx="0" cy="0"/>
+          <a:chOff x="0" y="0"/>
+          <a:chExt cx="0" cy="0"/>
+        </a:xfrm>
+      </p:grpSpPr>
       <p:sp>
         <p:nvSpPr>
           <p:cNvPr id="12289" name="幻灯片图像占位符 1"/>
           <p:cNvSpPr>
-            <a:spLocks noGrp="1" noRot="1" noTextEdit="1"/>
+            <a:spLocks noGrp="1" noRot="1" noChangeAspect="1" noTextEdit="1"/>
           </p:cNvSpPr>
           <p:nvPr>
             <p:ph type="sldImg"/>
@@ -1002,13 +1558,13 @@
         </p:spPr>
         <p:txBody>
           <a:bodyPr anchor="t"/>
+          <a:lstStyle/>
           <a:p>
             <a:pPr lvl="0" indent="0"/>
             <a:r>
               <a:rPr lang="zh-CN" altLang="en-US"/>
               <a:t>2014年年初中科院启动脑科学卓越创新中心，标志着中国国家层面科学院进军人脑工程领域。</a:t>
             </a:r>
-            <a:endParaRPr lang="zh-CN" altLang="en-US"/>
           </a:p>
         </p:txBody>
       </p:sp>
@@ -1029,11 +1585,20 @@
         <p:cNvGrpSpPr/>
         <p:nvPr/>
       </p:nvGrpSpPr>
-      <p:grpSpPr/>
+      <p:grpSpPr>
+        <a:xfrm>
+          <a:off x="0" y="0"/>
+          <a:ext cx="0" cy="0"/>
+          <a:chOff x="0" y="0"/>
+          <a:chExt cx="0" cy="0"/>
+        </a:xfrm>
+      </p:grpSpPr>
       <p:sp>
         <p:nvSpPr>
           <p:cNvPr id="2" name="幻灯片图像占位符 1"/>
-          <p:cNvSpPr/>
+          <p:cNvSpPr>
+            <a:spLocks noGrp="1" noRot="1" noChangeAspect="1"/>
+          </p:cNvSpPr>
           <p:nvPr>
             <p:ph type="sldImg"/>
           </p:nvPr>
@@ -1061,6 +1626,7 @@
         </p:spPr>
         <p:txBody>
           <a:bodyPr/>
+          <a:lstStyle/>
           <a:p>
             <a:endParaRPr lang="zh-CN" altLang="en-US"/>
           </a:p>
@@ -1083,11 +1649,20 @@
         <p:cNvGrpSpPr/>
         <p:nvPr/>
       </p:nvGrpSpPr>
-      <p:grpSpPr/>
+      <p:grpSpPr>
+        <a:xfrm>
+          <a:off x="0" y="0"/>
+          <a:ext cx="0" cy="0"/>
+          <a:chOff x="0" y="0"/>
+          <a:chExt cx="0" cy="0"/>
+        </a:xfrm>
+      </p:grpSpPr>
       <p:sp>
         <p:nvSpPr>
           <p:cNvPr id="2" name="幻灯片图像占位符 1"/>
-          <p:cNvSpPr/>
+          <p:cNvSpPr>
+            <a:spLocks noGrp="1" noRot="1" noChangeAspect="1"/>
+          </p:cNvSpPr>
           <p:nvPr>
             <p:ph type="sldImg"/>
           </p:nvPr>
@@ -1115,6 +1690,7 @@
         </p:spPr>
         <p:txBody>
           <a:bodyPr/>
+          <a:lstStyle/>
           <a:p>
             <a:endParaRPr lang="zh-CN" altLang="en-US"/>
           </a:p>
@@ -1137,11 +1713,20 @@
         <p:cNvGrpSpPr/>
         <p:nvPr/>
       </p:nvGrpSpPr>
-      <p:grpSpPr/>
+      <p:grpSpPr>
+        <a:xfrm>
+          <a:off x="0" y="0"/>
+          <a:ext cx="0" cy="0"/>
+          <a:chOff x="0" y="0"/>
+          <a:chExt cx="0" cy="0"/>
+        </a:xfrm>
+      </p:grpSpPr>
       <p:sp>
         <p:nvSpPr>
           <p:cNvPr id="2" name="幻灯片图像占位符 1"/>
-          <p:cNvSpPr/>
+          <p:cNvSpPr>
+            <a:spLocks noGrp="1" noRot="1" noChangeAspect="1"/>
+          </p:cNvSpPr>
           <p:nvPr>
             <p:ph type="sldImg"/>
           </p:nvPr>
@@ -1169,6 +1754,7 @@
         </p:spPr>
         <p:txBody>
           <a:bodyPr/>
+          <a:lstStyle/>
           <a:p>
             <a:endParaRPr lang="zh-CN" altLang="en-US"/>
           </a:p>
@@ -1191,11 +1777,20 @@
         <p:cNvGrpSpPr/>
         <p:nvPr/>
       </p:nvGrpSpPr>
-      <p:grpSpPr/>
+      <p:grpSpPr>
+        <a:xfrm>
+          <a:off x="0" y="0"/>
+          <a:ext cx="0" cy="0"/>
+          <a:chOff x="0" y="0"/>
+          <a:chExt cx="0" cy="0"/>
+        </a:xfrm>
+      </p:grpSpPr>
       <p:sp>
         <p:nvSpPr>
           <p:cNvPr id="2" name="幻灯片图像占位符 1"/>
-          <p:cNvSpPr/>
+          <p:cNvSpPr>
+            <a:spLocks noGrp="1" noRot="1" noChangeAspect="1"/>
+          </p:cNvSpPr>
           <p:nvPr>
             <p:ph type="sldImg"/>
           </p:nvPr>
@@ -1223,8 +1818,9 @@
         </p:spPr>
         <p:txBody>
           <a:bodyPr/>
-          <a:p>
-            <a:endParaRPr lang="zh-CN" altLang="en-US"/>
+          <a:lstStyle/>
+          <a:p>
+            <a:endParaRPr lang="zh-CN" altLang="en-US" dirty="0"/>
           </a:p>
         </p:txBody>
       </p:sp>
@@ -1245,109 +1841,64 @@
         <p:cNvGrpSpPr/>
         <p:nvPr/>
       </p:nvGrpSpPr>
-      <p:grpSpPr/>
-      <p:sp>
-        <p:nvSpPr>
-          <p:cNvPr id="31745" name="幻灯片图像占位符 1"/>
-          <p:cNvSpPr>
-            <a:spLocks noGrp="1" noRot="1" noTextEdit="1"/>
+      <p:grpSpPr>
+        <a:xfrm>
+          <a:off x="0" y="0"/>
+          <a:ext cx="0" cy="0"/>
+          <a:chOff x="0" y="0"/>
+          <a:chExt cx="0" cy="0"/>
+        </a:xfrm>
+      </p:grpSpPr>
+      <p:sp>
+        <p:nvSpPr>
+          <p:cNvPr id="2" name="幻灯片图像占位符 1"/>
+          <p:cNvSpPr>
+            <a:spLocks noGrp="1" noRot="1" noChangeAspect="1"/>
           </p:cNvSpPr>
           <p:nvPr>
             <p:ph type="sldImg"/>
           </p:nvPr>
         </p:nvSpPr>
-        <p:spPr/>
-      </p:sp>
-      <p:sp>
-        <p:nvSpPr>
-          <p:cNvPr id="31746" name="灯片编号占位符 2"/>
-          <p:cNvSpPr>
-            <a:spLocks noGrp="1"/>
-          </p:cNvSpPr>
-          <p:nvPr>
-            <p:ph type="sldNum" sz="quarter"/>
-          </p:nvPr>
-        </p:nvSpPr>
-        <p:spPr>
-          <a:xfrm>
-            <a:off x="5176838" y="6513513"/>
-            <a:ext cx="3960812" cy="341312"/>
+        <p:spPr>
+          <a:xfrm>
+            <a:off x="2282825" y="512763"/>
+            <a:ext cx="4575175" cy="2573337"/>
+          </a:xfrm>
+        </p:spPr>
+      </p:sp>
+      <p:sp>
+        <p:nvSpPr>
+          <p:cNvPr id="3" name="备注占位符 2"/>
+          <p:cNvSpPr>
+            <a:spLocks noGrp="1"/>
+          </p:cNvSpPr>
+          <p:nvPr>
+            <p:ph type="body" idx="1"/>
+          </p:nvPr>
+        </p:nvSpPr>
+        <p:spPr>
+          <a:xfrm>
+            <a:off x="914400" y="3300413"/>
+            <a:ext cx="7315200" cy="2700337"/>
           </a:xfrm>
           <a:prstGeom prst="rect">
             <a:avLst/>
           </a:prstGeom>
-          <a:solidFill>
-            <a:srgbClr val="FFFFFF"/>
-          </a:solidFill>
-          <a:ln w="9525" cap="flat" cmpd="sng">
-            <a:solidFill>
-              <a:srgbClr val="000000"/>
-            </a:solidFill>
-            <a:prstDash val="solid"/>
-            <a:miter/>
-            <a:headEnd type="none" w="med" len="med"/>
-            <a:tailEnd type="none" w="med" len="med"/>
-          </a:ln>
-        </p:spPr>
-        <p:txBody>
-          <a:bodyPr wrap="square" lIns="96661" tIns="48331" rIns="96661" bIns="48331" anchor="b"/>
-          <a:p>
-            <a:pPr lvl="0" indent="0" algn="r"/>
-            <a:fld id="{9A0DB2DC-4C9A-4742-B13C-FB6460FD3503}" type="slidenum">
-              <a:rPr lang="en-US" altLang="x-none" dirty="0">
-                <a:ea typeface="宋体" panose="02010600030101010101" pitchFamily="2" charset="-122"/>
-              </a:rPr>
-            </a:fld>
-            <a:endParaRPr lang="en-US" altLang="x-none" sz="1300" dirty="0">
-              <a:ea typeface="宋体" panose="02010600030101010101" pitchFamily="2" charset="-122"/>
-            </a:endParaRPr>
-          </a:p>
-        </p:txBody>
-      </p:sp>
-      <p:sp>
-        <p:nvSpPr>
-          <p:cNvPr id="31747" name="文本占位符 3"/>
-          <p:cNvSpPr>
-            <a:spLocks noGrp="1"/>
-          </p:cNvSpPr>
-          <p:nvPr>
-            <p:ph type="body" sz="quarter"/>
-          </p:nvPr>
-        </p:nvSpPr>
-        <p:spPr>
-          <a:xfrm>
-            <a:off x="914400" y="3300413"/>
-            <a:ext cx="7315200" cy="2700337"/>
-          </a:xfrm>
-          <a:prstGeom prst="rect">
-            <a:avLst/>
-          </a:prstGeom>
-          <a:solidFill>
-            <a:srgbClr val="FFFFFF"/>
-          </a:solidFill>
-          <a:ln w="9525" cap="flat" cmpd="sng">
-            <a:solidFill>
-              <a:srgbClr val="000000"/>
-            </a:solidFill>
-            <a:prstDash val="solid"/>
-            <a:round/>
-            <a:headEnd type="none" w="med" len="med"/>
-            <a:tailEnd type="none" w="med" len="med"/>
-          </a:ln>
-        </p:spPr>
-        <p:txBody>
-          <a:bodyPr anchor="t"/>
-          <a:p>
-            <a:pPr lvl="0" indent="0"/>
-            <a:r>
-              <a:rPr lang="zh-CN" altLang="en-US"/>
-              <a:t>如果输出神经元A 的脉冲总是发生在输入神经元B 的脉冲之前的一个很短的时间窗口内，这就意味着A 与B 之间存在相关联的触发，它们之间的突触就会被增强，神经元之间的连接权重增大；反之，如果输出神经元A 的脉冲总是发生在输入神经元B 的脉冲之后的一个很短的时间窗口内，它们之间的突触就会被减弱。</a:t>
-            </a:r>
-            <a:endParaRPr lang="zh-CN" altLang="en-US"/>
+        </p:spPr>
+        <p:txBody>
+          <a:bodyPr/>
+          <a:lstStyle/>
+          <a:p>
+            <a:endParaRPr lang="zh-CN" altLang="en-US" dirty="0"/>
           </a:p>
         </p:txBody>
       </p:sp>
     </p:spTree>
+    <p:extLst>
+      <p:ext uri="{BB962C8B-B14F-4D97-AF65-F5344CB8AC3E}">
+        <p14:creationId xmlns:p14="http://schemas.microsoft.com/office/powerpoint/2010/main" val="2189515101"/>
+      </p:ext>
+    </p:extLst>
   </p:cSld>
   <p:clrMapOvr>
     <a:masterClrMapping/>
@@ -1364,109 +1915,83 @@
         <p:cNvGrpSpPr/>
         <p:nvPr/>
       </p:nvGrpSpPr>
-      <p:grpSpPr/>
-      <p:sp>
-        <p:nvSpPr>
-          <p:cNvPr id="34817" name="幻灯片图像占位符 1"/>
-          <p:cNvSpPr>
-            <a:spLocks noGrp="1" noRot="1" noTextEdit="1"/>
+      <p:grpSpPr>
+        <a:xfrm>
+          <a:off x="0" y="0"/>
+          <a:ext cx="0" cy="0"/>
+          <a:chOff x="0" y="0"/>
+          <a:chExt cx="0" cy="0"/>
+        </a:xfrm>
+      </p:grpSpPr>
+      <p:sp>
+        <p:nvSpPr>
+          <p:cNvPr id="2" name="幻灯片图像占位符 1"/>
+          <p:cNvSpPr>
+            <a:spLocks noGrp="1" noRot="1" noChangeAspect="1"/>
           </p:cNvSpPr>
           <p:nvPr>
             <p:ph type="sldImg"/>
           </p:nvPr>
         </p:nvSpPr>
-        <p:spPr/>
-      </p:sp>
-      <p:sp>
-        <p:nvSpPr>
-          <p:cNvPr id="34818" name="灯片编号占位符 2"/>
-          <p:cNvSpPr>
-            <a:spLocks noGrp="1"/>
-          </p:cNvSpPr>
-          <p:nvPr>
-            <p:ph type="sldNum" sz="quarter"/>
-          </p:nvPr>
-        </p:nvSpPr>
-        <p:spPr>
-          <a:xfrm>
-            <a:off x="5176838" y="6513513"/>
-            <a:ext cx="3960812" cy="341312"/>
+        <p:spPr>
+          <a:xfrm>
+            <a:off x="2282825" y="512763"/>
+            <a:ext cx="4575175" cy="2573337"/>
+          </a:xfrm>
+        </p:spPr>
+      </p:sp>
+      <p:sp>
+        <p:nvSpPr>
+          <p:cNvPr id="3" name="备注占位符 2"/>
+          <p:cNvSpPr>
+            <a:spLocks noGrp="1"/>
+          </p:cNvSpPr>
+          <p:nvPr>
+            <p:ph type="body" idx="1"/>
+          </p:nvPr>
+        </p:nvSpPr>
+        <p:spPr>
+          <a:xfrm>
+            <a:off x="914400" y="3300413"/>
+            <a:ext cx="7315200" cy="2700337"/>
           </a:xfrm>
           <a:prstGeom prst="rect">
             <a:avLst/>
           </a:prstGeom>
-          <a:solidFill>
-            <a:srgbClr val="FFFFFF"/>
-          </a:solidFill>
-          <a:ln w="9525" cap="flat" cmpd="sng">
-            <a:solidFill>
-              <a:srgbClr val="000000"/>
-            </a:solidFill>
-            <a:prstDash val="solid"/>
-            <a:miter/>
-            <a:headEnd type="none" w="med" len="med"/>
-            <a:tailEnd type="none" w="med" len="med"/>
-          </a:ln>
-        </p:spPr>
-        <p:txBody>
-          <a:bodyPr wrap="square" lIns="96661" tIns="48331" rIns="96661" bIns="48331" anchor="b"/>
-          <a:p>
-            <a:pPr lvl="0" indent="0" algn="r"/>
-            <a:fld id="{9A0DB2DC-4C9A-4742-B13C-FB6460FD3503}" type="slidenum">
-              <a:rPr lang="en-US" altLang="x-none" dirty="0">
-                <a:ea typeface="宋体" panose="02010600030101010101" pitchFamily="2" charset="-122"/>
-              </a:rPr>
-            </a:fld>
-            <a:endParaRPr lang="en-US" altLang="x-none" sz="1300" dirty="0">
-              <a:ea typeface="宋体" panose="02010600030101010101" pitchFamily="2" charset="-122"/>
-            </a:endParaRPr>
-          </a:p>
-        </p:txBody>
-      </p:sp>
-      <p:sp>
-        <p:nvSpPr>
-          <p:cNvPr id="34819" name="文本占位符 3"/>
-          <p:cNvSpPr>
-            <a:spLocks noGrp="1"/>
-          </p:cNvSpPr>
-          <p:nvPr>
-            <p:ph type="body" sz="quarter"/>
-          </p:nvPr>
-        </p:nvSpPr>
-        <p:spPr>
-          <a:xfrm>
-            <a:off x="914400" y="3300413"/>
-            <a:ext cx="7315200" cy="2700337"/>
-          </a:xfrm>
-          <a:prstGeom prst="rect">
-            <a:avLst/>
-          </a:prstGeom>
-          <a:solidFill>
-            <a:srgbClr val="FFFFFF"/>
-          </a:solidFill>
-          <a:ln w="9525" cap="flat" cmpd="sng">
-            <a:solidFill>
-              <a:srgbClr val="000000"/>
-            </a:solidFill>
-            <a:prstDash val="solid"/>
-            <a:round/>
-            <a:headEnd type="none" w="med" len="med"/>
-            <a:tailEnd type="none" w="med" len="med"/>
-          </a:ln>
-        </p:spPr>
-        <p:txBody>
-          <a:bodyPr anchor="t"/>
-          <a:p>
-            <a:pPr lvl="0" indent="0"/>
-            <a:r>
-              <a:rPr lang="zh-CN" altLang="en-US"/>
-              <a:t>神经元群（不是单个神经元）的活动被普遍认为可以保存信息。由于神经系统比较复杂，单个神经元的活动易受影响，因此群体编码是一个更为可靠的信息编码方式。</a:t>
-            </a:r>
-            <a:endParaRPr lang="zh-CN" altLang="en-US"/>
+        </p:spPr>
+        <p:txBody>
+          <a:bodyPr/>
+          <a:lstStyle/>
+          <a:p>
+            <a:r>
+              <a:rPr lang="zh-CN" altLang="en-US" dirty="0"/>
+              <a:t>和</a:t>
+            </a:r>
+            <a:r>
+              <a:rPr lang="en-US" altLang="zh-CN" dirty="0"/>
+              <a:t>LIF</a:t>
+            </a:r>
+            <a:r>
+              <a:rPr lang="zh-CN" altLang="en-US" dirty="0"/>
+              <a:t>相比，增加了两个离子通道。比</a:t>
+            </a:r>
+            <a:r>
+              <a:rPr lang="en-US" altLang="zh-CN" dirty="0"/>
+              <a:t>LIF</a:t>
+            </a:r>
+            <a:r>
+              <a:rPr lang="zh-CN" altLang="en-US" dirty="0"/>
+              <a:t>方程复杂很多，用电路来模拟出钠离子和钾离子</a:t>
+            </a:r>
           </a:p>
         </p:txBody>
       </p:sp>
     </p:spTree>
+    <p:extLst>
+      <p:ext uri="{BB962C8B-B14F-4D97-AF65-F5344CB8AC3E}">
+        <p14:creationId xmlns:p14="http://schemas.microsoft.com/office/powerpoint/2010/main" val="4107487592"/>
+      </p:ext>
+    </p:extLst>
   </p:cSld>
   <p:clrMapOvr>
     <a:masterClrMapping/>
@@ -1517,10 +2042,9 @@
           <a:p>
             <a:pPr fontAlgn="base"/>
             <a:r>
-              <a:rPr lang="zh-CN" altLang="en-US" strike="noStrike" noProof="1" smtClean="0"/>
+              <a:rPr lang="zh-CN" altLang="en-US" strike="noStrike" noProof="1"/>
               <a:t>单击此处编辑母版标题样式</a:t>
             </a:r>
-            <a:endParaRPr lang="zh-CN" altLang="en-US" strike="noStrike" noProof="1"/>
           </a:p>
         </p:txBody>
       </p:sp>
@@ -1583,10 +2107,9 @@
           <a:p>
             <a:pPr fontAlgn="base"/>
             <a:r>
-              <a:rPr lang="zh-CN" altLang="en-US" strike="noStrike" noProof="1" smtClean="0"/>
+              <a:rPr lang="zh-CN" altLang="en-US" strike="noStrike" noProof="1"/>
               <a:t>单击此处编辑母版副标题样式</a:t>
             </a:r>
-            <a:endParaRPr lang="zh-CN" altLang="en-US" strike="noStrike" noProof="1"/>
           </a:p>
         </p:txBody>
       </p:sp>
@@ -1603,8 +2126,10 @@
         <p:spPr/>
         <p:txBody>
           <a:bodyPr/>
+          <a:lstStyle/>
           <a:p>
             <a:pPr lvl="0" fontAlgn="base"/>
+            <a:endParaRPr/>
           </a:p>
         </p:txBody>
       </p:sp>
@@ -1621,8 +2146,10 @@
         <p:spPr/>
         <p:txBody>
           <a:bodyPr/>
+          <a:lstStyle/>
           <a:p>
             <a:pPr lvl="0" fontAlgn="base"/>
+            <a:endParaRPr/>
           </a:p>
         </p:txBody>
       </p:sp>
@@ -1639,6 +2166,7 @@
         <p:spPr/>
         <p:txBody>
           <a:bodyPr/>
+          <a:lstStyle/>
           <a:p>
             <a:pPr lvl="0" fontAlgn="base"/>
             <a:fld id="{9A0DB2DC-4C9A-4742-B13C-FB6460FD3503}" type="slidenum">
@@ -1647,8 +2175,9 @@
                 <a:ea typeface="宋体" panose="02010600030101010101" pitchFamily="2" charset="-122"/>
                 <a:cs typeface="+mn-ea"/>
               </a:rPr>
+              <a:t>‹#›</a:t>
             </a:fld>
-            <a:endParaRPr lang="zh-CN" altLang="en-US" strike="noStrike" noProof="1" dirty="0"/>
+            <a:endParaRPr lang="zh-CN" altLang="en-US" strike="noStrike" noProof="1"/>
           </a:p>
         </p:txBody>
       </p:sp>
@@ -1695,10 +2224,9 @@
           <a:p>
             <a:pPr fontAlgn="base"/>
             <a:r>
-              <a:rPr lang="zh-CN" altLang="en-US" strike="noStrike" noProof="1" smtClean="0"/>
+              <a:rPr lang="zh-CN" altLang="en-US" strike="noStrike" noProof="1"/>
               <a:t>单击此处编辑母版标题样式</a:t>
             </a:r>
-            <a:endParaRPr lang="zh-CN" altLang="en-US" strike="noStrike" noProof="1"/>
           </a:p>
         </p:txBody>
       </p:sp>
@@ -1719,42 +2247,37 @@
           <a:p>
             <a:pPr lvl="0" fontAlgn="base"/>
             <a:r>
-              <a:rPr lang="zh-CN" altLang="en-US" strike="noStrike" noProof="1" smtClean="0"/>
+              <a:rPr lang="zh-CN" altLang="en-US" strike="noStrike" noProof="1"/>
               <a:t>单击此处编辑母版文本样式</a:t>
             </a:r>
-            <a:endParaRPr lang="zh-CN" altLang="en-US" strike="noStrike" noProof="1" smtClean="0"/>
           </a:p>
           <a:p>
             <a:pPr lvl="1" fontAlgn="base"/>
             <a:r>
-              <a:rPr lang="zh-CN" altLang="en-US" strike="noStrike" noProof="1" smtClean="0"/>
+              <a:rPr lang="zh-CN" altLang="en-US" strike="noStrike" noProof="1"/>
               <a:t>第二级</a:t>
             </a:r>
-            <a:endParaRPr lang="zh-CN" altLang="en-US" strike="noStrike" noProof="1" smtClean="0"/>
           </a:p>
           <a:p>
             <a:pPr lvl="2" fontAlgn="base"/>
             <a:r>
-              <a:rPr lang="zh-CN" altLang="en-US" strike="noStrike" noProof="1" smtClean="0"/>
+              <a:rPr lang="zh-CN" altLang="en-US" strike="noStrike" noProof="1"/>
               <a:t>第三级</a:t>
             </a:r>
-            <a:endParaRPr lang="zh-CN" altLang="en-US" strike="noStrike" noProof="1" smtClean="0"/>
           </a:p>
           <a:p>
             <a:pPr lvl="3" fontAlgn="base"/>
             <a:r>
-              <a:rPr lang="zh-CN" altLang="en-US" strike="noStrike" noProof="1" smtClean="0"/>
+              <a:rPr lang="zh-CN" altLang="en-US" strike="noStrike" noProof="1"/>
               <a:t>第四级</a:t>
             </a:r>
-            <a:endParaRPr lang="zh-CN" altLang="en-US" strike="noStrike" noProof="1" smtClean="0"/>
           </a:p>
           <a:p>
             <a:pPr lvl="4" fontAlgn="base"/>
             <a:r>
-              <a:rPr lang="zh-CN" altLang="en-US" strike="noStrike" noProof="1" smtClean="0"/>
+              <a:rPr lang="zh-CN" altLang="en-US" strike="noStrike" noProof="1"/>
               <a:t>第五级</a:t>
             </a:r>
-            <a:endParaRPr lang="zh-CN" altLang="en-US" strike="noStrike" noProof="1"/>
           </a:p>
         </p:txBody>
       </p:sp>
@@ -1771,8 +2294,10 @@
         <p:spPr/>
         <p:txBody>
           <a:bodyPr/>
+          <a:lstStyle/>
           <a:p>
             <a:pPr lvl="0" fontAlgn="base"/>
+            <a:endParaRPr/>
           </a:p>
         </p:txBody>
       </p:sp>
@@ -1789,8 +2314,10 @@
         <p:spPr/>
         <p:txBody>
           <a:bodyPr/>
+          <a:lstStyle/>
           <a:p>
             <a:pPr lvl="0" fontAlgn="base"/>
+            <a:endParaRPr/>
           </a:p>
         </p:txBody>
       </p:sp>
@@ -1807,6 +2334,7 @@
         <p:spPr/>
         <p:txBody>
           <a:bodyPr/>
+          <a:lstStyle/>
           <a:p>
             <a:pPr lvl="0" fontAlgn="base"/>
             <a:fld id="{9A0DB2DC-4C9A-4742-B13C-FB6460FD3503}" type="slidenum">
@@ -1815,8 +2343,9 @@
                 <a:ea typeface="宋体" panose="02010600030101010101" pitchFamily="2" charset="-122"/>
                 <a:cs typeface="+mn-ea"/>
               </a:rPr>
+              <a:t>‹#›</a:t>
             </a:fld>
-            <a:endParaRPr lang="zh-CN" altLang="en-US" strike="noStrike" noProof="1" dirty="0"/>
+            <a:endParaRPr lang="zh-CN" altLang="en-US" strike="noStrike" noProof="1"/>
           </a:p>
         </p:txBody>
       </p:sp>
@@ -1868,10 +2397,9 @@
           <a:p>
             <a:pPr fontAlgn="base"/>
             <a:r>
-              <a:rPr lang="zh-CN" altLang="en-US" strike="noStrike" noProof="1" smtClean="0"/>
+              <a:rPr lang="zh-CN" altLang="en-US" strike="noStrike" noProof="1"/>
               <a:t>单击此处编辑母版标题样式</a:t>
             </a:r>
-            <a:endParaRPr lang="zh-CN" altLang="en-US" strike="noStrike" noProof="1"/>
           </a:p>
         </p:txBody>
       </p:sp>
@@ -1897,42 +2425,37 @@
           <a:p>
             <a:pPr lvl="0" fontAlgn="base"/>
             <a:r>
-              <a:rPr lang="zh-CN" altLang="en-US" strike="noStrike" noProof="1" smtClean="0"/>
+              <a:rPr lang="zh-CN" altLang="en-US" strike="noStrike" noProof="1"/>
               <a:t>单击此处编辑母版文本样式</a:t>
             </a:r>
-            <a:endParaRPr lang="zh-CN" altLang="en-US" strike="noStrike" noProof="1" smtClean="0"/>
           </a:p>
           <a:p>
             <a:pPr lvl="1" fontAlgn="base"/>
             <a:r>
-              <a:rPr lang="zh-CN" altLang="en-US" strike="noStrike" noProof="1" smtClean="0"/>
+              <a:rPr lang="zh-CN" altLang="en-US" strike="noStrike" noProof="1"/>
               <a:t>第二级</a:t>
             </a:r>
-            <a:endParaRPr lang="zh-CN" altLang="en-US" strike="noStrike" noProof="1" smtClean="0"/>
           </a:p>
           <a:p>
             <a:pPr lvl="2" fontAlgn="base"/>
             <a:r>
-              <a:rPr lang="zh-CN" altLang="en-US" strike="noStrike" noProof="1" smtClean="0"/>
+              <a:rPr lang="zh-CN" altLang="en-US" strike="noStrike" noProof="1"/>
               <a:t>第三级</a:t>
             </a:r>
-            <a:endParaRPr lang="zh-CN" altLang="en-US" strike="noStrike" noProof="1" smtClean="0"/>
           </a:p>
           <a:p>
             <a:pPr lvl="3" fontAlgn="base"/>
             <a:r>
-              <a:rPr lang="zh-CN" altLang="en-US" strike="noStrike" noProof="1" smtClean="0"/>
+              <a:rPr lang="zh-CN" altLang="en-US" strike="noStrike" noProof="1"/>
               <a:t>第四级</a:t>
             </a:r>
-            <a:endParaRPr lang="zh-CN" altLang="en-US" strike="noStrike" noProof="1" smtClean="0"/>
           </a:p>
           <a:p>
             <a:pPr lvl="4" fontAlgn="base"/>
             <a:r>
-              <a:rPr lang="zh-CN" altLang="en-US" strike="noStrike" noProof="1" smtClean="0"/>
+              <a:rPr lang="zh-CN" altLang="en-US" strike="noStrike" noProof="1"/>
               <a:t>第五级</a:t>
             </a:r>
-            <a:endParaRPr lang="zh-CN" altLang="en-US" strike="noStrike" noProof="1"/>
           </a:p>
         </p:txBody>
       </p:sp>
@@ -1949,8 +2472,10 @@
         <p:spPr/>
         <p:txBody>
           <a:bodyPr/>
+          <a:lstStyle/>
           <a:p>
             <a:pPr lvl="0" fontAlgn="base"/>
+            <a:endParaRPr/>
           </a:p>
         </p:txBody>
       </p:sp>
@@ -1967,8 +2492,10 @@
         <p:spPr/>
         <p:txBody>
           <a:bodyPr/>
+          <a:lstStyle/>
           <a:p>
             <a:pPr lvl="0" fontAlgn="base"/>
+            <a:endParaRPr/>
           </a:p>
         </p:txBody>
       </p:sp>
@@ -1985,6 +2512,7 @@
         <p:spPr/>
         <p:txBody>
           <a:bodyPr/>
+          <a:lstStyle/>
           <a:p>
             <a:pPr lvl="0" fontAlgn="base"/>
             <a:fld id="{9A0DB2DC-4C9A-4742-B13C-FB6460FD3503}" type="slidenum">
@@ -1993,8 +2521,9 @@
                 <a:ea typeface="宋体" panose="02010600030101010101" pitchFamily="2" charset="-122"/>
                 <a:cs typeface="+mn-ea"/>
               </a:rPr>
+              <a:t>‹#›</a:t>
             </a:fld>
-            <a:endParaRPr lang="zh-CN" altLang="en-US" strike="noStrike" noProof="1" dirty="0"/>
+            <a:endParaRPr lang="zh-CN" altLang="en-US" strike="noStrike" noProof="1"/>
           </a:p>
         </p:txBody>
       </p:sp>
@@ -2041,10 +2570,9 @@
           <a:p>
             <a:pPr fontAlgn="base"/>
             <a:r>
-              <a:rPr lang="zh-CN" altLang="en-US" strike="noStrike" noProof="1" smtClean="0"/>
+              <a:rPr lang="zh-CN" altLang="en-US" strike="noStrike" noProof="1"/>
               <a:t>单击此处编辑母版标题样式</a:t>
             </a:r>
-            <a:endParaRPr lang="zh-CN" altLang="en-US" strike="noStrike" noProof="1"/>
           </a:p>
         </p:txBody>
       </p:sp>
@@ -2070,42 +2598,37 @@
           <a:p>
             <a:pPr lvl="0" fontAlgn="base"/>
             <a:r>
-              <a:rPr lang="zh-CN" altLang="en-US" strike="noStrike" noProof="1" smtClean="0"/>
+              <a:rPr lang="zh-CN" altLang="en-US" strike="noStrike" noProof="1"/>
               <a:t>单击此处编辑母版文本样式</a:t>
             </a:r>
-            <a:endParaRPr lang="zh-CN" altLang="en-US" strike="noStrike" noProof="1" smtClean="0"/>
           </a:p>
           <a:p>
             <a:pPr lvl="1" fontAlgn="base"/>
             <a:r>
-              <a:rPr lang="zh-CN" altLang="en-US" strike="noStrike" noProof="1" smtClean="0"/>
+              <a:rPr lang="zh-CN" altLang="en-US" strike="noStrike" noProof="1"/>
               <a:t>第二级</a:t>
             </a:r>
-            <a:endParaRPr lang="zh-CN" altLang="en-US" strike="noStrike" noProof="1" smtClean="0"/>
           </a:p>
           <a:p>
             <a:pPr lvl="2" fontAlgn="base"/>
             <a:r>
-              <a:rPr lang="zh-CN" altLang="en-US" strike="noStrike" noProof="1" smtClean="0"/>
+              <a:rPr lang="zh-CN" altLang="en-US" strike="noStrike" noProof="1"/>
               <a:t>第三级</a:t>
             </a:r>
-            <a:endParaRPr lang="zh-CN" altLang="en-US" strike="noStrike" noProof="1" smtClean="0"/>
           </a:p>
           <a:p>
             <a:pPr lvl="3" fontAlgn="base"/>
             <a:r>
-              <a:rPr lang="zh-CN" altLang="en-US" strike="noStrike" noProof="1" smtClean="0"/>
+              <a:rPr lang="zh-CN" altLang="en-US" strike="noStrike" noProof="1"/>
               <a:t>第四级</a:t>
             </a:r>
-            <a:endParaRPr lang="zh-CN" altLang="en-US" strike="noStrike" noProof="1" smtClean="0"/>
           </a:p>
           <a:p>
             <a:pPr lvl="4" fontAlgn="base"/>
             <a:r>
-              <a:rPr lang="zh-CN" altLang="en-US" strike="noStrike" noProof="1" smtClean="0"/>
+              <a:rPr lang="zh-CN" altLang="en-US" strike="noStrike" noProof="1"/>
               <a:t>第五级</a:t>
             </a:r>
-            <a:endParaRPr lang="zh-CN" altLang="en-US" strike="noStrike" noProof="1"/>
           </a:p>
         </p:txBody>
       </p:sp>
@@ -2131,42 +2654,37 @@
           <a:p>
             <a:pPr lvl="0" fontAlgn="base"/>
             <a:r>
-              <a:rPr lang="zh-CN" altLang="en-US" strike="noStrike" noProof="1" smtClean="0"/>
+              <a:rPr lang="zh-CN" altLang="en-US" strike="noStrike" noProof="1"/>
               <a:t>单击此处编辑母版文本样式</a:t>
             </a:r>
-            <a:endParaRPr lang="zh-CN" altLang="en-US" strike="noStrike" noProof="1" smtClean="0"/>
           </a:p>
           <a:p>
             <a:pPr lvl="1" fontAlgn="base"/>
             <a:r>
-              <a:rPr lang="zh-CN" altLang="en-US" strike="noStrike" noProof="1" smtClean="0"/>
+              <a:rPr lang="zh-CN" altLang="en-US" strike="noStrike" noProof="1"/>
               <a:t>第二级</a:t>
             </a:r>
-            <a:endParaRPr lang="zh-CN" altLang="en-US" strike="noStrike" noProof="1" smtClean="0"/>
           </a:p>
           <a:p>
             <a:pPr lvl="2" fontAlgn="base"/>
             <a:r>
-              <a:rPr lang="zh-CN" altLang="en-US" strike="noStrike" noProof="1" smtClean="0"/>
+              <a:rPr lang="zh-CN" altLang="en-US" strike="noStrike" noProof="1"/>
               <a:t>第三级</a:t>
             </a:r>
-            <a:endParaRPr lang="zh-CN" altLang="en-US" strike="noStrike" noProof="1" smtClean="0"/>
           </a:p>
           <a:p>
             <a:pPr lvl="3" fontAlgn="base"/>
             <a:r>
-              <a:rPr lang="zh-CN" altLang="en-US" strike="noStrike" noProof="1" smtClean="0"/>
+              <a:rPr lang="zh-CN" altLang="en-US" strike="noStrike" noProof="1"/>
               <a:t>第四级</a:t>
             </a:r>
-            <a:endParaRPr lang="zh-CN" altLang="en-US" strike="noStrike" noProof="1" smtClean="0"/>
           </a:p>
           <a:p>
             <a:pPr lvl="4" fontAlgn="base"/>
             <a:r>
-              <a:rPr lang="zh-CN" altLang="en-US" strike="noStrike" noProof="1" smtClean="0"/>
+              <a:rPr lang="zh-CN" altLang="en-US" strike="noStrike" noProof="1"/>
               <a:t>第五级</a:t>
             </a:r>
-            <a:endParaRPr lang="zh-CN" altLang="en-US" strike="noStrike" noProof="1"/>
           </a:p>
         </p:txBody>
       </p:sp>
@@ -2192,42 +2710,37 @@
           <a:p>
             <a:pPr lvl="0" fontAlgn="base"/>
             <a:r>
-              <a:rPr lang="zh-CN" altLang="en-US" strike="noStrike" noProof="1" smtClean="0"/>
+              <a:rPr lang="zh-CN" altLang="en-US" strike="noStrike" noProof="1"/>
               <a:t>单击此处编辑母版文本样式</a:t>
             </a:r>
-            <a:endParaRPr lang="zh-CN" altLang="en-US" strike="noStrike" noProof="1" smtClean="0"/>
           </a:p>
           <a:p>
             <a:pPr lvl="1" fontAlgn="base"/>
             <a:r>
-              <a:rPr lang="zh-CN" altLang="en-US" strike="noStrike" noProof="1" smtClean="0"/>
+              <a:rPr lang="zh-CN" altLang="en-US" strike="noStrike" noProof="1"/>
               <a:t>第二级</a:t>
             </a:r>
-            <a:endParaRPr lang="zh-CN" altLang="en-US" strike="noStrike" noProof="1" smtClean="0"/>
           </a:p>
           <a:p>
             <a:pPr lvl="2" fontAlgn="base"/>
             <a:r>
-              <a:rPr lang="zh-CN" altLang="en-US" strike="noStrike" noProof="1" smtClean="0"/>
+              <a:rPr lang="zh-CN" altLang="en-US" strike="noStrike" noProof="1"/>
               <a:t>第三级</a:t>
             </a:r>
-            <a:endParaRPr lang="zh-CN" altLang="en-US" strike="noStrike" noProof="1" smtClean="0"/>
           </a:p>
           <a:p>
             <a:pPr lvl="3" fontAlgn="base"/>
             <a:r>
-              <a:rPr lang="zh-CN" altLang="en-US" strike="noStrike" noProof="1" smtClean="0"/>
+              <a:rPr lang="zh-CN" altLang="en-US" strike="noStrike" noProof="1"/>
               <a:t>第四级</a:t>
             </a:r>
-            <a:endParaRPr lang="zh-CN" altLang="en-US" strike="noStrike" noProof="1" smtClean="0"/>
           </a:p>
           <a:p>
             <a:pPr lvl="4" fontAlgn="base"/>
             <a:r>
-              <a:rPr lang="zh-CN" altLang="en-US" strike="noStrike" noProof="1" smtClean="0"/>
+              <a:rPr lang="zh-CN" altLang="en-US" strike="noStrike" noProof="1"/>
               <a:t>第五级</a:t>
             </a:r>
-            <a:endParaRPr lang="zh-CN" altLang="en-US" strike="noStrike" noProof="1"/>
           </a:p>
         </p:txBody>
       </p:sp>
@@ -2244,8 +2757,10 @@
         <p:spPr/>
         <p:txBody>
           <a:bodyPr/>
+          <a:lstStyle/>
           <a:p>
             <a:pPr lvl="0" fontAlgn="base"/>
+            <a:endParaRPr/>
           </a:p>
         </p:txBody>
       </p:sp>
@@ -2262,8 +2777,10 @@
         <p:spPr/>
         <p:txBody>
           <a:bodyPr/>
+          <a:lstStyle/>
           <a:p>
             <a:pPr lvl="0" fontAlgn="base"/>
+            <a:endParaRPr/>
           </a:p>
         </p:txBody>
       </p:sp>
@@ -2280,6 +2797,7 @@
         <p:spPr/>
         <p:txBody>
           <a:bodyPr/>
+          <a:lstStyle/>
           <a:p>
             <a:pPr lvl="0" fontAlgn="base"/>
             <a:fld id="{9A0DB2DC-4C9A-4742-B13C-FB6460FD3503}" type="slidenum">
@@ -2288,8 +2806,9 @@
                 <a:ea typeface="宋体" panose="02010600030101010101" pitchFamily="2" charset="-122"/>
                 <a:cs typeface="+mn-ea"/>
               </a:rPr>
+              <a:t>‹#›</a:t>
             </a:fld>
-            <a:endParaRPr lang="zh-CN" altLang="en-US" strike="noStrike" noProof="1" dirty="0"/>
+            <a:endParaRPr lang="zh-CN" altLang="en-US" strike="noStrike" noProof="1"/>
           </a:p>
         </p:txBody>
       </p:sp>
@@ -2336,10 +2855,9 @@
           <a:p>
             <a:pPr fontAlgn="base"/>
             <a:r>
-              <a:rPr lang="zh-CN" altLang="en-US" strike="noStrike" noProof="1" smtClean="0"/>
+              <a:rPr lang="zh-CN" altLang="en-US" strike="noStrike" noProof="1"/>
               <a:t>单击此处编辑母版标题样式</a:t>
             </a:r>
-            <a:endParaRPr lang="zh-CN" altLang="en-US" strike="noStrike" noProof="1"/>
           </a:p>
         </p:txBody>
       </p:sp>
@@ -2376,8 +2894,10 @@
         <p:spPr/>
         <p:txBody>
           <a:bodyPr/>
+          <a:lstStyle/>
           <a:p>
             <a:pPr lvl="0" fontAlgn="base"/>
+            <a:endParaRPr/>
           </a:p>
         </p:txBody>
       </p:sp>
@@ -2394,8 +2914,10 @@
         <p:spPr/>
         <p:txBody>
           <a:bodyPr/>
+          <a:lstStyle/>
           <a:p>
             <a:pPr lvl="0" fontAlgn="base"/>
+            <a:endParaRPr/>
           </a:p>
         </p:txBody>
       </p:sp>
@@ -2412,6 +2934,7 @@
         <p:spPr/>
         <p:txBody>
           <a:bodyPr/>
+          <a:lstStyle/>
           <a:p>
             <a:pPr lvl="0" fontAlgn="base"/>
             <a:fld id="{9A0DB2DC-4C9A-4742-B13C-FB6460FD3503}" type="slidenum">
@@ -2420,8 +2943,9 @@
                 <a:ea typeface="宋体" panose="02010600030101010101" pitchFamily="2" charset="-122"/>
                 <a:cs typeface="+mn-ea"/>
               </a:rPr>
+              <a:t>‹#›</a:t>
             </a:fld>
-            <a:endParaRPr lang="zh-CN" altLang="en-US" strike="noStrike" noProof="1" dirty="0"/>
+            <a:endParaRPr lang="zh-CN" altLang="en-US" strike="noStrike" noProof="1"/>
           </a:p>
         </p:txBody>
       </p:sp>
@@ -2468,10 +2992,9 @@
           <a:p>
             <a:pPr fontAlgn="base"/>
             <a:r>
-              <a:rPr lang="zh-CN" altLang="en-US" strike="noStrike" noProof="1" smtClean="0"/>
+              <a:rPr lang="zh-CN" altLang="en-US" strike="noStrike" noProof="1"/>
               <a:t>单击此处编辑母版标题样式</a:t>
             </a:r>
-            <a:endParaRPr lang="zh-CN" altLang="en-US" strike="noStrike" noProof="1"/>
           </a:p>
         </p:txBody>
       </p:sp>
@@ -2492,42 +3015,37 @@
           <a:p>
             <a:pPr lvl="0" fontAlgn="base"/>
             <a:r>
-              <a:rPr lang="zh-CN" altLang="en-US" strike="noStrike" noProof="1" smtClean="0"/>
+              <a:rPr lang="zh-CN" altLang="en-US" strike="noStrike" noProof="1"/>
               <a:t>单击此处编辑母版文本样式</a:t>
             </a:r>
-            <a:endParaRPr lang="zh-CN" altLang="en-US" strike="noStrike" noProof="1" smtClean="0"/>
           </a:p>
           <a:p>
             <a:pPr lvl="1" fontAlgn="base"/>
             <a:r>
-              <a:rPr lang="zh-CN" altLang="en-US" strike="noStrike" noProof="1" smtClean="0"/>
+              <a:rPr lang="zh-CN" altLang="en-US" strike="noStrike" noProof="1"/>
               <a:t>第二级</a:t>
             </a:r>
-            <a:endParaRPr lang="zh-CN" altLang="en-US" strike="noStrike" noProof="1" smtClean="0"/>
           </a:p>
           <a:p>
             <a:pPr lvl="2" fontAlgn="base"/>
             <a:r>
-              <a:rPr lang="zh-CN" altLang="en-US" strike="noStrike" noProof="1" smtClean="0"/>
+              <a:rPr lang="zh-CN" altLang="en-US" strike="noStrike" noProof="1"/>
               <a:t>第三级</a:t>
             </a:r>
-            <a:endParaRPr lang="zh-CN" altLang="en-US" strike="noStrike" noProof="1" smtClean="0"/>
           </a:p>
           <a:p>
             <a:pPr lvl="3" fontAlgn="base"/>
             <a:r>
-              <a:rPr lang="zh-CN" altLang="en-US" strike="noStrike" noProof="1" smtClean="0"/>
+              <a:rPr lang="zh-CN" altLang="en-US" strike="noStrike" noProof="1"/>
               <a:t>第四级</a:t>
             </a:r>
-            <a:endParaRPr lang="zh-CN" altLang="en-US" strike="noStrike" noProof="1" smtClean="0"/>
           </a:p>
           <a:p>
             <a:pPr lvl="4" fontAlgn="base"/>
             <a:r>
-              <a:rPr lang="zh-CN" altLang="en-US" strike="noStrike" noProof="1" smtClean="0"/>
+              <a:rPr lang="zh-CN" altLang="en-US" strike="noStrike" noProof="1"/>
               <a:t>第五级</a:t>
             </a:r>
-            <a:endParaRPr lang="zh-CN" altLang="en-US" strike="noStrike" noProof="1"/>
           </a:p>
         </p:txBody>
       </p:sp>
@@ -2544,8 +3062,10 @@
         <p:spPr/>
         <p:txBody>
           <a:bodyPr/>
+          <a:lstStyle/>
           <a:p>
             <a:pPr lvl="0" fontAlgn="base"/>
+            <a:endParaRPr/>
           </a:p>
         </p:txBody>
       </p:sp>
@@ -2562,8 +3082,10 @@
         <p:spPr/>
         <p:txBody>
           <a:bodyPr/>
+          <a:lstStyle/>
           <a:p>
             <a:pPr lvl="0" fontAlgn="base"/>
+            <a:endParaRPr/>
           </a:p>
         </p:txBody>
       </p:sp>
@@ -2580,6 +3102,7 @@
         <p:spPr/>
         <p:txBody>
           <a:bodyPr/>
+          <a:lstStyle/>
           <a:p>
             <a:pPr lvl="0" fontAlgn="base"/>
             <a:fld id="{9A0DB2DC-4C9A-4742-B13C-FB6460FD3503}" type="slidenum">
@@ -2588,8 +3111,9 @@
                 <a:ea typeface="宋体" panose="02010600030101010101" pitchFamily="2" charset="-122"/>
                 <a:cs typeface="+mn-ea"/>
               </a:rPr>
+              <a:t>‹#›</a:t>
             </a:fld>
-            <a:endParaRPr lang="zh-CN" altLang="en-US" strike="noStrike" noProof="1" dirty="0"/>
+            <a:endParaRPr lang="zh-CN" altLang="en-US" strike="noStrike" noProof="1"/>
           </a:p>
         </p:txBody>
       </p:sp>
@@ -2645,10 +3169,9 @@
           <a:p>
             <a:pPr fontAlgn="base"/>
             <a:r>
-              <a:rPr lang="zh-CN" altLang="en-US" strike="noStrike" noProof="1" smtClean="0"/>
+              <a:rPr lang="zh-CN" altLang="en-US" strike="noStrike" noProof="1"/>
               <a:t>单击此处编辑母版标题样式</a:t>
             </a:r>
-            <a:endParaRPr lang="zh-CN" altLang="en-US" strike="noStrike" noProof="1"/>
           </a:p>
         </p:txBody>
       </p:sp>
@@ -2765,10 +3288,9 @@
           <a:p>
             <a:pPr lvl="0" fontAlgn="base"/>
             <a:r>
-              <a:rPr lang="zh-CN" altLang="en-US" strike="noStrike" noProof="1" smtClean="0"/>
+              <a:rPr lang="zh-CN" altLang="en-US" strike="noStrike" noProof="1"/>
               <a:t>单击此处编辑母版文本样式</a:t>
             </a:r>
-            <a:endParaRPr lang="zh-CN" altLang="en-US" strike="noStrike" noProof="1" smtClean="0"/>
           </a:p>
         </p:txBody>
       </p:sp>
@@ -2785,8 +3307,10 @@
         <p:spPr/>
         <p:txBody>
           <a:bodyPr/>
+          <a:lstStyle/>
           <a:p>
             <a:pPr lvl="0" fontAlgn="base"/>
+            <a:endParaRPr/>
           </a:p>
         </p:txBody>
       </p:sp>
@@ -2803,8 +3327,10 @@
         <p:spPr/>
         <p:txBody>
           <a:bodyPr/>
+          <a:lstStyle/>
           <a:p>
             <a:pPr lvl="0" fontAlgn="base"/>
+            <a:endParaRPr/>
           </a:p>
         </p:txBody>
       </p:sp>
@@ -2821,6 +3347,7 @@
         <p:spPr/>
         <p:txBody>
           <a:bodyPr/>
+          <a:lstStyle/>
           <a:p>
             <a:pPr lvl="0" fontAlgn="base"/>
             <a:fld id="{9A0DB2DC-4C9A-4742-B13C-FB6460FD3503}" type="slidenum">
@@ -2829,8 +3356,9 @@
                 <a:ea typeface="宋体" panose="02010600030101010101" pitchFamily="2" charset="-122"/>
                 <a:cs typeface="+mn-ea"/>
               </a:rPr>
+              <a:t>‹#›</a:t>
             </a:fld>
-            <a:endParaRPr lang="zh-CN" altLang="en-US" strike="noStrike" noProof="1" dirty="0"/>
+            <a:endParaRPr lang="zh-CN" altLang="en-US" strike="noStrike" noProof="1"/>
           </a:p>
         </p:txBody>
       </p:sp>
@@ -2877,10 +3405,9 @@
           <a:p>
             <a:pPr fontAlgn="base"/>
             <a:r>
-              <a:rPr lang="zh-CN" altLang="en-US" strike="noStrike" noProof="1" smtClean="0"/>
+              <a:rPr lang="zh-CN" altLang="en-US" strike="noStrike" noProof="1"/>
               <a:t>单击此处编辑母版标题样式</a:t>
             </a:r>
-            <a:endParaRPr lang="zh-CN" altLang="en-US" strike="noStrike" noProof="1"/>
           </a:p>
         </p:txBody>
       </p:sp>
@@ -2906,42 +3433,37 @@
           <a:p>
             <a:pPr lvl="0" fontAlgn="base"/>
             <a:r>
-              <a:rPr lang="zh-CN" altLang="en-US" strike="noStrike" noProof="1" smtClean="0"/>
+              <a:rPr lang="zh-CN" altLang="en-US" strike="noStrike" noProof="1"/>
               <a:t>单击此处编辑母版文本样式</a:t>
             </a:r>
-            <a:endParaRPr lang="zh-CN" altLang="en-US" strike="noStrike" noProof="1" smtClean="0"/>
           </a:p>
           <a:p>
             <a:pPr lvl="1" fontAlgn="base"/>
             <a:r>
-              <a:rPr lang="zh-CN" altLang="en-US" strike="noStrike" noProof="1" smtClean="0"/>
+              <a:rPr lang="zh-CN" altLang="en-US" strike="noStrike" noProof="1"/>
               <a:t>第二级</a:t>
             </a:r>
-            <a:endParaRPr lang="zh-CN" altLang="en-US" strike="noStrike" noProof="1" smtClean="0"/>
           </a:p>
           <a:p>
             <a:pPr lvl="2" fontAlgn="base"/>
             <a:r>
-              <a:rPr lang="zh-CN" altLang="en-US" strike="noStrike" noProof="1" smtClean="0"/>
+              <a:rPr lang="zh-CN" altLang="en-US" strike="noStrike" noProof="1"/>
               <a:t>第三级</a:t>
             </a:r>
-            <a:endParaRPr lang="zh-CN" altLang="en-US" strike="noStrike" noProof="1" smtClean="0"/>
           </a:p>
           <a:p>
             <a:pPr lvl="3" fontAlgn="base"/>
             <a:r>
-              <a:rPr lang="zh-CN" altLang="en-US" strike="noStrike" noProof="1" smtClean="0"/>
+              <a:rPr lang="zh-CN" altLang="en-US" strike="noStrike" noProof="1"/>
               <a:t>第四级</a:t>
             </a:r>
-            <a:endParaRPr lang="zh-CN" altLang="en-US" strike="noStrike" noProof="1" smtClean="0"/>
           </a:p>
           <a:p>
             <a:pPr lvl="4" fontAlgn="base"/>
             <a:r>
-              <a:rPr lang="zh-CN" altLang="en-US" strike="noStrike" noProof="1" smtClean="0"/>
+              <a:rPr lang="zh-CN" altLang="en-US" strike="noStrike" noProof="1"/>
               <a:t>第五级</a:t>
             </a:r>
-            <a:endParaRPr lang="zh-CN" altLang="en-US" strike="noStrike" noProof="1"/>
           </a:p>
         </p:txBody>
       </p:sp>
@@ -2967,42 +3489,37 @@
           <a:p>
             <a:pPr lvl="0" fontAlgn="base"/>
             <a:r>
-              <a:rPr lang="zh-CN" altLang="en-US" strike="noStrike" noProof="1" smtClean="0"/>
+              <a:rPr lang="zh-CN" altLang="en-US" strike="noStrike" noProof="1"/>
               <a:t>单击此处编辑母版文本样式</a:t>
             </a:r>
-            <a:endParaRPr lang="zh-CN" altLang="en-US" strike="noStrike" noProof="1" smtClean="0"/>
           </a:p>
           <a:p>
             <a:pPr lvl="1" fontAlgn="base"/>
             <a:r>
-              <a:rPr lang="zh-CN" altLang="en-US" strike="noStrike" noProof="1" smtClean="0"/>
+              <a:rPr lang="zh-CN" altLang="en-US" strike="noStrike" noProof="1"/>
               <a:t>第二级</a:t>
             </a:r>
-            <a:endParaRPr lang="zh-CN" altLang="en-US" strike="noStrike" noProof="1" smtClean="0"/>
           </a:p>
           <a:p>
             <a:pPr lvl="2" fontAlgn="base"/>
             <a:r>
-              <a:rPr lang="zh-CN" altLang="en-US" strike="noStrike" noProof="1" smtClean="0"/>
+              <a:rPr lang="zh-CN" altLang="en-US" strike="noStrike" noProof="1"/>
               <a:t>第三级</a:t>
             </a:r>
-            <a:endParaRPr lang="zh-CN" altLang="en-US" strike="noStrike" noProof="1" smtClean="0"/>
           </a:p>
           <a:p>
             <a:pPr lvl="3" fontAlgn="base"/>
             <a:r>
-              <a:rPr lang="zh-CN" altLang="en-US" strike="noStrike" noProof="1" smtClean="0"/>
+              <a:rPr lang="zh-CN" altLang="en-US" strike="noStrike" noProof="1"/>
               <a:t>第四级</a:t>
             </a:r>
-            <a:endParaRPr lang="zh-CN" altLang="en-US" strike="noStrike" noProof="1" smtClean="0"/>
           </a:p>
           <a:p>
             <a:pPr lvl="4" fontAlgn="base"/>
             <a:r>
-              <a:rPr lang="zh-CN" altLang="en-US" strike="noStrike" noProof="1" smtClean="0"/>
+              <a:rPr lang="zh-CN" altLang="en-US" strike="noStrike" noProof="1"/>
               <a:t>第五级</a:t>
             </a:r>
-            <a:endParaRPr lang="zh-CN" altLang="en-US" strike="noStrike" noProof="1"/>
           </a:p>
         </p:txBody>
       </p:sp>
@@ -3019,8 +3536,10 @@
         <p:spPr/>
         <p:txBody>
           <a:bodyPr/>
+          <a:lstStyle/>
           <a:p>
             <a:pPr lvl="0" fontAlgn="base"/>
+            <a:endParaRPr/>
           </a:p>
         </p:txBody>
       </p:sp>
@@ -3037,8 +3556,10 @@
         <p:spPr/>
         <p:txBody>
           <a:bodyPr/>
+          <a:lstStyle/>
           <a:p>
             <a:pPr lvl="0" fontAlgn="base"/>
+            <a:endParaRPr/>
           </a:p>
         </p:txBody>
       </p:sp>
@@ -3055,6 +3576,7 @@
         <p:spPr/>
         <p:txBody>
           <a:bodyPr/>
+          <a:lstStyle/>
           <a:p>
             <a:pPr lvl="0" fontAlgn="base"/>
             <a:fld id="{9A0DB2DC-4C9A-4742-B13C-FB6460FD3503}" type="slidenum">
@@ -3063,8 +3585,9 @@
                 <a:ea typeface="宋体" panose="02010600030101010101" pitchFamily="2" charset="-122"/>
                 <a:cs typeface="+mn-ea"/>
               </a:rPr>
+              <a:t>‹#›</a:t>
             </a:fld>
-            <a:endParaRPr lang="zh-CN" altLang="en-US" strike="noStrike" noProof="1" dirty="0"/>
+            <a:endParaRPr lang="zh-CN" altLang="en-US" strike="noStrike" noProof="1"/>
           </a:p>
         </p:txBody>
       </p:sp>
@@ -3116,10 +3639,9 @@
           <a:p>
             <a:pPr fontAlgn="base"/>
             <a:r>
-              <a:rPr lang="zh-CN" altLang="en-US" strike="noStrike" noProof="1" smtClean="0"/>
+              <a:rPr lang="zh-CN" altLang="en-US" strike="noStrike" noProof="1"/>
               <a:t>单击此处编辑母版标题样式</a:t>
             </a:r>
-            <a:endParaRPr lang="zh-CN" altLang="en-US" strike="noStrike" noProof="1"/>
           </a:p>
         </p:txBody>
       </p:sp>
@@ -3182,10 +3704,9 @@
           <a:p>
             <a:pPr lvl="0" fontAlgn="base"/>
             <a:r>
-              <a:rPr lang="zh-CN" altLang="en-US" strike="noStrike" noProof="1" smtClean="0"/>
+              <a:rPr lang="zh-CN" altLang="en-US" strike="noStrike" noProof="1"/>
               <a:t>单击此处编辑母版文本样式</a:t>
             </a:r>
-            <a:endParaRPr lang="zh-CN" altLang="en-US" strike="noStrike" noProof="1" smtClean="0"/>
           </a:p>
         </p:txBody>
       </p:sp>
@@ -3211,42 +3732,37 @@
           <a:p>
             <a:pPr lvl="0" fontAlgn="base"/>
             <a:r>
-              <a:rPr lang="zh-CN" altLang="en-US" strike="noStrike" noProof="1" smtClean="0"/>
+              <a:rPr lang="zh-CN" altLang="en-US" strike="noStrike" noProof="1"/>
               <a:t>单击此处编辑母版文本样式</a:t>
             </a:r>
-            <a:endParaRPr lang="zh-CN" altLang="en-US" strike="noStrike" noProof="1" smtClean="0"/>
           </a:p>
           <a:p>
             <a:pPr lvl="1" fontAlgn="base"/>
             <a:r>
-              <a:rPr lang="zh-CN" altLang="en-US" strike="noStrike" noProof="1" smtClean="0"/>
+              <a:rPr lang="zh-CN" altLang="en-US" strike="noStrike" noProof="1"/>
               <a:t>第二级</a:t>
             </a:r>
-            <a:endParaRPr lang="zh-CN" altLang="en-US" strike="noStrike" noProof="1" smtClean="0"/>
           </a:p>
           <a:p>
             <a:pPr lvl="2" fontAlgn="base"/>
             <a:r>
-              <a:rPr lang="zh-CN" altLang="en-US" strike="noStrike" noProof="1" smtClean="0"/>
+              <a:rPr lang="zh-CN" altLang="en-US" strike="noStrike" noProof="1"/>
               <a:t>第三级</a:t>
             </a:r>
-            <a:endParaRPr lang="zh-CN" altLang="en-US" strike="noStrike" noProof="1" smtClean="0"/>
           </a:p>
           <a:p>
             <a:pPr lvl="3" fontAlgn="base"/>
             <a:r>
-              <a:rPr lang="zh-CN" altLang="en-US" strike="noStrike" noProof="1" smtClean="0"/>
+              <a:rPr lang="zh-CN" altLang="en-US" strike="noStrike" noProof="1"/>
               <a:t>第四级</a:t>
             </a:r>
-            <a:endParaRPr lang="zh-CN" altLang="en-US" strike="noStrike" noProof="1" smtClean="0"/>
           </a:p>
           <a:p>
             <a:pPr lvl="4" fontAlgn="base"/>
             <a:r>
-              <a:rPr lang="zh-CN" altLang="en-US" strike="noStrike" noProof="1" smtClean="0"/>
+              <a:rPr lang="zh-CN" altLang="en-US" strike="noStrike" noProof="1"/>
               <a:t>第五级</a:t>
             </a:r>
-            <a:endParaRPr lang="zh-CN" altLang="en-US" strike="noStrike" noProof="1"/>
           </a:p>
         </p:txBody>
       </p:sp>
@@ -3309,10 +3825,9 @@
           <a:p>
             <a:pPr lvl="0" fontAlgn="base"/>
             <a:r>
-              <a:rPr lang="zh-CN" altLang="en-US" strike="noStrike" noProof="1" smtClean="0"/>
+              <a:rPr lang="zh-CN" altLang="en-US" strike="noStrike" noProof="1"/>
               <a:t>单击此处编辑母版文本样式</a:t>
             </a:r>
-            <a:endParaRPr lang="zh-CN" altLang="en-US" strike="noStrike" noProof="1" smtClean="0"/>
           </a:p>
         </p:txBody>
       </p:sp>
@@ -3338,42 +3853,37 @@
           <a:p>
             <a:pPr lvl="0" fontAlgn="base"/>
             <a:r>
-              <a:rPr lang="zh-CN" altLang="en-US" strike="noStrike" noProof="1" smtClean="0"/>
+              <a:rPr lang="zh-CN" altLang="en-US" strike="noStrike" noProof="1"/>
               <a:t>单击此处编辑母版文本样式</a:t>
             </a:r>
-            <a:endParaRPr lang="zh-CN" altLang="en-US" strike="noStrike" noProof="1" smtClean="0"/>
           </a:p>
           <a:p>
             <a:pPr lvl="1" fontAlgn="base"/>
             <a:r>
-              <a:rPr lang="zh-CN" altLang="en-US" strike="noStrike" noProof="1" smtClean="0"/>
+              <a:rPr lang="zh-CN" altLang="en-US" strike="noStrike" noProof="1"/>
               <a:t>第二级</a:t>
             </a:r>
-            <a:endParaRPr lang="zh-CN" altLang="en-US" strike="noStrike" noProof="1" smtClean="0"/>
           </a:p>
           <a:p>
             <a:pPr lvl="2" fontAlgn="base"/>
             <a:r>
-              <a:rPr lang="zh-CN" altLang="en-US" strike="noStrike" noProof="1" smtClean="0"/>
+              <a:rPr lang="zh-CN" altLang="en-US" strike="noStrike" noProof="1"/>
               <a:t>第三级</a:t>
             </a:r>
-            <a:endParaRPr lang="zh-CN" altLang="en-US" strike="noStrike" noProof="1" smtClean="0"/>
           </a:p>
           <a:p>
             <a:pPr lvl="3" fontAlgn="base"/>
             <a:r>
-              <a:rPr lang="zh-CN" altLang="en-US" strike="noStrike" noProof="1" smtClean="0"/>
+              <a:rPr lang="zh-CN" altLang="en-US" strike="noStrike" noProof="1"/>
               <a:t>第四级</a:t>
             </a:r>
-            <a:endParaRPr lang="zh-CN" altLang="en-US" strike="noStrike" noProof="1" smtClean="0"/>
           </a:p>
           <a:p>
             <a:pPr lvl="4" fontAlgn="base"/>
             <a:r>
-              <a:rPr lang="zh-CN" altLang="en-US" strike="noStrike" noProof="1" smtClean="0"/>
+              <a:rPr lang="zh-CN" altLang="en-US" strike="noStrike" noProof="1"/>
               <a:t>第五级</a:t>
             </a:r>
-            <a:endParaRPr lang="zh-CN" altLang="en-US" strike="noStrike" noProof="1"/>
           </a:p>
         </p:txBody>
       </p:sp>
@@ -3390,8 +3900,10 @@
         <p:spPr/>
         <p:txBody>
           <a:bodyPr/>
+          <a:lstStyle/>
           <a:p>
             <a:pPr lvl="0" fontAlgn="base"/>
+            <a:endParaRPr/>
           </a:p>
         </p:txBody>
       </p:sp>
@@ -3408,8 +3920,10 @@
         <p:spPr/>
         <p:txBody>
           <a:bodyPr/>
+          <a:lstStyle/>
           <a:p>
             <a:pPr lvl="0" fontAlgn="base"/>
+            <a:endParaRPr/>
           </a:p>
         </p:txBody>
       </p:sp>
@@ -3426,6 +3940,7 @@
         <p:spPr/>
         <p:txBody>
           <a:bodyPr/>
+          <a:lstStyle/>
           <a:p>
             <a:pPr lvl="0" fontAlgn="base"/>
             <a:fld id="{9A0DB2DC-4C9A-4742-B13C-FB6460FD3503}" type="slidenum">
@@ -3434,8 +3949,9 @@
                 <a:ea typeface="宋体" panose="02010600030101010101" pitchFamily="2" charset="-122"/>
                 <a:cs typeface="+mn-ea"/>
               </a:rPr>
+              <a:t>‹#›</a:t>
             </a:fld>
-            <a:endParaRPr lang="zh-CN" altLang="en-US" strike="noStrike" noProof="1" dirty="0"/>
+            <a:endParaRPr lang="zh-CN" altLang="en-US" strike="noStrike" noProof="1"/>
           </a:p>
         </p:txBody>
       </p:sp>
@@ -3482,10 +3998,9 @@
           <a:p>
             <a:pPr fontAlgn="base"/>
             <a:r>
-              <a:rPr lang="zh-CN" altLang="en-US" strike="noStrike" noProof="1" smtClean="0"/>
+              <a:rPr lang="zh-CN" altLang="en-US" strike="noStrike" noProof="1"/>
               <a:t>单击此处编辑母版标题样式</a:t>
             </a:r>
-            <a:endParaRPr lang="zh-CN" altLang="en-US" strike="noStrike" noProof="1"/>
           </a:p>
         </p:txBody>
       </p:sp>
@@ -3502,8 +4017,10 @@
         <p:spPr/>
         <p:txBody>
           <a:bodyPr/>
+          <a:lstStyle/>
           <a:p>
             <a:pPr lvl="0" fontAlgn="base"/>
+            <a:endParaRPr/>
           </a:p>
         </p:txBody>
       </p:sp>
@@ -3520,8 +4037,10 @@
         <p:spPr/>
         <p:txBody>
           <a:bodyPr/>
+          <a:lstStyle/>
           <a:p>
             <a:pPr lvl="0" fontAlgn="base"/>
+            <a:endParaRPr/>
           </a:p>
         </p:txBody>
       </p:sp>
@@ -3538,6 +4057,7 @@
         <p:spPr/>
         <p:txBody>
           <a:bodyPr/>
+          <a:lstStyle/>
           <a:p>
             <a:pPr lvl="0" fontAlgn="base"/>
             <a:fld id="{9A0DB2DC-4C9A-4742-B13C-FB6460FD3503}" type="slidenum">
@@ -3546,8 +4066,9 @@
                 <a:ea typeface="宋体" panose="02010600030101010101" pitchFamily="2" charset="-122"/>
                 <a:cs typeface="+mn-ea"/>
               </a:rPr>
+              <a:t>‹#›</a:t>
             </a:fld>
-            <a:endParaRPr lang="zh-CN" altLang="en-US" strike="noStrike" noProof="1" dirty="0"/>
+            <a:endParaRPr lang="zh-CN" altLang="en-US" strike="noStrike" noProof="1"/>
           </a:p>
         </p:txBody>
       </p:sp>
@@ -3590,8 +4111,10 @@
         <p:spPr/>
         <p:txBody>
           <a:bodyPr/>
+          <a:lstStyle/>
           <a:p>
             <a:pPr lvl="0" fontAlgn="base"/>
+            <a:endParaRPr/>
           </a:p>
         </p:txBody>
       </p:sp>
@@ -3608,8 +4131,10 @@
         <p:spPr/>
         <p:txBody>
           <a:bodyPr/>
+          <a:lstStyle/>
           <a:p>
             <a:pPr lvl="0" fontAlgn="base"/>
+            <a:endParaRPr/>
           </a:p>
         </p:txBody>
       </p:sp>
@@ -3626,6 +4151,7 @@
         <p:spPr/>
         <p:txBody>
           <a:bodyPr/>
+          <a:lstStyle/>
           <a:p>
             <a:pPr lvl="0" fontAlgn="base"/>
             <a:fld id="{9A0DB2DC-4C9A-4742-B13C-FB6460FD3503}" type="slidenum">
@@ -3634,8 +4160,9 @@
                 <a:ea typeface="宋体" panose="02010600030101010101" pitchFamily="2" charset="-122"/>
                 <a:cs typeface="+mn-ea"/>
               </a:rPr>
+              <a:t>‹#›</a:t>
             </a:fld>
-            <a:endParaRPr lang="zh-CN" altLang="en-US" strike="noStrike" noProof="1" dirty="0"/>
+            <a:endParaRPr lang="zh-CN" altLang="en-US" strike="noStrike" noProof="1"/>
           </a:p>
         </p:txBody>
       </p:sp>
@@ -3691,10 +4218,9 @@
           <a:p>
             <a:pPr fontAlgn="base"/>
             <a:r>
-              <a:rPr lang="zh-CN" altLang="en-US" strike="noStrike" noProof="1" smtClean="0"/>
+              <a:rPr lang="zh-CN" altLang="en-US" strike="noStrike" noProof="1"/>
               <a:t>单击此处编辑母版标题样式</a:t>
             </a:r>
-            <a:endParaRPr lang="zh-CN" altLang="en-US" strike="noStrike" noProof="1"/>
           </a:p>
         </p:txBody>
       </p:sp>
@@ -3748,42 +4274,37 @@
           <a:p>
             <a:pPr lvl="0" fontAlgn="base"/>
             <a:r>
-              <a:rPr lang="zh-CN" altLang="en-US" strike="noStrike" noProof="1" smtClean="0"/>
+              <a:rPr lang="zh-CN" altLang="en-US" strike="noStrike" noProof="1"/>
               <a:t>单击此处编辑母版文本样式</a:t>
             </a:r>
-            <a:endParaRPr lang="zh-CN" altLang="en-US" strike="noStrike" noProof="1" smtClean="0"/>
           </a:p>
           <a:p>
             <a:pPr lvl="1" fontAlgn="base"/>
             <a:r>
-              <a:rPr lang="zh-CN" altLang="en-US" strike="noStrike" noProof="1" smtClean="0"/>
+              <a:rPr lang="zh-CN" altLang="en-US" strike="noStrike" noProof="1"/>
               <a:t>第二级</a:t>
             </a:r>
-            <a:endParaRPr lang="zh-CN" altLang="en-US" strike="noStrike" noProof="1" smtClean="0"/>
           </a:p>
           <a:p>
             <a:pPr lvl="2" fontAlgn="base"/>
             <a:r>
-              <a:rPr lang="zh-CN" altLang="en-US" strike="noStrike" noProof="1" smtClean="0"/>
+              <a:rPr lang="zh-CN" altLang="en-US" strike="noStrike" noProof="1"/>
               <a:t>第三级</a:t>
             </a:r>
-            <a:endParaRPr lang="zh-CN" altLang="en-US" strike="noStrike" noProof="1" smtClean="0"/>
           </a:p>
           <a:p>
             <a:pPr lvl="3" fontAlgn="base"/>
             <a:r>
-              <a:rPr lang="zh-CN" altLang="en-US" strike="noStrike" noProof="1" smtClean="0"/>
+              <a:rPr lang="zh-CN" altLang="en-US" strike="noStrike" noProof="1"/>
               <a:t>第四级</a:t>
             </a:r>
-            <a:endParaRPr lang="zh-CN" altLang="en-US" strike="noStrike" noProof="1" smtClean="0"/>
           </a:p>
           <a:p>
             <a:pPr lvl="4" fontAlgn="base"/>
             <a:r>
-              <a:rPr lang="zh-CN" altLang="en-US" strike="noStrike" noProof="1" smtClean="0"/>
+              <a:rPr lang="zh-CN" altLang="en-US" strike="noStrike" noProof="1"/>
               <a:t>第五级</a:t>
             </a:r>
-            <a:endParaRPr lang="zh-CN" altLang="en-US" strike="noStrike" noProof="1"/>
           </a:p>
         </p:txBody>
       </p:sp>
@@ -3846,10 +4367,9 @@
           <a:p>
             <a:pPr lvl="0" fontAlgn="base"/>
             <a:r>
-              <a:rPr lang="zh-CN" altLang="en-US" strike="noStrike" noProof="1" smtClean="0"/>
+              <a:rPr lang="zh-CN" altLang="en-US" strike="noStrike" noProof="1"/>
               <a:t>单击此处编辑母版文本样式</a:t>
             </a:r>
-            <a:endParaRPr lang="zh-CN" altLang="en-US" strike="noStrike" noProof="1" smtClean="0"/>
           </a:p>
         </p:txBody>
       </p:sp>
@@ -3866,8 +4386,10 @@
         <p:spPr/>
         <p:txBody>
           <a:bodyPr/>
+          <a:lstStyle/>
           <a:p>
             <a:pPr lvl="0" fontAlgn="base"/>
+            <a:endParaRPr/>
           </a:p>
         </p:txBody>
       </p:sp>
@@ -3884,8 +4406,10 @@
         <p:spPr/>
         <p:txBody>
           <a:bodyPr/>
+          <a:lstStyle/>
           <a:p>
             <a:pPr lvl="0" fontAlgn="base"/>
+            <a:endParaRPr/>
           </a:p>
         </p:txBody>
       </p:sp>
@@ -3902,6 +4426,7 @@
         <p:spPr/>
         <p:txBody>
           <a:bodyPr/>
+          <a:lstStyle/>
           <a:p>
             <a:pPr lvl="0" fontAlgn="base"/>
             <a:fld id="{9A0DB2DC-4C9A-4742-B13C-FB6460FD3503}" type="slidenum">
@@ -3910,8 +4435,9 @@
                 <a:ea typeface="宋体" panose="02010600030101010101" pitchFamily="2" charset="-122"/>
                 <a:cs typeface="+mn-ea"/>
               </a:rPr>
+              <a:t>‹#›</a:t>
             </a:fld>
-            <a:endParaRPr lang="zh-CN" altLang="en-US" strike="noStrike" noProof="1" dirty="0"/>
+            <a:endParaRPr lang="zh-CN" altLang="en-US" strike="noStrike" noProof="1"/>
           </a:p>
         </p:txBody>
       </p:sp>
@@ -3967,10 +4493,9 @@
           <a:p>
             <a:pPr fontAlgn="base"/>
             <a:r>
-              <a:rPr lang="zh-CN" altLang="en-US" strike="noStrike" noProof="1" smtClean="0"/>
+              <a:rPr lang="zh-CN" altLang="en-US" strike="noStrike" noProof="1"/>
               <a:t>单击此处编辑母版标题样式</a:t>
             </a:r>
-            <a:endParaRPr lang="zh-CN" altLang="en-US" strike="noStrike" noProof="1"/>
           </a:p>
         </p:txBody>
       </p:sp>
@@ -4095,10 +4620,9 @@
           <a:p>
             <a:pPr lvl="0" fontAlgn="base"/>
             <a:r>
-              <a:rPr lang="zh-CN" altLang="en-US" strike="noStrike" noProof="1" smtClean="0"/>
+              <a:rPr lang="zh-CN" altLang="en-US" strike="noStrike" noProof="1"/>
               <a:t>单击此处编辑母版文本样式</a:t>
             </a:r>
-            <a:endParaRPr lang="zh-CN" altLang="en-US" strike="noStrike" noProof="1" smtClean="0"/>
           </a:p>
         </p:txBody>
       </p:sp>
@@ -4115,8 +4639,10 @@
         <p:spPr/>
         <p:txBody>
           <a:bodyPr/>
+          <a:lstStyle/>
           <a:p>
             <a:pPr lvl="0" fontAlgn="base"/>
+            <a:endParaRPr/>
           </a:p>
         </p:txBody>
       </p:sp>
@@ -4133,8 +4659,10 @@
         <p:spPr/>
         <p:txBody>
           <a:bodyPr/>
+          <a:lstStyle/>
           <a:p>
             <a:pPr lvl="0" fontAlgn="base"/>
+            <a:endParaRPr/>
           </a:p>
         </p:txBody>
       </p:sp>
@@ -4151,6 +4679,7 @@
         <p:spPr/>
         <p:txBody>
           <a:bodyPr/>
+          <a:lstStyle/>
           <a:p>
             <a:pPr lvl="0" fontAlgn="base"/>
             <a:fld id="{9A0DB2DC-4C9A-4742-B13C-FB6460FD3503}" type="slidenum">
@@ -4159,8 +4688,9 @@
                 <a:ea typeface="宋体" panose="02010600030101010101" pitchFamily="2" charset="-122"/>
                 <a:cs typeface="+mn-ea"/>
               </a:rPr>
+              <a:t>‹#›</a:t>
             </a:fld>
-            <a:endParaRPr lang="zh-CN" altLang="en-US" strike="noStrike" noProof="1" dirty="0"/>
+            <a:endParaRPr lang="zh-CN" altLang="en-US" strike="noStrike" noProof="1"/>
           </a:p>
         </p:txBody>
       </p:sp>
@@ -4190,7 +4720,14 @@
         <p:cNvGrpSpPr/>
         <p:nvPr/>
       </p:nvGrpSpPr>
-      <p:grpSpPr/>
+      <p:grpSpPr>
+        <a:xfrm>
+          <a:off x="0" y="0"/>
+          <a:ext cx="0" cy="0"/>
+          <a:chOff x="0" y="0"/>
+          <a:chExt cx="0" cy="0"/>
+        </a:xfrm>
+      </p:grpSpPr>
       <p:sp>
         <p:nvSpPr>
           <p:cNvPr id="1026" name="Rectangle 2"/>
@@ -4216,13 +4753,13 @@
         </p:spPr>
         <p:txBody>
           <a:bodyPr wrap="square" lIns="91436" tIns="45718" rIns="91436" bIns="45718" anchor="ctr"/>
+          <a:lstStyle/>
           <a:p>
             <a:pPr lvl="0"/>
             <a:r>
               <a:rPr lang="en-US" altLang="zh-CN"/>
               <a:t>Click to edit Master title style</a:t>
             </a:r>
-            <a:endParaRPr lang="en-US" altLang="zh-CN"/>
           </a:p>
         </p:txBody>
       </p:sp>
@@ -4251,13 +4788,13 @@
         </p:spPr>
         <p:txBody>
           <a:bodyPr wrap="square" lIns="91436" tIns="45718" rIns="91436" bIns="45718" anchor="t"/>
+          <a:lstStyle/>
           <a:p>
             <a:pPr lvl="0" indent="-342900"/>
             <a:r>
               <a:rPr lang="en-US" altLang="zh-CN"/>
               <a:t>Click to edit Master text styles</a:t>
             </a:r>
-            <a:endParaRPr lang="en-US" altLang="zh-CN"/>
           </a:p>
           <a:p>
             <a:pPr lvl="1" indent="-285750"/>
@@ -4265,7 +4802,6 @@
               <a:rPr lang="en-US" altLang="zh-CN"/>
               <a:t>Second level</a:t>
             </a:r>
-            <a:endParaRPr lang="en-US" altLang="zh-CN"/>
           </a:p>
           <a:p>
             <a:pPr lvl="2" indent="-228600"/>
@@ -4273,7 +4809,6 @@
               <a:rPr lang="en-US" altLang="zh-CN"/>
               <a:t>Third level</a:t>
             </a:r>
-            <a:endParaRPr lang="en-US" altLang="zh-CN"/>
           </a:p>
           <a:p>
             <a:pPr lvl="3" indent="-228600"/>
@@ -4281,7 +4816,6 @@
               <a:rPr lang="en-US" altLang="zh-CN"/>
               <a:t>Fourth level</a:t>
             </a:r>
-            <a:endParaRPr lang="en-US" altLang="zh-CN"/>
           </a:p>
           <a:p>
             <a:pPr lvl="4" indent="-228600"/>
@@ -4289,7 +4823,6 @@
               <a:rPr lang="en-US" altLang="zh-CN"/>
               <a:t>Fifth level</a:t>
             </a:r>
-            <a:endParaRPr lang="en-US" altLang="zh-CN"/>
           </a:p>
         </p:txBody>
       </p:sp>
@@ -4328,6 +4861,7 @@
           </a:lstStyle>
           <a:p>
             <a:pPr lvl="0" fontAlgn="base"/>
+            <a:endParaRPr/>
           </a:p>
         </p:txBody>
       </p:sp>
@@ -4366,6 +4900,7 @@
           </a:lstStyle>
           <a:p>
             <a:pPr lvl="0" fontAlgn="base"/>
+            <a:endParaRPr/>
           </a:p>
         </p:txBody>
       </p:sp>
@@ -4410,8 +4945,9 @@
                 <a:ea typeface="宋体" panose="02010600030101010101" pitchFamily="2" charset="-122"/>
                 <a:cs typeface="+mn-ea"/>
               </a:rPr>
+              <a:t>‹#›</a:t>
             </a:fld>
-            <a:endParaRPr lang="zh-CN" altLang="en-US" strike="noStrike" noProof="1" dirty="0"/>
+            <a:endParaRPr lang="zh-CN" altLang="en-US" strike="noStrike" noProof="1"/>
           </a:p>
         </p:txBody>
       </p:sp>
@@ -4453,6 +4989,7 @@
         </p:spPr>
         <p:txBody>
           <a:bodyPr wrap="none" lIns="91436" tIns="45718" rIns="91436" bIns="45718" anchor="ctr"/>
+          <a:lstStyle/>
           <a:p>
             <a:pPr lvl="0" indent="0"/>
             <a:endParaRPr lang="zh-CN" altLang="en-US">
@@ -4904,7 +5441,14 @@
         <p:cNvGrpSpPr/>
         <p:nvPr/>
       </p:nvGrpSpPr>
-      <p:grpSpPr/>
+      <p:grpSpPr>
+        <a:xfrm>
+          <a:off x="0" y="0"/>
+          <a:ext cx="0" cy="0"/>
+          <a:chOff x="0" y="0"/>
+          <a:chExt cx="0" cy="0"/>
+        </a:xfrm>
+      </p:grpSpPr>
       <p:sp>
         <p:nvSpPr>
           <p:cNvPr id="3073" name="标题 3073"/>
@@ -4923,6 +5467,7 @@
         </p:spPr>
         <p:txBody>
           <a:bodyPr wrap="square" lIns="91436" tIns="45718" rIns="91436" bIns="45718" anchor="ctr"/>
+          <a:lstStyle/>
           <a:p>
             <a:pPr algn="l" defTabSz="0">
               <a:buNone/>
@@ -4963,6 +5508,7 @@
         </p:spPr>
         <p:txBody>
           <a:bodyPr wrap="square" lIns="91436" tIns="45718" rIns="91436" bIns="45718" anchor="t"/>
+          <a:lstStyle/>
           <a:p>
             <a:pPr marL="1905" indent="-344805" algn="l" defTabSz="0"/>
             <a:r>
@@ -4974,12 +5520,6 @@
               </a:rPr>
               <a:t>中国科学院自动化研究所</a:t>
             </a:r>
-            <a:endParaRPr lang="zh-CN" altLang="en-US" sz="3200" kern="1200" dirty="0">
-              <a:latin typeface="Calibri" panose="020F0502020204030204" pitchFamily="2" charset="0"/>
-              <a:ea typeface="+mn-ea"/>
-              <a:cs typeface="+mn-cs"/>
-              <a:sym typeface="Arial" panose="020B0604020202020204" pitchFamily="34" charset="0"/>
-            </a:endParaRPr>
           </a:p>
           <a:p>
             <a:pPr marL="1905" indent="-344805" algn="l" defTabSz="0"/>
@@ -4992,12 +5532,6 @@
               </a:rPr>
               <a:t>吴高巍</a:t>
             </a:r>
-            <a:endParaRPr lang="zh-CN" altLang="en-US" sz="3200" kern="1200" dirty="0">
-              <a:latin typeface="Calibri" panose="020F0502020204030204" pitchFamily="2" charset="0"/>
-              <a:ea typeface="+mn-ea"/>
-              <a:cs typeface="+mn-cs"/>
-              <a:sym typeface="Arial" panose="020B0604020202020204" pitchFamily="34" charset="0"/>
-            </a:endParaRPr>
           </a:p>
           <a:p>
             <a:pPr marL="1905" indent="-344805" algn="l" defTabSz="0"/>
@@ -5010,12 +5544,6 @@
               </a:rPr>
               <a:t>gaowei.wu@ia.ac.cn</a:t>
             </a:r>
-            <a:endParaRPr lang="zh-CN" altLang="en-US" sz="3200" kern="1200" dirty="0">
-              <a:latin typeface="Calibri" panose="020F0502020204030204" pitchFamily="2" charset="0"/>
-              <a:ea typeface="+mn-ea"/>
-              <a:cs typeface="+mn-cs"/>
-              <a:sym typeface="Arial" panose="020B0604020202020204" pitchFamily="34" charset="0"/>
-            </a:endParaRPr>
           </a:p>
           <a:p>
             <a:pPr marL="1905" indent="-344805" algn="l" defTabSz="0"/>
@@ -5073,12 +5601,6 @@
               </a:rPr>
               <a:t>23</a:t>
             </a:r>
-            <a:endParaRPr lang="en-US" altLang="zh-CN" sz="3200" kern="1200" dirty="0">
-              <a:latin typeface="Calibri" panose="020F0502020204030204" pitchFamily="2" charset="0"/>
-              <a:ea typeface="+mn-ea"/>
-              <a:cs typeface="+mn-cs"/>
-              <a:sym typeface="Arial" panose="020B0604020202020204" pitchFamily="34" charset="0"/>
-            </a:endParaRPr>
           </a:p>
         </p:txBody>
       </p:sp>
@@ -5099,7 +5621,14 @@
         <p:cNvGrpSpPr/>
         <p:nvPr/>
       </p:nvGrpSpPr>
-      <p:grpSpPr/>
+      <p:grpSpPr>
+        <a:xfrm>
+          <a:off x="0" y="0"/>
+          <a:ext cx="0" cy="0"/>
+          <a:chOff x="0" y="0"/>
+          <a:chExt cx="0" cy="0"/>
+        </a:xfrm>
+      </p:grpSpPr>
       <p:sp>
         <p:nvSpPr>
           <p:cNvPr id="16385" name="Text Box 2"/>
@@ -5123,6 +5652,7 @@
           <a:bodyPr anchor="t">
             <a:spAutoFit/>
           </a:bodyPr>
+          <a:lstStyle/>
           <a:p>
             <a:pPr>
               <a:spcBef>
@@ -5240,13 +5770,6 @@
               </a:rPr>
               <a:t>记录了神经元间联系的强弱。</a:t>
             </a:r>
-            <a:endParaRPr lang="en-US" altLang="x-none" sz="2400" dirty="0">
-              <a:solidFill>
-                <a:srgbClr val="0000CC"/>
-              </a:solidFill>
-              <a:latin typeface="Arial" panose="020B0604020202020204" pitchFamily="34" charset="0"/>
-              <a:ea typeface="宋体" panose="02010600030101010101" pitchFamily="2" charset="-122"/>
-            </a:endParaRPr>
           </a:p>
           <a:p>
             <a:pPr>
@@ -5304,7 +5827,7 @@
           <p:nvPr/>
         </p:nvPicPr>
         <p:blipFill>
-          <a:blip r:embed="rId1"/>
+          <a:blip r:embed="rId2"/>
           <a:stretch>
             <a:fillRect/>
           </a:stretch>
@@ -5336,12 +5859,43 @@
         <p:spPr/>
         <p:txBody>
           <a:bodyPr wrap="square" lIns="91436" tIns="45718" rIns="91436" bIns="45718" anchor="ctr"/>
-          <a:p>
-            <a:r>
-              <a:rPr lang="zh-CN" altLang="en-US"/>
+          <a:lstStyle/>
+          <a:p>
+            <a:endParaRPr lang="zh-CN" altLang="en-US" dirty="0"/>
+          </a:p>
+        </p:txBody>
+      </p:sp>
+      <p:sp>
+        <p:nvSpPr>
+          <p:cNvPr id="2" name="矩形 1">
+            <a:extLst>
+              <a:ext uri="{FF2B5EF4-FFF2-40B4-BE49-F238E27FC236}">
+                <a16:creationId xmlns:a16="http://schemas.microsoft.com/office/drawing/2014/main" id="{A2600616-FB1E-4E5F-921F-055A7EA41B9B}"/>
+              </a:ext>
+            </a:extLst>
+          </p:cNvPr>
+          <p:cNvSpPr/>
+          <p:nvPr/>
+        </p:nvSpPr>
+        <p:spPr>
+          <a:xfrm>
+            <a:off x="892769" y="646152"/>
+            <a:ext cx="1338828" cy="369332"/>
+          </a:xfrm>
+          <a:prstGeom prst="rect">
+            <a:avLst/>
+          </a:prstGeom>
+        </p:spPr>
+        <p:txBody>
+          <a:bodyPr wrap="none">
+            <a:spAutoFit/>
+          </a:bodyPr>
+          <a:lstStyle/>
+          <a:p>
+            <a:r>
+              <a:rPr lang="zh-CN" altLang="en-US" dirty="0"/>
               <a:t>生物神经元</a:t>
             </a:r>
-            <a:endParaRPr lang="zh-CN" altLang="en-US"/>
           </a:p>
         </p:txBody>
       </p:sp>
@@ -5362,7 +5916,14 @@
         <p:cNvGrpSpPr/>
         <p:nvPr/>
       </p:nvGrpSpPr>
-      <p:grpSpPr/>
+      <p:grpSpPr>
+        <a:xfrm>
+          <a:off x="0" y="0"/>
+          <a:ext cx="0" cy="0"/>
+          <a:chOff x="0" y="0"/>
+          <a:chExt cx="0" cy="0"/>
+        </a:xfrm>
+      </p:grpSpPr>
       <p:sp>
         <p:nvSpPr>
           <p:cNvPr id="17409" name="标题 52225"/>
@@ -5383,12 +5944,12 @@
           <a:bodyPr wrap="square" lIns="91436" tIns="45718" rIns="91436" bIns="45718" anchor="ctr">
             <a:spAutoFit/>
           </a:bodyPr>
+          <a:lstStyle/>
           <a:p>
             <a:r>
               <a:rPr lang="pt-PT" altLang="zh-CN" dirty="0"/>
               <a:t>Neural Dynamics</a:t>
             </a:r>
-            <a:endParaRPr lang="pt-PT" altLang="zh-CN" dirty="0"/>
           </a:p>
         </p:txBody>
       </p:sp>
@@ -5406,12 +5967,12 @@
           <a:graphicData uri="http://schemas.openxmlformats.org/presentationml/2006/ole">
             <mc:AlternateContent xmlns:mc="http://schemas.openxmlformats.org/markup-compatibility/2006">
               <mc:Choice xmlns:v="urn:schemas-microsoft-com:vml" Requires="v">
-                <p:oleObj spid="_x0000_s3076" name="" r:id="rId1" imgW="9484360" imgH="5723255" progId="Excel.Chart.8">
+                <p:oleObj spid="_x0000_s3080" r:id="rId4" imgW="9484360" imgH="5723255" progId="Excel.Chart.8">
                   <p:embed/>
                 </p:oleObj>
               </mc:Choice>
               <mc:Fallback>
-                <p:oleObj name="" r:id="rId1" imgW="9484360" imgH="5723255" progId="Excel.Chart.8">
+                <p:oleObj r:id="rId4" imgW="9484360" imgH="5723255" progId="Excel.Chart.8">
                   <p:embed/>
                   <p:pic>
                     <p:nvPicPr>
@@ -5420,7 +5981,7 @@
                       <p:nvPr/>
                     </p:nvPicPr>
                     <p:blipFill>
-                      <a:blip r:embed="rId2"/>
+                      <a:blip r:embed="rId5"/>
                       <a:stretch>
                         <a:fillRect/>
                       </a:stretch>
@@ -5472,6 +6033,7 @@
         </p:spPr>
         <p:txBody>
           <a:bodyPr anchor="t"/>
+          <a:lstStyle/>
           <a:p>
             <a:endParaRPr lang="zh-CN" altLang="en-US">
               <a:latin typeface="Arial" panose="020B0604020202020204" pitchFamily="34" charset="0"/>
@@ -5506,6 +6068,7 @@
         </p:spPr>
         <p:txBody>
           <a:bodyPr anchor="t"/>
+          <a:lstStyle/>
           <a:p>
             <a:endParaRPr lang="zh-CN" altLang="en-US">
               <a:latin typeface="Arial" panose="020B0604020202020204" pitchFamily="34" charset="0"/>
@@ -5537,6 +6100,7 @@
           <a:bodyPr wrap="none" anchor="t">
             <a:spAutoFit/>
           </a:bodyPr>
+          <a:lstStyle/>
           <a:p>
             <a:r>
               <a:rPr lang="pt-PT" altLang="zh-CN" sz="1400" dirty="0">
@@ -5545,10 +6109,6 @@
               </a:rPr>
               <a:t>Refractory time</a:t>
             </a:r>
-            <a:endParaRPr lang="pt-PT" altLang="zh-CN" sz="1400" dirty="0">
-              <a:latin typeface="Bookman Old Style" panose="02050604050505020204" pitchFamily="18" charset="0"/>
-              <a:ea typeface="宋体" panose="02010600030101010101" pitchFamily="2" charset="-122"/>
-            </a:endParaRPr>
           </a:p>
         </p:txBody>
       </p:sp>
@@ -5575,6 +6135,7 @@
           <a:bodyPr wrap="none" anchor="t">
             <a:spAutoFit/>
           </a:bodyPr>
+          <a:lstStyle/>
           <a:p>
             <a:r>
               <a:rPr lang="pt-PT" altLang="zh-CN" sz="1400" dirty="0">
@@ -5583,10 +6144,6 @@
               </a:rPr>
               <a:t>Action potential</a:t>
             </a:r>
-            <a:endParaRPr lang="pt-PT" altLang="zh-CN" sz="1400" dirty="0">
-              <a:latin typeface="Bookman Old Style" panose="02050604050505020204" pitchFamily="18" charset="0"/>
-              <a:ea typeface="宋体" panose="02010600030101010101" pitchFamily="2" charset="-122"/>
-            </a:endParaRPr>
           </a:p>
         </p:txBody>
       </p:sp>
@@ -5613,6 +6170,7 @@
           <a:bodyPr wrap="square" anchor="t">
             <a:spAutoFit/>
           </a:bodyPr>
+          <a:lstStyle/>
           <a:p>
             <a:r>
               <a:rPr lang="pt-PT" altLang="zh-CN" sz="2000" dirty="0">
@@ -5621,10 +6179,6 @@
               </a:rPr>
               <a:t>Action potential ≈ 100mV</a:t>
             </a:r>
-            <a:endParaRPr lang="pt-PT" altLang="zh-CN" sz="2000" dirty="0">
-              <a:latin typeface="Bookman Old Style" panose="02050604050505020204" pitchFamily="18" charset="0"/>
-              <a:ea typeface="宋体" panose="02010600030101010101" pitchFamily="2" charset="-122"/>
-            </a:endParaRPr>
           </a:p>
           <a:p>
             <a:r>
@@ -5634,10 +6188,6 @@
               </a:rPr>
               <a:t>Activation threshold ≈ 20-30mV</a:t>
             </a:r>
-            <a:endParaRPr lang="pt-PT" altLang="zh-CN" sz="2000" dirty="0">
-              <a:latin typeface="Bookman Old Style" panose="02050604050505020204" pitchFamily="18" charset="0"/>
-              <a:ea typeface="宋体" panose="02010600030101010101" pitchFamily="2" charset="-122"/>
-            </a:endParaRPr>
           </a:p>
           <a:p>
             <a:r>
@@ -5647,10 +6197,6 @@
               </a:rPr>
               <a:t>Rest potential ≈ -65mV</a:t>
             </a:r>
-            <a:endParaRPr lang="pt-PT" altLang="zh-CN" sz="2000" dirty="0">
-              <a:latin typeface="Bookman Old Style" panose="02050604050505020204" pitchFamily="18" charset="0"/>
-              <a:ea typeface="宋体" panose="02010600030101010101" pitchFamily="2" charset="-122"/>
-            </a:endParaRPr>
           </a:p>
           <a:p>
             <a:r>
@@ -5660,10 +6206,6 @@
               </a:rPr>
               <a:t>Spike time ≈ 1-2ms</a:t>
             </a:r>
-            <a:endParaRPr lang="pt-PT" altLang="zh-CN" sz="2000" dirty="0">
-              <a:latin typeface="Bookman Old Style" panose="02050604050505020204" pitchFamily="18" charset="0"/>
-              <a:ea typeface="宋体" panose="02010600030101010101" pitchFamily="2" charset="-122"/>
-            </a:endParaRPr>
           </a:p>
           <a:p>
             <a:r>
@@ -5673,10 +6215,6 @@
               </a:rPr>
               <a:t>Refractory time ≈ 10-20ms</a:t>
             </a:r>
-            <a:endParaRPr lang="pt-PT" altLang="zh-CN" sz="2000" dirty="0">
-              <a:latin typeface="Bookman Old Style" panose="02050604050505020204" pitchFamily="18" charset="0"/>
-              <a:ea typeface="宋体" panose="02010600030101010101" pitchFamily="2" charset="-122"/>
-            </a:endParaRPr>
           </a:p>
         </p:txBody>
       </p:sp>
@@ -5697,7 +6235,14 @@
         <p:cNvGrpSpPr/>
         <p:nvPr/>
       </p:nvGrpSpPr>
-      <p:grpSpPr/>
+      <p:grpSpPr>
+        <a:xfrm>
+          <a:off x="0" y="0"/>
+          <a:ext cx="0" cy="0"/>
+          <a:chOff x="0" y="0"/>
+          <a:chExt cx="0" cy="0"/>
+        </a:xfrm>
+      </p:grpSpPr>
       <p:sp>
         <p:nvSpPr>
           <p:cNvPr id="18433" name="标题 1"/>
@@ -5711,6 +6256,7 @@
         <p:spPr/>
         <p:txBody>
           <a:bodyPr wrap="square" lIns="91436" tIns="45718" rIns="91436" bIns="45718" anchor="ctr"/>
+          <a:lstStyle/>
           <a:p>
             <a:r>
               <a:rPr lang="pt-PT" altLang="zh-CN" dirty="0"/>
@@ -5733,6 +6279,7 @@
         <p:spPr/>
         <p:txBody>
           <a:bodyPr wrap="square" lIns="91436" tIns="45718" rIns="91436" bIns="45718" anchor="t"/>
+          <a:lstStyle/>
           <a:p>
             <a:endParaRPr lang="zh-CN" altLang="en-US"/>
           </a:p>
@@ -5757,14 +6304,12 @@
               <a:rPr lang="zh-CN" altLang="en-US"/>
               <a:t>ex: Perceptrons, Hopfield NNs, Boltzmann Machines</a:t>
             </a:r>
-            <a:endParaRPr lang="zh-CN" altLang="en-US"/>
           </a:p>
           <a:p>
             <a:r>
               <a:rPr lang="zh-CN" altLang="en-US"/>
               <a:t>Main drawbacks: can only map binary functions, biologically implausible.</a:t>
             </a:r>
-            <a:endParaRPr lang="zh-CN" altLang="en-US"/>
           </a:p>
         </p:txBody>
       </p:sp>
@@ -5782,12 +6327,12 @@
           <a:graphicData uri="http://schemas.openxmlformats.org/presentationml/2006/ole">
             <mc:AlternateContent xmlns:mc="http://schemas.openxmlformats.org/markup-compatibility/2006">
               <mc:Choice xmlns:v="urn:schemas-microsoft-com:vml" Requires="v">
-                <p:oleObj spid="_x0000_s3077" name="" r:id="rId1" imgW="8103870" imgH="4563745" progId="Excel.Chart.8">
+                <p:oleObj spid="_x0000_s4105" r:id="rId3" imgW="8103870" imgH="4563745" progId="Excel.Chart.8">
                   <p:embed/>
                 </p:oleObj>
               </mc:Choice>
               <mc:Fallback>
-                <p:oleObj name="" r:id="rId1" imgW="8103870" imgH="4563745" progId="Excel.Chart.8">
+                <p:oleObj r:id="rId3" imgW="8103870" imgH="4563745" progId="Excel.Chart.8">
                   <p:embed/>
                   <p:pic>
                     <p:nvPicPr>
@@ -5796,7 +6341,7 @@
                       <p:nvPr/>
                     </p:nvPicPr>
                     <p:blipFill>
-                      <a:blip r:embed="rId2"/>
+                      <a:blip r:embed="rId4"/>
                       <a:stretch>
                         <a:fillRect/>
                       </a:stretch>
@@ -5836,12 +6381,12 @@
           <a:graphicData uri="http://schemas.openxmlformats.org/presentationml/2006/ole">
             <mc:AlternateContent xmlns:mc="http://schemas.openxmlformats.org/markup-compatibility/2006">
               <mc:Choice xmlns:v="urn:schemas-microsoft-com:vml" Requires="v">
-                <p:oleObj spid="_x0000_s3078" name="" r:id="rId3" imgW="1398270" imgH="457835" progId="Equation.3">
+                <p:oleObj spid="_x0000_s4106" r:id="rId5" imgW="1398270" imgH="457835" progId="Equation.3">
                   <p:embed/>
                 </p:oleObj>
               </mc:Choice>
               <mc:Fallback>
-                <p:oleObj name="" r:id="rId3" imgW="1398270" imgH="457835" progId="Equation.3">
+                <p:oleObj r:id="rId5" imgW="1398270" imgH="457835" progId="Equation.3">
                   <p:embed/>
                   <p:pic>
                     <p:nvPicPr>
@@ -5850,7 +6395,7 @@
                       <p:nvPr/>
                     </p:nvPicPr>
                     <p:blipFill>
-                      <a:blip r:embed="rId4"/>
+                      <a:blip r:embed="rId6"/>
                       <a:stretch>
                         <a:fillRect/>
                       </a:stretch>
@@ -5901,6 +6446,7 @@
           <a:bodyPr wrap="none" anchor="t">
             <a:spAutoFit/>
           </a:bodyPr>
+          <a:lstStyle/>
           <a:p>
             <a:r>
               <a:rPr lang="zh-CN" altLang="pt-PT" sz="1600" b="1" dirty="0">
@@ -5916,10 +6462,6 @@
               </a:rPr>
               <a:t>Hard” threshold</a:t>
             </a:r>
-            <a:endParaRPr lang="pt-PT" altLang="zh-CN" sz="1600" b="1" dirty="0">
-              <a:latin typeface="Bookman Old Style" panose="02050604050505020204" pitchFamily="18" charset="0"/>
-              <a:ea typeface="宋体" panose="02010600030101010101" pitchFamily="2" charset="-122"/>
-            </a:endParaRPr>
           </a:p>
         </p:txBody>
       </p:sp>
@@ -5948,6 +6490,7 @@
           <a:bodyPr wrap="square" anchor="t">
             <a:spAutoFit/>
           </a:bodyPr>
+          <a:lstStyle/>
           <a:p>
             <a:pPr>
               <a:buFont typeface="Symbol" panose="05050102010706020507" pitchFamily="2" charset="2"/>
@@ -5969,11 +6512,6 @@
               </a:rPr>
               <a:t>threshold</a:t>
             </a:r>
-            <a:endParaRPr lang="pt-PT" altLang="zh-CN" dirty="0">
-              <a:latin typeface="Bookman Old Style" panose="02050604050505020204" pitchFamily="18" charset="0"/>
-              <a:ea typeface="宋体" panose="02010600030101010101" pitchFamily="2" charset="-122"/>
-              <a:sym typeface="Symbol" panose="05050102010706020507" pitchFamily="2" charset="2"/>
-            </a:endParaRPr>
           </a:p>
         </p:txBody>
       </p:sp>
@@ -5991,12 +6529,12 @@
           <a:graphicData uri="http://schemas.openxmlformats.org/presentationml/2006/ole">
             <mc:AlternateContent xmlns:mc="http://schemas.openxmlformats.org/markup-compatibility/2006">
               <mc:Choice xmlns:v="urn:schemas-microsoft-com:vml" Requires="v">
-                <p:oleObj spid="_x0000_s3085" name="" r:id="rId5" imgW="877570" imgH="368935" progId="Equation.3">
+                <p:oleObj spid="_x0000_s4107" r:id="rId7" imgW="877570" imgH="368935" progId="Equation.3">
                   <p:embed/>
                 </p:oleObj>
               </mc:Choice>
               <mc:Fallback>
-                <p:oleObj name="" r:id="rId5" imgW="877570" imgH="368935" progId="Equation.3">
+                <p:oleObj r:id="rId7" imgW="877570" imgH="368935" progId="Equation.3">
                   <p:embed/>
                   <p:pic>
                     <p:nvPicPr>
@@ -6005,7 +6543,7 @@
                       <p:nvPr/>
                     </p:nvPicPr>
                     <p:blipFill>
-                      <a:blip r:embed="rId6"/>
+                      <a:blip r:embed="rId8"/>
                       <a:stretch>
                         <a:fillRect/>
                       </a:stretch>
@@ -6056,6 +6594,7 @@
           <a:bodyPr wrap="none" anchor="t">
             <a:spAutoFit/>
           </a:bodyPr>
+          <a:lstStyle/>
           <a:p>
             <a:r>
               <a:rPr lang="pt-PT" altLang="zh-CN" sz="1600" b="1" dirty="0">
@@ -6064,10 +6603,6 @@
               </a:rPr>
               <a:t>Stimulus</a:t>
             </a:r>
-            <a:endParaRPr lang="pt-PT" altLang="zh-CN" sz="1600" b="1" dirty="0">
-              <a:latin typeface="Bookman Old Style" panose="02050604050505020204" pitchFamily="18" charset="0"/>
-              <a:ea typeface="宋体" panose="02010600030101010101" pitchFamily="2" charset="-122"/>
-            </a:endParaRPr>
           </a:p>
         </p:txBody>
       </p:sp>
@@ -6085,12 +6620,12 @@
           <a:graphicData uri="http://schemas.openxmlformats.org/presentationml/2006/ole">
             <mc:AlternateContent xmlns:mc="http://schemas.openxmlformats.org/markup-compatibility/2006">
               <mc:Choice xmlns:v="urn:schemas-microsoft-com:vml" Requires="v">
-                <p:oleObj spid="_x0000_s3087" name="" r:id="rId7" imgW="1017270" imgH="228600" progId="Equation.3">
+                <p:oleObj spid="_x0000_s4108" r:id="rId9" imgW="1017270" imgH="228600" progId="Equation.3">
                   <p:embed/>
                 </p:oleObj>
               </mc:Choice>
               <mc:Fallback>
-                <p:oleObj name="" r:id="rId7" imgW="1017270" imgH="228600" progId="Equation.3">
+                <p:oleObj r:id="rId9" imgW="1017270" imgH="228600" progId="Equation.3">
                   <p:embed/>
                   <p:pic>
                     <p:nvPicPr>
@@ -6099,7 +6634,7 @@
                       <p:nvPr/>
                     </p:nvPicPr>
                     <p:blipFill>
-                      <a:blip r:embed="rId8"/>
+                      <a:blip r:embed="rId10"/>
                       <a:stretch>
                         <a:fillRect/>
                       </a:stretch>
@@ -6150,6 +6685,7 @@
           <a:bodyPr wrap="none" anchor="t">
             <a:spAutoFit/>
           </a:bodyPr>
+          <a:lstStyle/>
           <a:p>
             <a:r>
               <a:rPr lang="pt-PT" altLang="zh-CN" sz="1600" b="1" dirty="0">
@@ -6158,10 +6694,6 @@
               </a:rPr>
               <a:t>Response</a:t>
             </a:r>
-            <a:endParaRPr lang="pt-PT" altLang="zh-CN" sz="1600" b="1" dirty="0">
-              <a:latin typeface="Bookman Old Style" panose="02050604050505020204" pitchFamily="18" charset="0"/>
-              <a:ea typeface="宋体" panose="02010600030101010101" pitchFamily="2" charset="-122"/>
-            </a:endParaRPr>
           </a:p>
         </p:txBody>
       </p:sp>
@@ -6182,7 +6714,14 @@
         <p:cNvGrpSpPr/>
         <p:nvPr/>
       </p:nvGrpSpPr>
-      <p:grpSpPr/>
+      <p:grpSpPr>
+        <a:xfrm>
+          <a:off x="0" y="0"/>
+          <a:ext cx="0" cy="0"/>
+          <a:chOff x="0" y="0"/>
+          <a:chExt cx="0" cy="0"/>
+        </a:xfrm>
+      </p:grpSpPr>
       <p:sp>
         <p:nvSpPr>
           <p:cNvPr id="19457" name="标题 1"/>
@@ -6196,6 +6735,7 @@
         <p:spPr/>
         <p:txBody>
           <a:bodyPr wrap="square" lIns="91436" tIns="45718" rIns="91436" bIns="45718" anchor="ctr"/>
+          <a:lstStyle/>
           <a:p>
             <a:r>
               <a:rPr lang="pt-PT" altLang="zh-CN" dirty="0"/>
@@ -6218,6 +6758,7 @@
         <p:spPr/>
         <p:txBody>
           <a:bodyPr wrap="square" lIns="91436" tIns="45718" rIns="91436" bIns="45718" anchor="t"/>
+          <a:lstStyle/>
           <a:p>
             <a:endParaRPr lang="zh-CN" altLang="en-US"/>
           </a:p>
@@ -6241,14 +6782,12 @@
               <a:rPr lang="zh-CN" altLang="en-US"/>
               <a:t>ex: MLPs, Recurrent NNs, ...</a:t>
             </a:r>
-            <a:endParaRPr lang="zh-CN" altLang="en-US"/>
           </a:p>
           <a:p>
             <a:r>
               <a:rPr lang="zh-CN" altLang="en-US"/>
               <a:t>Main drawbacks: difficult to process time patterns, biologically implausible.</a:t>
             </a:r>
-            <a:endParaRPr lang="zh-CN" altLang="en-US"/>
           </a:p>
         </p:txBody>
       </p:sp>
@@ -6266,12 +6805,12 @@
           <a:graphicData uri="http://schemas.openxmlformats.org/presentationml/2006/ole">
             <mc:AlternateContent xmlns:mc="http://schemas.openxmlformats.org/markup-compatibility/2006">
               <mc:Choice xmlns:v="urn:schemas-microsoft-com:vml" Requires="v">
-                <p:oleObj spid="_x0000_s3079" name="" r:id="rId1" imgW="1054735" imgH="394335" progId="Equation.3">
+                <p:oleObj spid="_x0000_s5129" r:id="rId3" imgW="1054735" imgH="394335" progId="Equation.3">
                   <p:embed/>
                 </p:oleObj>
               </mc:Choice>
               <mc:Fallback>
-                <p:oleObj name="" r:id="rId1" imgW="1054735" imgH="394335" progId="Equation.3">
+                <p:oleObj r:id="rId3" imgW="1054735" imgH="394335" progId="Equation.3">
                   <p:embed/>
                   <p:pic>
                     <p:nvPicPr>
@@ -6280,7 +6819,7 @@
                       <p:nvPr/>
                     </p:nvPicPr>
                     <p:blipFill>
-                      <a:blip r:embed="rId2"/>
+                      <a:blip r:embed="rId4"/>
                       <a:stretch>
                         <a:fillRect/>
                       </a:stretch>
@@ -6331,6 +6870,7 @@
           <a:bodyPr wrap="none" anchor="t">
             <a:spAutoFit/>
           </a:bodyPr>
+          <a:lstStyle/>
           <a:p>
             <a:r>
               <a:rPr lang="zh-CN" altLang="pt-PT" sz="1600" b="1" dirty="0">
@@ -6346,10 +6886,6 @@
               </a:rPr>
               <a:t>Soft” threshold</a:t>
             </a:r>
-            <a:endParaRPr lang="pt-PT" altLang="zh-CN" sz="1600" b="1" dirty="0">
-              <a:latin typeface="Bookman Old Style" panose="02050604050505020204" pitchFamily="18" charset="0"/>
-              <a:ea typeface="宋体" panose="02010600030101010101" pitchFamily="2" charset="-122"/>
-            </a:endParaRPr>
           </a:p>
         </p:txBody>
       </p:sp>
@@ -6367,12 +6903,12 @@
           <a:graphicData uri="http://schemas.openxmlformats.org/presentationml/2006/ole">
             <mc:AlternateContent xmlns:mc="http://schemas.openxmlformats.org/markup-compatibility/2006">
               <mc:Choice xmlns:v="urn:schemas-microsoft-com:vml" Requires="v">
-                <p:oleObj spid="_x0000_s3080" name="" r:id="rId3" imgW="8112760" imgH="4572000" progId="Excel.Chart.8">
+                <p:oleObj spid="_x0000_s5130" r:id="rId5" imgW="8112760" imgH="4572000" progId="Excel.Chart.8">
                   <p:embed/>
                 </p:oleObj>
               </mc:Choice>
               <mc:Fallback>
-                <p:oleObj name="" r:id="rId3" imgW="8112760" imgH="4572000" progId="Excel.Chart.8">
+                <p:oleObj r:id="rId5" imgW="8112760" imgH="4572000" progId="Excel.Chart.8">
                   <p:embed/>
                   <p:pic>
                     <p:nvPicPr>
@@ -6381,7 +6917,7 @@
                       <p:nvPr/>
                     </p:nvPicPr>
                     <p:blipFill>
-                      <a:blip r:embed="rId4"/>
+                      <a:blip r:embed="rId6"/>
                       <a:stretch>
                         <a:fillRect/>
                       </a:stretch>
@@ -6421,12 +6957,12 @@
           <a:graphicData uri="http://schemas.openxmlformats.org/presentationml/2006/ole">
             <mc:AlternateContent xmlns:mc="http://schemas.openxmlformats.org/markup-compatibility/2006">
               <mc:Choice xmlns:v="urn:schemas-microsoft-com:vml" Requires="v">
-                <p:oleObj spid="_x0000_s3081" name="" r:id="rId5" imgW="877570" imgH="368935" progId="Equation.3">
+                <p:oleObj spid="_x0000_s5131" r:id="rId7" imgW="877570" imgH="368935" progId="Equation.3">
                   <p:embed/>
                 </p:oleObj>
               </mc:Choice>
               <mc:Fallback>
-                <p:oleObj name="" r:id="rId5" imgW="877570" imgH="368935" progId="Equation.3">
+                <p:oleObj r:id="rId7" imgW="877570" imgH="368935" progId="Equation.3">
                   <p:embed/>
                   <p:pic>
                     <p:nvPicPr>
@@ -6435,7 +6971,7 @@
                       <p:nvPr/>
                     </p:nvPicPr>
                     <p:blipFill>
-                      <a:blip r:embed="rId6"/>
+                      <a:blip r:embed="rId8"/>
                       <a:stretch>
                         <a:fillRect/>
                       </a:stretch>
@@ -6486,6 +7022,7 @@
           <a:bodyPr wrap="none" anchor="t">
             <a:spAutoFit/>
           </a:bodyPr>
+          <a:lstStyle/>
           <a:p>
             <a:r>
               <a:rPr lang="pt-PT" altLang="zh-CN" sz="1600" b="1" dirty="0">
@@ -6494,10 +7031,6 @@
               </a:rPr>
               <a:t>Stimulus</a:t>
             </a:r>
-            <a:endParaRPr lang="pt-PT" altLang="zh-CN" sz="1600" b="1" dirty="0">
-              <a:latin typeface="Bookman Old Style" panose="02050604050505020204" pitchFamily="18" charset="0"/>
-              <a:ea typeface="宋体" panose="02010600030101010101" pitchFamily="2" charset="-122"/>
-            </a:endParaRPr>
           </a:p>
         </p:txBody>
       </p:sp>
@@ -6515,12 +7048,12 @@
           <a:graphicData uri="http://schemas.openxmlformats.org/presentationml/2006/ole">
             <mc:AlternateContent xmlns:mc="http://schemas.openxmlformats.org/markup-compatibility/2006">
               <mc:Choice xmlns:v="urn:schemas-microsoft-com:vml" Requires="v">
-                <p:oleObj spid="_x0000_s3082" name="" r:id="rId7" imgW="1017270" imgH="228600" progId="Equation.3">
+                <p:oleObj spid="_x0000_s5132" r:id="rId9" imgW="1017270" imgH="228600" progId="Equation.3">
                   <p:embed/>
                 </p:oleObj>
               </mc:Choice>
               <mc:Fallback>
-                <p:oleObj name="" r:id="rId7" imgW="1017270" imgH="228600" progId="Equation.3">
+                <p:oleObj r:id="rId9" imgW="1017270" imgH="228600" progId="Equation.3">
                   <p:embed/>
                   <p:pic>
                     <p:nvPicPr>
@@ -6529,7 +7062,7 @@
                       <p:nvPr/>
                     </p:nvPicPr>
                     <p:blipFill>
-                      <a:blip r:embed="rId8"/>
+                      <a:blip r:embed="rId10"/>
                       <a:stretch>
                         <a:fillRect/>
                       </a:stretch>
@@ -6580,6 +7113,7 @@
           <a:bodyPr wrap="none" anchor="t">
             <a:spAutoFit/>
           </a:bodyPr>
+          <a:lstStyle/>
           <a:p>
             <a:r>
               <a:rPr lang="pt-PT" altLang="zh-CN" sz="1600" b="1" dirty="0">
@@ -6588,10 +7122,6 @@
               </a:rPr>
               <a:t>Response</a:t>
             </a:r>
-            <a:endParaRPr lang="pt-PT" altLang="zh-CN" sz="1600" b="1" dirty="0">
-              <a:latin typeface="Bookman Old Style" panose="02050604050505020204" pitchFamily="18" charset="0"/>
-              <a:ea typeface="宋体" panose="02010600030101010101" pitchFamily="2" charset="-122"/>
-            </a:endParaRPr>
           </a:p>
         </p:txBody>
       </p:sp>
@@ -6612,7 +7142,14 @@
         <p:cNvGrpSpPr/>
         <p:nvPr/>
       </p:nvGrpSpPr>
-      <p:grpSpPr/>
+      <p:grpSpPr>
+        <a:xfrm>
+          <a:off x="0" y="0"/>
+          <a:ext cx="0" cy="0"/>
+          <a:chOff x="0" y="0"/>
+          <a:chExt cx="0" cy="0"/>
+        </a:xfrm>
+      </p:grpSpPr>
       <p:sp>
         <p:nvSpPr>
           <p:cNvPr id="20481" name="标题 1"/>
@@ -6626,6 +7163,7 @@
         <p:spPr/>
         <p:txBody>
           <a:bodyPr wrap="square" lIns="91436" tIns="45718" rIns="91436" bIns="45718" anchor="ctr"/>
+          <a:lstStyle/>
           <a:p>
             <a:r>
               <a:rPr lang="pt-PT" altLang="zh-CN" dirty="0"/>
@@ -6649,12 +7187,12 @@
           <a:graphicData uri="http://schemas.openxmlformats.org/presentationml/2006/ole">
             <mc:AlternateContent xmlns:mc="http://schemas.openxmlformats.org/markup-compatibility/2006">
               <mc:Choice xmlns:v="urn:schemas-microsoft-com:vml" Requires="v">
-                <p:oleObj spid="_x0000_s3083" name="" r:id="rId1" imgW="1169670" imgH="368935" progId="Equation.3">
+                <p:oleObj spid="_x0000_s6151" r:id="rId3" imgW="1169670" imgH="368935" progId="Equation.3">
                   <p:embed/>
                 </p:oleObj>
               </mc:Choice>
               <mc:Fallback>
-                <p:oleObj name="" r:id="rId1" imgW="1169670" imgH="368935" progId="Equation.3">
+                <p:oleObj r:id="rId3" imgW="1169670" imgH="368935" progId="Equation.3">
                   <p:embed/>
                   <p:pic>
                     <p:nvPicPr>
@@ -6663,7 +7201,7 @@
                       <p:nvPr/>
                     </p:nvPicPr>
                     <p:blipFill>
-                      <a:blip r:embed="rId2"/>
+                      <a:blip r:embed="rId4"/>
                       <a:stretch>
                         <a:fillRect/>
                       </a:stretch>
@@ -6705,12 +7243,12 @@
           <a:graphicData uri="http://schemas.openxmlformats.org/presentationml/2006/ole">
             <mc:AlternateContent xmlns:mc="http://schemas.openxmlformats.org/markup-compatibility/2006">
               <mc:Choice xmlns:v="urn:schemas-microsoft-com:vml" Requires="v">
-                <p:oleObj spid="_x0000_s3084" name="" r:id="rId3" imgW="2476500" imgH="457200" progId="Equation.3">
+                <p:oleObj spid="_x0000_s6152" r:id="rId5" imgW="2476500" imgH="457200" progId="Equation.3">
                   <p:embed/>
                 </p:oleObj>
               </mc:Choice>
               <mc:Fallback>
-                <p:oleObj name="" r:id="rId3" imgW="2476500" imgH="457200" progId="Equation.3">
+                <p:oleObj r:id="rId5" imgW="2476500" imgH="457200" progId="Equation.3">
                   <p:embed/>
                   <p:pic>
                     <p:nvPicPr>
@@ -6719,7 +7257,7 @@
                       <p:nvPr/>
                     </p:nvPicPr>
                     <p:blipFill>
-                      <a:blip r:embed="rId4"/>
+                      <a:blip r:embed="rId6"/>
                       <a:stretch>
                         <a:fillRect/>
                       </a:stretch>
@@ -6761,12 +7299,12 @@
           <a:graphicData uri="http://schemas.openxmlformats.org/presentationml/2006/ole">
             <mc:AlternateContent xmlns:mc="http://schemas.openxmlformats.org/markup-compatibility/2006">
               <mc:Choice xmlns:v="urn:schemas-microsoft-com:vml" Requires="v">
-                <p:oleObj spid="_x0000_s3086" name="" r:id="rId5" imgW="1955800" imgH="609600" progId="Equation.3">
+                <p:oleObj spid="_x0000_s6153" r:id="rId7" imgW="1955800" imgH="609600" progId="Equation.3">
                   <p:embed/>
                 </p:oleObj>
               </mc:Choice>
               <mc:Fallback>
-                <p:oleObj name="" r:id="rId5" imgW="1955800" imgH="609600" progId="Equation.3">
+                <p:oleObj r:id="rId7" imgW="1955800" imgH="609600" progId="Equation.3">
                   <p:embed/>
                   <p:pic>
                     <p:nvPicPr>
@@ -6775,7 +7313,7 @@
                       <p:nvPr/>
                     </p:nvPicPr>
                     <p:blipFill>
-                      <a:blip r:embed="rId6"/>
+                      <a:blip r:embed="rId8"/>
                       <a:stretch>
                         <a:fillRect/>
                       </a:stretch>
@@ -6834,6 +7372,7 @@
           <a:bodyPr wrap="square" anchor="t">
             <a:spAutoFit/>
           </a:bodyPr>
+          <a:lstStyle/>
           <a:p>
             <a:pPr>
               <a:buFont typeface="Symbol" panose="05050102010706020507" pitchFamily="2" charset="2"/>
@@ -6860,10 +7399,6 @@
               </a:rPr>
               <a:t>spike and afterspike potential</a:t>
             </a:r>
-            <a:endParaRPr lang="pt-PT" altLang="zh-CN" sz="2000" dirty="0">
-              <a:latin typeface="Bookman Old Style" panose="02050604050505020204" pitchFamily="18" charset="0"/>
-              <a:ea typeface="宋体" panose="02010600030101010101" pitchFamily="2" charset="-122"/>
-            </a:endParaRPr>
           </a:p>
           <a:p>
             <a:pPr>
@@ -6891,10 +7426,6 @@
               </a:rPr>
               <a:t>= resting potential</a:t>
             </a:r>
-            <a:endParaRPr lang="pt-PT" altLang="zh-CN" sz="2000" dirty="0">
-              <a:latin typeface="Bookman Old Style" panose="02050604050505020204" pitchFamily="18" charset="0"/>
-              <a:ea typeface="宋体" panose="02010600030101010101" pitchFamily="2" charset="-122"/>
-            </a:endParaRPr>
           </a:p>
           <a:p>
             <a:pPr>
@@ -6990,11 +7521,6 @@
               </a:rPr>
               <a:t>threshold</a:t>
             </a:r>
-            <a:endParaRPr lang="pt-PT" altLang="zh-CN" sz="2000" dirty="0">
-              <a:latin typeface="Bookman Old Style" panose="02050604050505020204" pitchFamily="18" charset="0"/>
-              <a:ea typeface="宋体" panose="02010600030101010101" pitchFamily="2" charset="-122"/>
-              <a:sym typeface="Symbol" panose="05050102010706020507" pitchFamily="2" charset="2"/>
-            </a:endParaRPr>
           </a:p>
           <a:p>
             <a:pPr>
@@ -7065,11 +7591,6 @@
               </a:rPr>
               <a:t>t</a:t>
             </a:r>
-            <a:endParaRPr lang="pt-PT" altLang="zh-CN" sz="2000" i="1" dirty="0">
-              <a:latin typeface="Bookman Old Style" panose="02050604050505020204" pitchFamily="18" charset="0"/>
-              <a:ea typeface="宋体" panose="02010600030101010101" pitchFamily="2" charset="-122"/>
-              <a:sym typeface="Symbol" panose="05050102010706020507" pitchFamily="2" charset="2"/>
-            </a:endParaRPr>
           </a:p>
           <a:p>
             <a:pPr>
@@ -7132,11 +7653,6 @@
               </a:rPr>
               <a:t>j</a:t>
             </a:r>
-            <a:endParaRPr lang="pt-PT" altLang="zh-CN" sz="2000" i="1" dirty="0">
-              <a:latin typeface="Bookman Old Style" panose="02050604050505020204" pitchFamily="18" charset="0"/>
-              <a:ea typeface="宋体" panose="02010600030101010101" pitchFamily="2" charset="-122"/>
-              <a:sym typeface="Symbol" panose="05050102010706020507" pitchFamily="2" charset="2"/>
-            </a:endParaRPr>
           </a:p>
           <a:p>
             <a:pPr>
@@ -7183,11 +7699,6 @@
               </a:rPr>
               <a:t>t</a:t>
             </a:r>
-            <a:endParaRPr lang="pt-PT" altLang="zh-CN" sz="2000" i="1" dirty="0">
-              <a:latin typeface="Bookman Old Style" panose="02050604050505020204" pitchFamily="18" charset="0"/>
-              <a:ea typeface="宋体" panose="02010600030101010101" pitchFamily="2" charset="-122"/>
-              <a:sym typeface="Symbol" panose="05050102010706020507" pitchFamily="2" charset="2"/>
-            </a:endParaRPr>
           </a:p>
         </p:txBody>
       </p:sp>
@@ -7212,6 +7723,7 @@
         </p:spPr>
         <p:txBody>
           <a:bodyPr anchor="t"/>
+          <a:lstStyle/>
           <a:p>
             <a:pPr marL="342900" indent="-342900">
               <a:spcBef>
@@ -7225,10 +7737,6 @@
               </a:rPr>
               <a:t>Response</a:t>
             </a:r>
-            <a:endParaRPr lang="pt-PT" altLang="zh-CN" sz="2000" b="1" dirty="0">
-              <a:latin typeface="Bookman Old Style" panose="02050604050505020204" pitchFamily="18" charset="0"/>
-              <a:ea typeface="宋体" panose="02010600030101010101" pitchFamily="2" charset="-122"/>
-            </a:endParaRPr>
           </a:p>
         </p:txBody>
       </p:sp>
@@ -7255,6 +7763,7 @@
           <a:bodyPr wrap="none" anchor="t">
             <a:spAutoFit/>
           </a:bodyPr>
+          <a:lstStyle/>
           <a:p>
             <a:r>
               <a:rPr lang="pt-PT" altLang="zh-CN" sz="2000" b="1" dirty="0">
@@ -7263,10 +7772,6 @@
               </a:rPr>
               <a:t>Stimulus</a:t>
             </a:r>
-            <a:endParaRPr lang="pt-PT" altLang="zh-CN" sz="2000" b="1" dirty="0">
-              <a:latin typeface="Bookman Old Style" panose="02050604050505020204" pitchFamily="18" charset="0"/>
-              <a:ea typeface="宋体" panose="02010600030101010101" pitchFamily="2" charset="-122"/>
-            </a:endParaRPr>
           </a:p>
         </p:txBody>
       </p:sp>
@@ -7287,7 +7792,14 @@
         <p:cNvGrpSpPr/>
         <p:nvPr/>
       </p:nvGrpSpPr>
-      <p:grpSpPr/>
+      <p:grpSpPr>
+        <a:xfrm>
+          <a:off x="0" y="0"/>
+          <a:ext cx="0" cy="0"/>
+          <a:chOff x="0" y="0"/>
+          <a:chExt cx="0" cy="0"/>
+        </a:xfrm>
+      </p:grpSpPr>
       <p:sp>
         <p:nvSpPr>
           <p:cNvPr id="21505" name="标题 1"/>
@@ -7301,6 +7813,7 @@
         <p:spPr/>
         <p:txBody>
           <a:bodyPr wrap="square" lIns="91436" tIns="45718" rIns="91436" bIns="45718" anchor="ctr"/>
+          <a:lstStyle/>
           <a:p>
             <a:r>
               <a:rPr lang="pt-PT" altLang="zh-CN" dirty="0"/>
@@ -7323,6 +7836,7 @@
         <p:spPr/>
         <p:txBody>
           <a:bodyPr wrap="square" lIns="91436" tIns="45718" rIns="91436" bIns="45718" anchor="t"/>
+          <a:lstStyle/>
           <a:p>
             <a:endParaRPr lang="zh-CN" altLang="en-US"/>
           </a:p>
@@ -7358,12 +7872,12 @@
             <a:graphicData uri="http://schemas.openxmlformats.org/presentationml/2006/ole">
               <mc:AlternateContent xmlns:mc="http://schemas.openxmlformats.org/markup-compatibility/2006">
                 <mc:Choice xmlns:v="urn:schemas-microsoft-com:vml" Requires="v">
-                  <p:oleObj spid="_x0000_s3091" name="" r:id="rId1" imgW="7432040" imgH="4216400" progId="Excel.Chart.8">
+                  <p:oleObj spid="_x0000_s7171" r:id="rId3" imgW="7432040" imgH="4216400" progId="Excel.Chart.8">
                     <p:embed/>
                   </p:oleObj>
                 </mc:Choice>
                 <mc:Fallback>
-                  <p:oleObj name="" r:id="rId1" imgW="7432040" imgH="4216400" progId="Excel.Chart.8">
+                  <p:oleObj r:id="rId3" imgW="7432040" imgH="4216400" progId="Excel.Chart.8">
                     <p:embed/>
                     <p:pic>
                       <p:nvPicPr>
@@ -7372,7 +7886,7 @@
                         <p:nvPr/>
                       </p:nvPicPr>
                       <p:blipFill>
-                        <a:blip r:embed="rId2"/>
+                        <a:blip r:embed="rId4"/>
                         <a:stretch>
                           <a:fillRect/>
                         </a:stretch>
@@ -7421,6 +7935,7 @@
             <a:bodyPr wrap="none" anchor="t">
               <a:spAutoFit/>
             </a:bodyPr>
+            <a:lstStyle/>
             <a:p>
               <a:r>
                 <a:rPr lang="pt-PT" altLang="zh-CN" sz="1600" dirty="0">
@@ -7429,10 +7944,6 @@
                 </a:rPr>
                 <a:t>y(t)</a:t>
               </a:r>
-              <a:endParaRPr lang="pt-PT" altLang="zh-CN" sz="1600" dirty="0">
-                <a:latin typeface="Arial" panose="020B0604020202020204" pitchFamily="34" charset="0"/>
-                <a:ea typeface="宋体" panose="02010600030101010101" pitchFamily="2" charset="-122"/>
-              </a:endParaRPr>
             </a:p>
           </p:txBody>
         </p:sp>
@@ -7459,6 +7970,7 @@
             <a:bodyPr wrap="none" anchor="t">
               <a:spAutoFit/>
             </a:bodyPr>
+            <a:lstStyle/>
             <a:p>
               <a:r>
                 <a:rPr lang="zh-CN" altLang="pt-PT" sz="1600" dirty="0">
@@ -7468,11 +7980,6 @@
                 </a:rPr>
                 <a:t></a:t>
               </a:r>
-              <a:endParaRPr lang="zh-CN" altLang="pt-PT" sz="1600" dirty="0">
-                <a:latin typeface="Arial" panose="020B0604020202020204" pitchFamily="34" charset="0"/>
-                <a:ea typeface="宋体" panose="02010600030101010101" pitchFamily="2" charset="-122"/>
-                <a:sym typeface="Symbol" panose="05050102010706020507" pitchFamily="2" charset="2"/>
-              </a:endParaRPr>
             </a:p>
           </p:txBody>
         </p:sp>
@@ -7499,6 +8006,7 @@
             <a:bodyPr wrap="none" anchor="t">
               <a:spAutoFit/>
             </a:bodyPr>
+            <a:lstStyle/>
             <a:p>
               <a:r>
                 <a:rPr lang="pt-PT" altLang="zh-CN" sz="1600" dirty="0">
@@ -7540,11 +8048,6 @@
                 </a:rPr>
                 <a:t>)</a:t>
               </a:r>
-              <a:endParaRPr lang="pt-PT" altLang="zh-CN" sz="1600" dirty="0">
-                <a:latin typeface="Arial" panose="020B0604020202020204" pitchFamily="34" charset="0"/>
-                <a:ea typeface="宋体" panose="02010600030101010101" pitchFamily="2" charset="-122"/>
-                <a:sym typeface="Symbol" panose="05050102010706020507" pitchFamily="2" charset="2"/>
-              </a:endParaRPr>
             </a:p>
           </p:txBody>
         </p:sp>
@@ -7566,7 +8069,14 @@
         <p:cNvGrpSpPr/>
         <p:nvPr/>
       </p:nvGrpSpPr>
-      <p:grpSpPr/>
+      <p:grpSpPr>
+        <a:xfrm>
+          <a:off x="0" y="0"/>
+          <a:ext cx="0" cy="0"/>
+          <a:chOff x="0" y="0"/>
+          <a:chExt cx="0" cy="0"/>
+        </a:xfrm>
+      </p:grpSpPr>
       <p:sp>
         <p:nvSpPr>
           <p:cNvPr id="22529" name="标题 1"/>
@@ -7580,6 +8090,7 @@
         <p:spPr/>
         <p:txBody>
           <a:bodyPr wrap="square" lIns="91436" tIns="45718" rIns="91436" bIns="45718" anchor="ctr"/>
+          <a:lstStyle/>
           <a:p>
             <a:r>
               <a:rPr lang="zh-CN" altLang="en-US"/>
@@ -7589,7 +8100,6 @@
               <a:rPr lang="en-US" altLang="zh-CN"/>
               <a:t>model, SRM</a:t>
             </a:r>
-            <a:endParaRPr lang="en-US" altLang="zh-CN"/>
           </a:p>
         </p:txBody>
       </p:sp>
@@ -7610,13 +8120,13 @@
         </p:spPr>
         <p:txBody>
           <a:bodyPr vert="horz" wrap="square" lIns="91436" tIns="45718" rIns="91436" bIns="45718" anchor="t"/>
+          <a:lstStyle/>
           <a:p>
             <a:pPr fontAlgn="base"/>
             <a:r>
               <a:rPr lang="zh-CN" altLang="en-US" strike="noStrike" noProof="1"/>
               <a:t>the spike-train of a neuron</a:t>
             </a:r>
-            <a:endParaRPr lang="zh-CN" altLang="en-US" strike="noStrike" noProof="1"/>
           </a:p>
           <a:p>
             <a:pPr fontAlgn="base"/>
@@ -7636,7 +8146,6 @@
               <a:rPr lang="zh-CN" altLang="en-US" strike="noStrike" noProof="1"/>
               <a:t> refractoriness</a:t>
             </a:r>
-            <a:endParaRPr lang="zh-CN" altLang="en-US" strike="noStrike" noProof="1"/>
           </a:p>
           <a:p>
             <a:pPr fontAlgn="base"/>
@@ -7656,7 +8165,6 @@
               <a:rPr lang="zh-CN" altLang="en-US" strike="noStrike" noProof="1"/>
               <a:t>effect of incoming postsynaptic potentials</a:t>
             </a:r>
-            <a:endParaRPr lang="zh-CN" altLang="en-US" strike="noStrike" noProof="1"/>
           </a:p>
           <a:p>
             <a:pPr fontAlgn="base"/>
@@ -7677,7 +8185,7 @@
           <p:nvPr/>
         </p:nvPicPr>
         <p:blipFill>
-          <a:blip r:embed="rId1"/>
+          <a:blip r:embed="rId4"/>
           <a:stretch>
             <a:fillRect/>
           </a:stretch>
@@ -7699,7 +8207,7 @@
       <p:graphicFrame>
         <p:nvGraphicFramePr>
           <p:cNvPr id="22532" name="对象 4">
-            <a:hlinkClick r:id="" action="ppaction://ole?verb="/>
+            <a:hlinkClick r:id="" action="ppaction://ole?verb=0"/>
           </p:cNvPr>
           <p:cNvGraphicFramePr>
             <a:graphicFrameLocks noChangeAspect="1"/>
@@ -7714,12 +8222,12 @@
           <a:graphicData uri="http://schemas.openxmlformats.org/presentationml/2006/ole">
             <mc:AlternateContent xmlns:mc="http://schemas.openxmlformats.org/markup-compatibility/2006">
               <mc:Choice xmlns:v="urn:schemas-microsoft-com:vml" Requires="v">
-                <p:oleObj spid="_x0000_s3089" name="" r:id="rId2" imgW="2602865" imgH="241300" progId="Equation.KSEE3">
+                <p:oleObj spid="_x0000_s8199" r:id="rId5" imgW="2602865" imgH="241300" progId="Equation.KSEE3">
                   <p:embed/>
                 </p:oleObj>
               </mc:Choice>
               <mc:Fallback>
-                <p:oleObj name="" r:id="rId2" imgW="2602865" imgH="241300" progId="Equation.KSEE3">
+                <p:oleObj r:id="rId5" imgW="2602865" imgH="241300" progId="Equation.KSEE3">
                   <p:embed/>
                   <p:pic>
                     <p:nvPicPr>
@@ -7728,7 +8236,7 @@
                       <p:nvPr/>
                     </p:nvPicPr>
                     <p:blipFill>
-                      <a:blip r:embed="rId3"/>
+                      <a:blip r:embed="rId6"/>
                       <a:stretch>
                         <a:fillRect/>
                       </a:stretch>
@@ -7757,7 +8265,7 @@
       <p:graphicFrame>
         <p:nvGraphicFramePr>
           <p:cNvPr id="22533" name="对象 7">
-            <a:hlinkClick r:id="" action="ppaction://ole?verb="/>
+            <a:hlinkClick r:id="" action="ppaction://ole?verb=0"/>
           </p:cNvPr>
           <p:cNvGraphicFramePr>
             <a:graphicFrameLocks noChangeAspect="1"/>
@@ -7772,12 +8280,12 @@
           <a:graphicData uri="http://schemas.openxmlformats.org/presentationml/2006/ole">
             <mc:AlternateContent xmlns:mc="http://schemas.openxmlformats.org/markup-compatibility/2006">
               <mc:Choice xmlns:v="urn:schemas-microsoft-com:vml" Requires="v">
-                <p:oleObj spid="_x0000_s3092" name="" r:id="rId4" imgW="3517265" imgH="889000" progId="Equation.KSEE3">
+                <p:oleObj spid="_x0000_s8200" r:id="rId7" imgW="3517265" imgH="889000" progId="Equation.KSEE3">
                   <p:embed/>
                 </p:oleObj>
               </mc:Choice>
               <mc:Fallback>
-                <p:oleObj name="" r:id="rId4" imgW="3517265" imgH="889000" progId="Equation.KSEE3">
+                <p:oleObj r:id="rId7" imgW="3517265" imgH="889000" progId="Equation.KSEE3">
                   <p:embed/>
                   <p:pic>
                     <p:nvPicPr>
@@ -7786,7 +8294,7 @@
                       <p:nvPr/>
                     </p:nvPicPr>
                     <p:blipFill>
-                      <a:blip r:embed="rId5"/>
+                      <a:blip r:embed="rId8"/>
                       <a:stretch>
                         <a:fillRect/>
                       </a:stretch>
@@ -7815,7 +8323,7 @@
       <p:graphicFrame>
         <p:nvGraphicFramePr>
           <p:cNvPr id="22534" name="对象 11">
-            <a:hlinkClick r:id="" action="ppaction://ole?verb="/>
+            <a:hlinkClick r:id="" action="ppaction://ole?verb=0"/>
           </p:cNvPr>
           <p:cNvGraphicFramePr>
             <a:graphicFrameLocks noChangeAspect="1"/>
@@ -7830,12 +8338,12 @@
           <a:graphicData uri="http://schemas.openxmlformats.org/presentationml/2006/ole">
             <mc:AlternateContent xmlns:mc="http://schemas.openxmlformats.org/markup-compatibility/2006">
               <mc:Choice xmlns:v="urn:schemas-microsoft-com:vml" Requires="v">
-                <p:oleObj spid="_x0000_s3096" name="" r:id="rId6" imgW="2997200" imgH="508000" progId="Equation.KSEE3">
+                <p:oleObj spid="_x0000_s8201" r:id="rId9" imgW="2997200" imgH="508000" progId="Equation.KSEE3">
                   <p:embed/>
                 </p:oleObj>
               </mc:Choice>
               <mc:Fallback>
-                <p:oleObj name="" r:id="rId6" imgW="2997200" imgH="508000" progId="Equation.KSEE3">
+                <p:oleObj r:id="rId9" imgW="2997200" imgH="508000" progId="Equation.KSEE3">
                   <p:embed/>
                   <p:pic>
                     <p:nvPicPr>
@@ -7844,7 +8352,7 @@
                       <p:nvPr/>
                     </p:nvPicPr>
                     <p:blipFill>
-                      <a:blip r:embed="rId7"/>
+                      <a:blip r:embed="rId10"/>
                       <a:stretch>
                         <a:fillRect/>
                       </a:stretch>
@@ -7887,7 +8395,14 @@
         <p:cNvGrpSpPr/>
         <p:nvPr/>
       </p:nvGrpSpPr>
-      <p:grpSpPr/>
+      <p:grpSpPr>
+        <a:xfrm>
+          <a:off x="0" y="0"/>
+          <a:ext cx="0" cy="0"/>
+          <a:chOff x="0" y="0"/>
+          <a:chExt cx="0" cy="0"/>
+        </a:xfrm>
+      </p:grpSpPr>
       <p:sp>
         <p:nvSpPr>
           <p:cNvPr id="23553" name="标题 1"/>
@@ -7901,6 +8416,7 @@
         <p:spPr/>
         <p:txBody>
           <a:bodyPr wrap="square" lIns="91436" tIns="45718" rIns="91436" bIns="45718" anchor="ctr"/>
+          <a:lstStyle/>
           <a:p>
             <a:r>
               <a:rPr lang="zh-CN" altLang="en-US">
@@ -7931,12 +8447,12 @@
         <p:spPr/>
         <p:txBody>
           <a:bodyPr wrap="square" lIns="91436" tIns="45718" rIns="91436" bIns="45718" anchor="t"/>
+          <a:lstStyle/>
           <a:p>
             <a:r>
               <a:rPr lang="zh-CN" altLang="en-US"/>
               <a:t>The current excitation of a neuron</a:t>
             </a:r>
-            <a:endParaRPr lang="zh-CN" altLang="en-US"/>
           </a:p>
           <a:p>
             <a:endParaRPr lang="zh-CN" altLang="en-US"/>
@@ -7954,7 +8470,6 @@
               <a:rPr lang="zh-CN" altLang="en-US"/>
               <a:t>Short-term memory neurons</a:t>
             </a:r>
-            <a:endParaRPr lang="zh-CN" altLang="en-US"/>
           </a:p>
           <a:p>
             <a:pPr lvl="1"/>
@@ -7962,14 +8477,13 @@
               <a:rPr lang="zh-CN" altLang="en-US"/>
               <a:t>only takes the refractory effects of the last pulse sent into account.</a:t>
             </a:r>
-            <a:endParaRPr lang="zh-CN" altLang="en-US"/>
           </a:p>
         </p:txBody>
       </p:sp>
       <p:graphicFrame>
         <p:nvGraphicFramePr>
           <p:cNvPr id="23555" name="对象 6">
-            <a:hlinkClick r:id="" action="ppaction://ole?verb="/>
+            <a:hlinkClick r:id="" action="ppaction://ole?verb=0"/>
           </p:cNvPr>
           <p:cNvGraphicFramePr>
             <a:graphicFrameLocks noChangeAspect="1"/>
@@ -7984,12 +8498,12 @@
           <a:graphicData uri="http://schemas.openxmlformats.org/presentationml/2006/ole">
             <mc:AlternateContent xmlns:mc="http://schemas.openxmlformats.org/markup-compatibility/2006">
               <mc:Choice xmlns:v="urn:schemas-microsoft-com:vml" Requires="v">
-                <p:oleObj spid="_x0000_s3094" name="" r:id="rId1" imgW="2602865" imgH="393700" progId="Equation.KSEE3">
+                <p:oleObj spid="_x0000_s9221" r:id="rId4" imgW="2602865" imgH="393700" progId="Equation.KSEE3">
                   <p:embed/>
                 </p:oleObj>
               </mc:Choice>
               <mc:Fallback>
-                <p:oleObj name="" r:id="rId1" imgW="2602865" imgH="393700" progId="Equation.KSEE3">
+                <p:oleObj r:id="rId4" imgW="2602865" imgH="393700" progId="Equation.KSEE3">
                   <p:embed/>
                   <p:pic>
                     <p:nvPicPr>
@@ -7998,7 +8512,7 @@
                       <p:nvPr/>
                     </p:nvPicPr>
                     <p:blipFill>
-                      <a:blip r:embed="rId2"/>
+                      <a:blip r:embed="rId5"/>
                       <a:stretch>
                         <a:fillRect/>
                       </a:stretch>
@@ -8027,7 +8541,7 @@
       <p:graphicFrame>
         <p:nvGraphicFramePr>
           <p:cNvPr id="23556" name="对象 7">
-            <a:hlinkClick r:id="" action="ppaction://ole?verb="/>
+            <a:hlinkClick r:id="" action="ppaction://ole?verb=0"/>
           </p:cNvPr>
           <p:cNvGraphicFramePr>
             <a:graphicFrameLocks noChangeAspect="1"/>
@@ -8042,12 +8556,12 @@
           <a:graphicData uri="http://schemas.openxmlformats.org/presentationml/2006/ole">
             <mc:AlternateContent xmlns:mc="http://schemas.openxmlformats.org/markup-compatibility/2006">
               <mc:Choice xmlns:v="urn:schemas-microsoft-com:vml" Requires="v">
-                <p:oleObj spid="_x0000_s3097" name="" r:id="rId3" imgW="2273300" imgH="393700" progId="Equation.KSEE3">
+                <p:oleObj spid="_x0000_s9222" r:id="rId6" imgW="2273300" imgH="393700" progId="Equation.KSEE3">
                   <p:embed/>
                 </p:oleObj>
               </mc:Choice>
               <mc:Fallback>
-                <p:oleObj name="" r:id="rId3" imgW="2273300" imgH="393700" progId="Equation.KSEE3">
+                <p:oleObj r:id="rId6" imgW="2273300" imgH="393700" progId="Equation.KSEE3">
                   <p:embed/>
                   <p:pic>
                     <p:nvPicPr>
@@ -8056,7 +8570,7 @@
                       <p:nvPr/>
                     </p:nvPicPr>
                     <p:blipFill>
-                      <a:blip r:embed="rId4"/>
+                      <a:blip r:embed="rId7"/>
                       <a:stretch>
                         <a:fillRect/>
                       </a:stretch>
@@ -8099,7 +8613,14 @@
         <p:cNvGrpSpPr/>
         <p:nvPr/>
       </p:nvGrpSpPr>
-      <p:grpSpPr/>
+      <p:grpSpPr>
+        <a:xfrm>
+          <a:off x="0" y="0"/>
+          <a:ext cx="0" cy="0"/>
+          <a:chOff x="0" y="0"/>
+          <a:chExt cx="0" cy="0"/>
+        </a:xfrm>
+      </p:grpSpPr>
       <p:sp>
         <p:nvSpPr>
           <p:cNvPr id="24577" name="标题 1"/>
@@ -8113,6 +8634,7 @@
         <p:spPr/>
         <p:txBody>
           <a:bodyPr wrap="square" lIns="91436" tIns="45718" rIns="91436" bIns="45718" anchor="ctr"/>
+          <a:lstStyle/>
           <a:p>
             <a:endParaRPr lang="zh-CN" altLang="en-US"/>
           </a:p>
@@ -8129,7 +8651,7 @@
           </p:nvPr>
         </p:nvPicPr>
         <p:blipFill>
-          <a:blip r:embed="rId1"/>
+          <a:blip r:embed="rId2"/>
           <a:stretch>
             <a:fillRect/>
           </a:stretch>
@@ -8158,7 +8680,14 @@
         <p:cNvGrpSpPr/>
         <p:nvPr/>
       </p:nvGrpSpPr>
-      <p:grpSpPr/>
+      <p:grpSpPr>
+        <a:xfrm>
+          <a:off x="0" y="0"/>
+          <a:ext cx="0" cy="0"/>
+          <a:chOff x="0" y="0"/>
+          <a:chExt cx="0" cy="0"/>
+        </a:xfrm>
+      </p:grpSpPr>
       <p:sp>
         <p:nvSpPr>
           <p:cNvPr id="25601" name="标题 1"/>
@@ -8172,6 +8701,7 @@
         <p:spPr/>
         <p:txBody>
           <a:bodyPr wrap="square" lIns="91436" tIns="45718" rIns="91436" bIns="45718" anchor="ctr"/>
+          <a:lstStyle/>
           <a:p>
             <a:r>
               <a:rPr lang="zh-CN" altLang="en-US"/>
@@ -8185,7 +8715,6 @@
               <a:rPr lang="zh-CN" altLang="en-US"/>
               <a:t> Model</a:t>
             </a:r>
-            <a:endParaRPr lang="zh-CN" altLang="en-US"/>
           </a:p>
         </p:txBody>
       </p:sp>
@@ -8200,7 +8729,7 @@
           </p:nvPr>
         </p:nvPicPr>
         <p:blipFill>
-          <a:blip r:embed="rId1"/>
+          <a:blip r:embed="rId4"/>
           <a:stretch>
             <a:fillRect/>
           </a:stretch>
@@ -8215,7 +8744,7 @@
       <p:graphicFrame>
         <p:nvGraphicFramePr>
           <p:cNvPr id="25603" name="对象 6">
-            <a:hlinkClick r:id="" action="ppaction://ole?verb="/>
+            <a:hlinkClick r:id="" action="ppaction://ole?verb=0"/>
           </p:cNvPr>
           <p:cNvGraphicFramePr>
             <a:graphicFrameLocks noChangeAspect="1"/>
@@ -8230,12 +8759,12 @@
           <a:graphicData uri="http://schemas.openxmlformats.org/presentationml/2006/ole">
             <mc:AlternateContent xmlns:mc="http://schemas.openxmlformats.org/markup-compatibility/2006">
               <mc:Choice xmlns:v="urn:schemas-microsoft-com:vml" Requires="v">
-                <p:oleObj spid="_x0000_s3093" name="" r:id="rId2" imgW="1131570" imgH="393700" progId="Equation.KSEE3">
+                <p:oleObj spid="_x0000_s1037" r:id="rId5" imgW="1131570" imgH="393700" progId="Equation.KSEE3">
                   <p:embed/>
                 </p:oleObj>
               </mc:Choice>
               <mc:Fallback>
-                <p:oleObj name="" r:id="rId2" imgW="1131570" imgH="393700" progId="Equation.KSEE3">
+                <p:oleObj r:id="rId5" imgW="1131570" imgH="393700" progId="Equation.KSEE3">
                   <p:embed/>
                   <p:pic>
                     <p:nvPicPr>
@@ -8244,7 +8773,7 @@
                       <p:nvPr/>
                     </p:nvPicPr>
                     <p:blipFill>
-                      <a:blip r:embed="rId3"/>
+                      <a:blip r:embed="rId6"/>
                       <a:stretch>
                         <a:fillRect/>
                       </a:stretch>
@@ -8273,7 +8802,7 @@
       <p:graphicFrame>
         <p:nvGraphicFramePr>
           <p:cNvPr id="25604" name="对象 7">
-            <a:hlinkClick r:id="" action="ppaction://ole?verb="/>
+            <a:hlinkClick r:id="" action="ppaction://ole?verb=0"/>
           </p:cNvPr>
           <p:cNvGraphicFramePr>
             <a:graphicFrameLocks noChangeAspect="1"/>
@@ -8288,12 +8817,12 @@
           <a:graphicData uri="http://schemas.openxmlformats.org/presentationml/2006/ole">
             <mc:AlternateContent xmlns:mc="http://schemas.openxmlformats.org/markup-compatibility/2006">
               <mc:Choice xmlns:v="urn:schemas-microsoft-com:vml" Requires="v">
-                <p:oleObj spid="_x0000_s3095" name="" r:id="rId4" imgW="1334770" imgH="393700" progId="Equation.KSEE3">
+                <p:oleObj spid="_x0000_s1038" r:id="rId7" imgW="1334770" imgH="393700" progId="Equation.KSEE3">
                   <p:embed/>
                 </p:oleObj>
               </mc:Choice>
               <mc:Fallback>
-                <p:oleObj name="" r:id="rId4" imgW="1334770" imgH="393700" progId="Equation.KSEE3">
+                <p:oleObj r:id="rId7" imgW="1334770" imgH="393700" progId="Equation.KSEE3">
                   <p:embed/>
                   <p:pic>
                     <p:nvPicPr>
@@ -8302,7 +8831,7 @@
                       <p:nvPr/>
                     </p:nvPicPr>
                     <p:blipFill>
-                      <a:blip r:embed="rId5"/>
+                      <a:blip r:embed="rId8"/>
                       <a:stretch>
                         <a:fillRect/>
                       </a:stretch>
@@ -8361,6 +8890,7 @@
         </p:style>
         <p:txBody>
           <a:bodyPr rtlCol="0" anchor="ctr"/>
+          <a:lstStyle/>
           <a:p>
             <a:pPr algn="ctr" fontAlgn="base"/>
             <a:endParaRPr lang="zh-CN" altLang="en-US" strike="noStrike" noProof="1"/>
@@ -8370,7 +8900,7 @@
       <p:graphicFrame>
         <p:nvGraphicFramePr>
           <p:cNvPr id="25606" name="对象 9">
-            <a:hlinkClick r:id="" action="ppaction://ole?verb="/>
+            <a:hlinkClick r:id="" action="ppaction://ole?verb=0"/>
           </p:cNvPr>
           <p:cNvGraphicFramePr>
             <a:graphicFrameLocks noChangeAspect="1"/>
@@ -8385,12 +8915,12 @@
           <a:graphicData uri="http://schemas.openxmlformats.org/presentationml/2006/ole">
             <mc:AlternateContent xmlns:mc="http://schemas.openxmlformats.org/markup-compatibility/2006">
               <mc:Choice xmlns:v="urn:schemas-microsoft-com:vml" Requires="v">
-                <p:oleObj spid="_x0000_s3088" name="" r:id="rId6" imgW="1473200" imgH="533400" progId="Equation.KSEE3">
+                <p:oleObj spid="_x0000_s1039" r:id="rId9" imgW="1473200" imgH="533400" progId="Equation.KSEE3">
                   <p:embed/>
                 </p:oleObj>
               </mc:Choice>
               <mc:Fallback>
-                <p:oleObj name="" r:id="rId6" imgW="1473200" imgH="533400" progId="Equation.KSEE3">
+                <p:oleObj r:id="rId9" imgW="1473200" imgH="533400" progId="Equation.KSEE3">
                   <p:embed/>
                   <p:pic>
                     <p:nvPicPr>
@@ -8399,7 +8929,7 @@
                       <p:nvPr/>
                     </p:nvPicPr>
                     <p:blipFill>
-                      <a:blip r:embed="rId7"/>
+                      <a:blip r:embed="rId10"/>
                       <a:stretch>
                         <a:fillRect/>
                       </a:stretch>
@@ -8448,6 +8978,7 @@
           <a:bodyPr wrap="square" anchor="t">
             <a:spAutoFit/>
           </a:bodyPr>
+          <a:lstStyle/>
           <a:p>
             <a:r>
               <a:rPr lang="en-US" altLang="zh-CN" sz="2000">
@@ -8467,7 +8998,7 @@
       <p:graphicFrame>
         <p:nvGraphicFramePr>
           <p:cNvPr id="25608" name="对象 13">
-            <a:hlinkClick r:id="" action="ppaction://ole?verb="/>
+            <a:hlinkClick r:id="" action="ppaction://ole?verb=0"/>
           </p:cNvPr>
           <p:cNvGraphicFramePr>
             <a:graphicFrameLocks noChangeAspect="1"/>
@@ -8482,12 +9013,12 @@
           <a:graphicData uri="http://schemas.openxmlformats.org/presentationml/2006/ole">
             <mc:AlternateContent xmlns:mc="http://schemas.openxmlformats.org/markup-compatibility/2006">
               <mc:Choice xmlns:v="urn:schemas-microsoft-com:vml" Requires="v">
-                <p:oleObj spid="_x0000_s3090" name="" r:id="rId8" imgW="3441700" imgH="889000" progId="Equation.KSEE3">
+                <p:oleObj spid="_x0000_s1040" r:id="rId11" imgW="3441700" imgH="889000" progId="Equation.KSEE3">
                   <p:embed/>
                 </p:oleObj>
               </mc:Choice>
               <mc:Fallback>
-                <p:oleObj name="" r:id="rId8" imgW="3441700" imgH="889000" progId="Equation.KSEE3">
+                <p:oleObj r:id="rId11" imgW="3441700" imgH="889000" progId="Equation.KSEE3">
                   <p:embed/>
                   <p:pic>
                     <p:nvPicPr>
@@ -8496,7 +9027,7 @@
                       <p:nvPr/>
                     </p:nvPicPr>
                     <p:blipFill>
-                      <a:blip r:embed="rId9"/>
+                      <a:blip r:embed="rId12"/>
                       <a:stretch>
                         <a:fillRect/>
                       </a:stretch>
@@ -8525,7 +9056,7 @@
       <p:graphicFrame>
         <p:nvGraphicFramePr>
           <p:cNvPr id="2" name="对象 1">
-            <a:hlinkClick r:id="" action="ppaction://ole?verb="/>
+            <a:hlinkClick r:id="" action="ppaction://ole?verb=0"/>
           </p:cNvPr>
           <p:cNvGraphicFramePr>
             <a:graphicFrameLocks noChangeAspect="1"/>
@@ -8540,12 +9071,12 @@
           <a:graphicData uri="http://schemas.openxmlformats.org/presentationml/2006/ole">
             <mc:AlternateContent xmlns:mc="http://schemas.openxmlformats.org/markup-compatibility/2006">
               <mc:Choice xmlns:v="urn:schemas-microsoft-com:vml" Requires="v">
-                <p:oleObj spid="_x0000_s1025" name="" r:id="rId10" imgW="1625600" imgH="393700" progId="Equation.KSEE3">
+                <p:oleObj spid="_x0000_s1041" r:id="rId13" imgW="1625600" imgH="393700" progId="Equation.KSEE3">
                   <p:embed/>
                 </p:oleObj>
               </mc:Choice>
               <mc:Fallback>
-                <p:oleObj name="" r:id="rId10" imgW="1625600" imgH="393700" progId="Equation.KSEE3">
+                <p:oleObj r:id="rId13" imgW="1625600" imgH="393700" progId="Equation.KSEE3">
                   <p:embed/>
                   <p:pic>
                     <p:nvPicPr>
@@ -8554,7 +9085,7 @@
                       <p:nvPr/>
                     </p:nvPicPr>
                     <p:blipFill>
-                      <a:blip r:embed="rId11"/>
+                      <a:blip r:embed="rId14"/>
                       <a:stretch>
                         <a:fillRect/>
                       </a:stretch>
@@ -8667,7 +9198,14 @@
         <p:cNvGrpSpPr/>
         <p:nvPr/>
       </p:nvGrpSpPr>
-      <p:grpSpPr/>
+      <p:grpSpPr>
+        <a:xfrm>
+          <a:off x="0" y="0"/>
+          <a:ext cx="0" cy="0"/>
+          <a:chOff x="0" y="0"/>
+          <a:chExt cx="0" cy="0"/>
+        </a:xfrm>
+      </p:grpSpPr>
       <p:sp>
         <p:nvSpPr>
           <p:cNvPr id="4097" name="标题 1"/>
@@ -8681,6 +9219,7 @@
         <p:spPr/>
         <p:txBody>
           <a:bodyPr wrap="square" lIns="91436" tIns="45718" rIns="91436" bIns="45718" anchor="ctr"/>
+          <a:lstStyle/>
           <a:p>
             <a:r>
               <a:rPr lang="zh-CN" altLang="en-US"/>
@@ -8714,7 +9253,6 @@
               <a:rPr lang="en-US" altLang="zh-CN"/>
               <a:t>”</a:t>
             </a:r>
-            <a:endParaRPr lang="en-US" altLang="zh-CN"/>
           </a:p>
         </p:txBody>
       </p:sp>
@@ -8735,13 +9273,13 @@
         </p:spPr>
         <p:txBody>
           <a:bodyPr vert="horz" wrap="square" lIns="91436" tIns="45718" rIns="91436" bIns="45718" anchor="t"/>
+          <a:lstStyle/>
           <a:p>
             <a:pPr fontAlgn="base"/>
             <a:r>
               <a:rPr lang="zh-CN" altLang="en-US" strike="noStrike" noProof="1"/>
               <a:t>借助于 Deep Learning 算法，人类终于找到了如何处理 “抽象概念”这个亘古难题的方法。</a:t>
             </a:r>
-            <a:endParaRPr lang="zh-CN" altLang="en-US" strike="noStrike" noProof="1"/>
           </a:p>
           <a:p>
             <a:pPr lvl="2" fontAlgn="base"/>
@@ -8776,7 +9314,7 @@
           <p:nvPr/>
         </p:nvPicPr>
         <p:blipFill>
-          <a:blip r:embed="rId1"/>
+          <a:blip r:embed="rId2"/>
           <a:stretch>
             <a:fillRect/>
           </a:stretch>
@@ -8812,7 +9350,14 @@
         <p:cNvGrpSpPr/>
         <p:nvPr/>
       </p:nvGrpSpPr>
-      <p:grpSpPr/>
+      <p:grpSpPr>
+        <a:xfrm>
+          <a:off x="0" y="0"/>
+          <a:ext cx="0" cy="0"/>
+          <a:chOff x="0" y="0"/>
+          <a:chExt cx="0" cy="0"/>
+        </a:xfrm>
+      </p:grpSpPr>
       <p:sp>
         <p:nvSpPr>
           <p:cNvPr id="26625" name="标题 1"/>
@@ -8826,12 +9371,12 @@
         <p:spPr/>
         <p:txBody>
           <a:bodyPr wrap="square" lIns="91436" tIns="45718" rIns="91436" bIns="45718" anchor="ctr"/>
+          <a:lstStyle/>
           <a:p>
             <a:r>
               <a:rPr lang="en-US" altLang="zh-CN"/>
               <a:t>LIF</a:t>
             </a:r>
-            <a:endParaRPr lang="en-US" altLang="zh-CN"/>
           </a:p>
         </p:txBody>
       </p:sp>
@@ -8846,7 +9391,7 @@
           </p:nvPr>
         </p:nvPicPr>
         <p:blipFill>
-          <a:blip r:embed="rId1"/>
+          <a:blip r:embed="rId3"/>
           <a:stretch>
             <a:fillRect/>
           </a:stretch>
@@ -8875,7 +9420,14 @@
         <p:cNvGrpSpPr/>
         <p:nvPr/>
       </p:nvGrpSpPr>
-      <p:grpSpPr/>
+      <p:grpSpPr>
+        <a:xfrm>
+          <a:off x="0" y="0"/>
+          <a:ext cx="0" cy="0"/>
+          <a:chOff x="0" y="0"/>
+          <a:chExt cx="0" cy="0"/>
+        </a:xfrm>
+      </p:grpSpPr>
       <p:pic>
         <p:nvPicPr>
           <p:cNvPr id="27651" name="图片 3"/>
@@ -8885,7 +9437,7 @@
           <p:nvPr/>
         </p:nvPicPr>
         <p:blipFill>
-          <a:blip r:embed="rId1"/>
+          <a:blip r:embed="rId3"/>
           <a:stretch>
             <a:fillRect/>
           </a:stretch>
@@ -8917,6 +9469,7 @@
         <p:spPr/>
         <p:txBody>
           <a:bodyPr wrap="square" lIns="91436" tIns="45718" rIns="91436" bIns="45718" anchor="ctr"/>
+          <a:lstStyle/>
           <a:p>
             <a:r>
               <a:rPr lang="zh-CN" altLang="en-US"/>
@@ -8939,12 +9492,12 @@
         <p:spPr/>
         <p:txBody>
           <a:bodyPr wrap="square" lIns="91436" tIns="45718" rIns="91436" bIns="45718" anchor="t"/>
+          <a:lstStyle/>
           <a:p>
             <a:r>
               <a:rPr lang="zh-CN" altLang="en-US"/>
               <a:t>HH 模型是一组描述神经元细胞膜的电生理现象的非线性微分方程</a:t>
             </a:r>
-            <a:endParaRPr lang="zh-CN" altLang="en-US"/>
           </a:p>
         </p:txBody>
       </p:sp>
@@ -8957,7 +9510,7 @@
           <p:nvPr/>
         </p:nvPicPr>
         <p:blipFill>
-          <a:blip r:embed="rId2"/>
+          <a:blip r:embed="rId4"/>
           <a:stretch>
             <a:fillRect/>
           </a:stretch>
@@ -8985,7 +9538,7 @@
           <p:nvPr/>
         </p:nvPicPr>
         <p:blipFill>
-          <a:blip r:embed="rId3"/>
+          <a:blip r:embed="rId5"/>
           <a:stretch>
             <a:fillRect/>
           </a:stretch>
@@ -9017,7 +9570,14 @@
         <p:cNvGrpSpPr/>
         <p:nvPr/>
       </p:nvGrpSpPr>
-      <p:grpSpPr/>
+      <p:grpSpPr>
+        <a:xfrm>
+          <a:off x="0" y="0"/>
+          <a:ext cx="0" cy="0"/>
+          <a:chOff x="0" y="0"/>
+          <a:chExt cx="0" cy="0"/>
+        </a:xfrm>
+      </p:grpSpPr>
       <p:sp>
         <p:nvSpPr>
           <p:cNvPr id="28673" name="标题 1"/>
@@ -9031,12 +9591,12 @@
         <p:spPr/>
         <p:txBody>
           <a:bodyPr wrap="square" lIns="91436" tIns="45718" rIns="91436" bIns="45718" anchor="ctr"/>
+          <a:lstStyle/>
           <a:p>
             <a:r>
               <a:rPr lang="zh-CN" altLang="en-US"/>
               <a:t>脉冲神经元模型</a:t>
             </a:r>
-            <a:endParaRPr lang="zh-CN" altLang="en-US"/>
           </a:p>
         </p:txBody>
       </p:sp>
@@ -9051,7 +9611,7 @@
           </p:nvPr>
         </p:nvPicPr>
         <p:blipFill>
-          <a:blip r:embed="rId1"/>
+          <a:blip r:embed="rId3"/>
           <a:stretch>
             <a:fillRect/>
           </a:stretch>
@@ -9080,7 +9640,14 @@
         <p:cNvGrpSpPr/>
         <p:nvPr/>
       </p:nvGrpSpPr>
-      <p:grpSpPr/>
+      <p:grpSpPr>
+        <a:xfrm>
+          <a:off x="0" y="0"/>
+          <a:ext cx="0" cy="0"/>
+          <a:chOff x="0" y="0"/>
+          <a:chExt cx="0" cy="0"/>
+        </a:xfrm>
+      </p:grpSpPr>
       <p:sp>
         <p:nvSpPr>
           <p:cNvPr id="29697" name="标题 1"/>
@@ -9094,12 +9661,12 @@
         <p:spPr/>
         <p:txBody>
           <a:bodyPr wrap="square" lIns="91436" tIns="45718" rIns="91436" bIns="45718" anchor="ctr"/>
+          <a:lstStyle/>
           <a:p>
             <a:r>
               <a:rPr lang="zh-CN" altLang="en-US"/>
               <a:t>Spiking Neural Networks (SNNs)</a:t>
             </a:r>
-            <a:endParaRPr lang="zh-CN" altLang="en-US"/>
           </a:p>
         </p:txBody>
       </p:sp>
@@ -9121,12 +9688,12 @@
         </p:spPr>
         <p:txBody>
           <a:bodyPr wrap="square" lIns="91436" tIns="45718" rIns="91436" bIns="45718" anchor="t"/>
+          <a:lstStyle/>
           <a:p>
             <a:r>
               <a:rPr lang="zh-CN" altLang="en-US"/>
               <a:t>由脉冲神经元构成的网络</a:t>
             </a:r>
-            <a:endParaRPr lang="zh-CN" altLang="en-US"/>
           </a:p>
           <a:p>
             <a:pPr lvl="1"/>
@@ -9138,7 +9705,6 @@
               <a:rPr lang="zh-CN" altLang="en-US"/>
               <a:t>he connection between two SNN neurons is modeled by multiple (K) synapses</a:t>
             </a:r>
-            <a:endParaRPr lang="zh-CN" altLang="en-US"/>
           </a:p>
         </p:txBody>
       </p:sp>
@@ -9151,7 +9717,7 @@
           <p:nvPr/>
         </p:nvPicPr>
         <p:blipFill>
-          <a:blip r:embed="rId1"/>
+          <a:blip r:embed="rId3"/>
           <a:stretch>
             <a:fillRect/>
           </a:stretch>
@@ -9187,7 +9753,14 @@
         <p:cNvGrpSpPr/>
         <p:nvPr/>
       </p:nvGrpSpPr>
-      <p:grpSpPr/>
+      <p:grpSpPr>
+        <a:xfrm>
+          <a:off x="0" y="0"/>
+          <a:ext cx="0" cy="0"/>
+          <a:chOff x="0" y="0"/>
+          <a:chExt cx="0" cy="0"/>
+        </a:xfrm>
+      </p:grpSpPr>
       <p:sp>
         <p:nvSpPr>
           <p:cNvPr id="30721" name="标题 1"/>
@@ -9201,12 +9774,12 @@
         <p:spPr/>
         <p:txBody>
           <a:bodyPr wrap="square" lIns="91436" tIns="45718" rIns="91436" bIns="45718" anchor="ctr"/>
+          <a:lstStyle/>
           <a:p>
             <a:r>
               <a:rPr lang="zh-CN" altLang="en-US"/>
               <a:t>脉冲神经网络的学习算法</a:t>
             </a:r>
-            <a:endParaRPr lang="zh-CN" altLang="en-US"/>
           </a:p>
         </p:txBody>
       </p:sp>
@@ -9223,12 +9796,12 @@
         <p:spPr/>
         <p:txBody>
           <a:bodyPr wrap="square" lIns="91436" tIns="45718" rIns="91436" bIns="45718" anchor="t"/>
+          <a:lstStyle/>
           <a:p>
             <a:r>
               <a:rPr lang="zh-CN" altLang="en-US"/>
               <a:t>非监督学习</a:t>
             </a:r>
-            <a:endParaRPr lang="zh-CN" altLang="en-US"/>
           </a:p>
           <a:p>
             <a:pPr lvl="1"/>
@@ -9264,14 +9837,12 @@
               <a:rPr lang="en-US" altLang="zh-CN"/>
               <a:t>”</a:t>
             </a:r>
-            <a:endParaRPr lang="en-US" altLang="zh-CN"/>
           </a:p>
           <a:p>
             <a:r>
               <a:rPr lang="zh-CN" altLang="en-US"/>
               <a:t>监督学习</a:t>
             </a:r>
-            <a:endParaRPr lang="zh-CN" altLang="en-US"/>
           </a:p>
           <a:p>
             <a:pPr lvl="1"/>
@@ -9279,7 +9850,6 @@
               <a:rPr lang="zh-CN" altLang="en-US"/>
               <a:t>基于反向传播训练算法的思想，从所犯的错误中学习</a:t>
             </a:r>
-            <a:endParaRPr lang="zh-CN" altLang="en-US"/>
           </a:p>
           <a:p>
             <a:pPr lvl="1"/>
@@ -9287,7 +9857,6 @@
               <a:rPr lang="en-US" altLang="zh-CN"/>
               <a:t>Precise-Spike-Diven Synaptic Plasticity (PSD)</a:t>
             </a:r>
-            <a:endParaRPr lang="en-US" altLang="zh-CN"/>
           </a:p>
           <a:p>
             <a:pPr lvl="1"/>
@@ -9299,7 +9868,6 @@
               <a:rPr lang="zh-CN" altLang="en-US"/>
               <a:t>将传统的人工神经网络转化为脉冲神经网络的算法。</a:t>
             </a:r>
-            <a:endParaRPr lang="zh-CN" altLang="en-US"/>
           </a:p>
         </p:txBody>
       </p:sp>
@@ -9320,7 +9888,14 @@
         <p:cNvGrpSpPr/>
         <p:nvPr/>
       </p:nvGrpSpPr>
-      <p:grpSpPr/>
+      <p:grpSpPr>
+        <a:xfrm>
+          <a:off x="0" y="0"/>
+          <a:ext cx="0" cy="0"/>
+          <a:chOff x="0" y="0"/>
+          <a:chExt cx="0" cy="0"/>
+        </a:xfrm>
+      </p:grpSpPr>
       <p:sp>
         <p:nvSpPr>
           <p:cNvPr id="32769" name="标题 1"/>
@@ -9334,6 +9909,7 @@
         <p:spPr/>
         <p:txBody>
           <a:bodyPr wrap="square" lIns="91436" tIns="45718" rIns="91436" bIns="45718" anchor="ctr"/>
+          <a:lstStyle/>
           <a:p>
             <a:pPr marL="0" indent="0"/>
             <a:r>
@@ -9357,46 +9933,18 @@
         <p:spPr/>
         <p:txBody>
           <a:bodyPr wrap="square" lIns="91436" tIns="45718" rIns="91436" bIns="45718" anchor="t"/>
+          <a:lstStyle/>
           <a:p>
             <a:r>
               <a:rPr lang="zh-CN" altLang="en-US"/>
               <a:t>PSD Learning Rule</a:t>
             </a:r>
-            <a:endParaRPr lang="zh-CN" altLang="en-US"/>
           </a:p>
         </p:txBody>
       </p:sp>
       <p:pic>
         <p:nvPicPr>
           <p:cNvPr id="32771" name="图片 4"/>
-          <p:cNvPicPr>
-            <a:picLocks noChangeAspect="1"/>
-          </p:cNvPicPr>
-          <p:nvPr/>
-        </p:nvPicPr>
-        <p:blipFill>
-          <a:blip r:embed="rId1"/>
-          <a:stretch>
-            <a:fillRect/>
-          </a:stretch>
-        </p:blipFill>
-        <p:spPr>
-          <a:xfrm>
-            <a:off x="4876800" y="3200400"/>
-            <a:ext cx="6846888" cy="3181350"/>
-          </a:xfrm>
-          <a:prstGeom prst="rect">
-            <a:avLst/>
-          </a:prstGeom>
-          <a:noFill/>
-          <a:ln w="9525">
-            <a:noFill/>
-          </a:ln>
-        </p:spPr>
-      </p:pic>
-      <p:pic>
-        <p:nvPicPr>
-          <p:cNvPr id="32772" name="图片 6"/>
           <p:cNvPicPr>
             <a:picLocks noChangeAspect="1"/>
           </p:cNvPicPr>
@@ -9410,8 +9958,8 @@
         </p:blipFill>
         <p:spPr>
           <a:xfrm>
-            <a:off x="5638800" y="1752600"/>
-            <a:ext cx="2752725" cy="600075"/>
+            <a:off x="4876800" y="3200400"/>
+            <a:ext cx="6846888" cy="3181350"/>
           </a:xfrm>
           <a:prstGeom prst="rect">
             <a:avLst/>
@@ -9424,7 +9972,7 @@
       </p:pic>
       <p:pic>
         <p:nvPicPr>
-          <p:cNvPr id="32773" name="图片 7"/>
+          <p:cNvPr id="32772" name="图片 6"/>
           <p:cNvPicPr>
             <a:picLocks noChangeAspect="1"/>
           </p:cNvPicPr>
@@ -9438,6 +9986,34 @@
         </p:blipFill>
         <p:spPr>
           <a:xfrm>
+            <a:off x="5638800" y="1752600"/>
+            <a:ext cx="2752725" cy="600075"/>
+          </a:xfrm>
+          <a:prstGeom prst="rect">
+            <a:avLst/>
+          </a:prstGeom>
+          <a:noFill/>
+          <a:ln w="9525">
+            <a:noFill/>
+          </a:ln>
+        </p:spPr>
+      </p:pic>
+      <p:pic>
+        <p:nvPicPr>
+          <p:cNvPr id="32773" name="图片 7"/>
+          <p:cNvPicPr>
+            <a:picLocks noChangeAspect="1"/>
+          </p:cNvPicPr>
+          <p:nvPr/>
+        </p:nvPicPr>
+        <p:blipFill>
+          <a:blip r:embed="rId4"/>
+          <a:stretch>
+            <a:fillRect/>
+          </a:stretch>
+        </p:blipFill>
+        <p:spPr>
+          <a:xfrm>
             <a:off x="838200" y="2590800"/>
             <a:ext cx="2757488" cy="1411288"/>
           </a:xfrm>
@@ -9459,7 +10035,7 @@
           <p:nvPr/>
         </p:nvPicPr>
         <p:blipFill>
-          <a:blip r:embed="rId4"/>
+          <a:blip r:embed="rId5"/>
           <a:stretch>
             <a:fillRect/>
           </a:stretch>
@@ -9495,7 +10071,14 @@
         <p:cNvGrpSpPr/>
         <p:nvPr/>
       </p:nvGrpSpPr>
-      <p:grpSpPr/>
+      <p:grpSpPr>
+        <a:xfrm>
+          <a:off x="0" y="0"/>
+          <a:ext cx="0" cy="0"/>
+          <a:chOff x="0" y="0"/>
+          <a:chExt cx="0" cy="0"/>
+        </a:xfrm>
+      </p:grpSpPr>
       <p:sp>
         <p:nvSpPr>
           <p:cNvPr id="33793" name="标题 1"/>
@@ -9509,12 +10092,12 @@
         <p:spPr/>
         <p:txBody>
           <a:bodyPr wrap="square" lIns="91436" tIns="45718" rIns="91436" bIns="45718" anchor="ctr"/>
+          <a:lstStyle/>
           <a:p>
             <a:r>
               <a:rPr lang="zh-CN" altLang="en-US"/>
               <a:t>神经编码</a:t>
             </a:r>
-            <a:endParaRPr lang="zh-CN" altLang="en-US"/>
           </a:p>
         </p:txBody>
       </p:sp>
@@ -9535,13 +10118,13 @@
         </p:spPr>
         <p:txBody>
           <a:bodyPr vert="horz" wrap="square" lIns="91436" tIns="45718" rIns="91436" bIns="45718" anchor="t"/>
+          <a:lstStyle/>
           <a:p>
             <a:pPr fontAlgn="base"/>
             <a:r>
               <a:rPr lang="zh-CN" altLang="en-US" strike="noStrike" noProof="1"/>
               <a:t>神经脉冲序列是信息在神经系统中的一种重要表达方式</a:t>
             </a:r>
-            <a:endParaRPr lang="zh-CN" altLang="en-US" strike="noStrike" noProof="1"/>
           </a:p>
           <a:p>
             <a:pPr lvl="1" fontAlgn="base"/>
@@ -9553,7 +10136,6 @@
               <a:rPr lang="en-US" altLang="zh-CN" strike="noStrike" noProof="1"/>
               <a:t>(rate coding)</a:t>
             </a:r>
-            <a:endParaRPr lang="en-US" altLang="zh-CN" strike="noStrike" noProof="1"/>
           </a:p>
           <a:p>
             <a:pPr marL="817245" lvl="1" indent="0" fontAlgn="base">
@@ -9570,7 +10152,6 @@
               <a:rPr lang="zh-CN" altLang="en-US" strike="noStrike" noProof="1"/>
               <a:t>泊松过程</a:t>
             </a:r>
-            <a:endParaRPr lang="zh-CN" altLang="en-US" strike="noStrike" noProof="1"/>
           </a:p>
           <a:p>
             <a:pPr lvl="1" fontAlgn="base"/>
@@ -9582,7 +10163,6 @@
               <a:rPr lang="en-US" altLang="zh-CN" strike="noStrike" noProof="1"/>
               <a:t>(temporal coding)</a:t>
             </a:r>
-            <a:endParaRPr lang="en-US" altLang="zh-CN" strike="noStrike" noProof="1"/>
           </a:p>
           <a:p>
             <a:pPr lvl="1" fontAlgn="base"/>
@@ -9602,7 +10182,6 @@
               <a:rPr lang="en-US" altLang="zh-CN" strike="noStrike" noProof="1"/>
               <a:t>(population coding)</a:t>
             </a:r>
-            <a:endParaRPr lang="en-US" altLang="zh-CN" strike="noStrike" noProof="1"/>
           </a:p>
         </p:txBody>
       </p:sp>
@@ -9615,14 +10194,14 @@
           <p:nvPr/>
         </p:nvPicPr>
         <p:blipFill>
-          <a:blip r:embed="rId1"/>
+          <a:blip r:embed="rId3"/>
           <a:stretch>
             <a:fillRect/>
           </a:stretch>
         </p:blipFill>
         <p:spPr>
           <a:xfrm>
-            <a:off x="2667000" y="1143000"/>
+            <a:off x="1219328" y="5029158"/>
             <a:ext cx="8966200" cy="5610225"/>
           </a:xfrm>
           <a:prstGeom prst="rect">
@@ -9779,7 +10358,14 @@
         <p:cNvGrpSpPr/>
         <p:nvPr/>
       </p:nvGrpSpPr>
-      <p:grpSpPr/>
+      <p:grpSpPr>
+        <a:xfrm>
+          <a:off x="0" y="0"/>
+          <a:ext cx="0" cy="0"/>
+          <a:chOff x="0" y="0"/>
+          <a:chExt cx="0" cy="0"/>
+        </a:xfrm>
+      </p:grpSpPr>
       <p:sp>
         <p:nvSpPr>
           <p:cNvPr id="35841" name="标题 1"/>
@@ -9793,12 +10379,12 @@
         <p:spPr/>
         <p:txBody>
           <a:bodyPr wrap="square" lIns="91436" tIns="45718" rIns="91436" bIns="45718" anchor="ctr"/>
+          <a:lstStyle/>
           <a:p>
             <a:r>
               <a:rPr lang="zh-CN" altLang="en-US"/>
               <a:t>应用：模式识别</a:t>
             </a:r>
-            <a:endParaRPr lang="zh-CN" altLang="en-US"/>
           </a:p>
         </p:txBody>
       </p:sp>
@@ -9815,12 +10401,12 @@
         <p:spPr/>
         <p:txBody>
           <a:bodyPr wrap="square" lIns="91436" tIns="45718" rIns="91436" bIns="45718" anchor="t"/>
+          <a:lstStyle/>
           <a:p>
             <a:r>
               <a:rPr lang="zh-CN" altLang="en-US"/>
               <a:t>基于脉冲时间的模式识别模型</a:t>
             </a:r>
-            <a:endParaRPr lang="zh-CN" altLang="en-US"/>
           </a:p>
           <a:p>
             <a:pPr lvl="1"/>
@@ -9828,7 +10414,6 @@
               <a:rPr lang="zh-CN" altLang="en-US"/>
               <a:t>主要由编码和学习网络两个部分组成</a:t>
             </a:r>
-            <a:endParaRPr lang="zh-CN" altLang="en-US"/>
           </a:p>
           <a:p>
             <a:pPr lvl="1"/>
@@ -9836,7 +10421,6 @@
               <a:rPr lang="zh-CN" altLang="en-US"/>
               <a:t>编码部分采用将时滞编码和相位编码相结合的方法，以将图像信息转化为由神经脉冲序列组成的时空斑图(spatiotemporal pattern)。</a:t>
             </a:r>
-            <a:endParaRPr lang="zh-CN" altLang="en-US"/>
           </a:p>
           <a:p>
             <a:pPr lvl="1"/>
@@ -9844,7 +10428,6 @@
               <a:rPr lang="zh-CN" altLang="en-US"/>
               <a:t>一个单层脉冲神经网络，用来学习识别不同的输入</a:t>
             </a:r>
-            <a:endParaRPr lang="zh-CN" altLang="en-US"/>
           </a:p>
         </p:txBody>
       </p:sp>
@@ -9857,7 +10440,7 @@
           <p:nvPr/>
         </p:nvPicPr>
         <p:blipFill>
-          <a:blip r:embed="rId1"/>
+          <a:blip r:embed="rId3"/>
           <a:stretch>
             <a:fillRect/>
           </a:stretch>
@@ -9899,6 +10482,7 @@
           <a:bodyPr wrap="square" anchor="t">
             <a:spAutoFit/>
           </a:bodyPr>
+          <a:lstStyle/>
           <a:p>
             <a:r>
               <a:rPr lang="zh-CN" altLang="en-US">
@@ -9940,7 +10524,14 @@
         <p:cNvGrpSpPr/>
         <p:nvPr/>
       </p:nvGrpSpPr>
-      <p:grpSpPr/>
+      <p:grpSpPr>
+        <a:xfrm>
+          <a:off x="0" y="0"/>
+          <a:ext cx="0" cy="0"/>
+          <a:chOff x="0" y="0"/>
+          <a:chExt cx="0" cy="0"/>
+        </a:xfrm>
+      </p:grpSpPr>
       <p:sp>
         <p:nvSpPr>
           <p:cNvPr id="36865" name="标题 1"/>
@@ -9954,6 +10545,7 @@
         <p:spPr/>
         <p:txBody>
           <a:bodyPr wrap="square" lIns="91436" tIns="45718" rIns="91436" bIns="45718" anchor="ctr"/>
+          <a:lstStyle/>
           <a:p>
             <a:r>
               <a:rPr lang="zh-CN" altLang="en-US"/>
@@ -9963,7 +10555,6 @@
               <a:rPr lang="en-US" altLang="zh-CN"/>
               <a:t>SPAUN</a:t>
             </a:r>
-            <a:endParaRPr lang="en-US" altLang="zh-CN"/>
           </a:p>
         </p:txBody>
       </p:sp>
@@ -9985,12 +10576,12 @@
         </p:spPr>
         <p:txBody>
           <a:bodyPr wrap="square" lIns="91436" tIns="45718" rIns="91436" bIns="45718" anchor="t"/>
+          <a:lstStyle/>
           <a:p>
             <a:r>
               <a:rPr lang="zh-CN" altLang="en-US"/>
               <a:t>Spaun（Semantic Pointer Architecture Unified Network，语义指针架构统一网络）</a:t>
             </a:r>
-            <a:endParaRPr lang="zh-CN" altLang="en-US"/>
           </a:p>
           <a:p>
             <a:pPr lvl="1"/>
@@ -9998,7 +10589,6 @@
               <a:rPr lang="zh-CN" altLang="en-US"/>
               <a:t>人类大脑模拟系统</a:t>
             </a:r>
-            <a:endParaRPr lang="zh-CN" altLang="en-US"/>
           </a:p>
           <a:p>
             <a:pPr lvl="1"/>
@@ -10006,7 +10596,6 @@
               <a:rPr lang="zh-CN" altLang="en-US"/>
               <a:t>拥有250万只虚拟神经元，可以执行8项不同的任务。</a:t>
             </a:r>
-            <a:endParaRPr lang="zh-CN" altLang="en-US"/>
           </a:p>
           <a:p>
             <a:pPr lvl="1"/>
@@ -10023,7 +10612,7 @@
           <p:nvPr/>
         </p:nvPicPr>
         <p:blipFill>
-          <a:blip r:embed="rId1"/>
+          <a:blip r:embed="rId2"/>
           <a:stretch>
             <a:fillRect/>
           </a:stretch>
@@ -10059,7 +10648,14 @@
         <p:cNvGrpSpPr/>
         <p:nvPr/>
       </p:nvGrpSpPr>
-      <p:grpSpPr/>
+      <p:grpSpPr>
+        <a:xfrm>
+          <a:off x="0" y="0"/>
+          <a:ext cx="0" cy="0"/>
+          <a:chOff x="0" y="0"/>
+          <a:chExt cx="0" cy="0"/>
+        </a:xfrm>
+      </p:grpSpPr>
       <p:sp>
         <p:nvSpPr>
           <p:cNvPr id="37889" name="标题 1"/>
@@ -10073,12 +10669,12 @@
         <p:spPr/>
         <p:txBody>
           <a:bodyPr wrap="square" lIns="91436" tIns="45718" rIns="91436" bIns="45718" anchor="ctr"/>
+          <a:lstStyle/>
           <a:p>
             <a:r>
               <a:rPr lang="zh-CN" altLang="en-US"/>
               <a:t>小结</a:t>
             </a:r>
-            <a:endParaRPr lang="zh-CN" altLang="en-US"/>
           </a:p>
         </p:txBody>
       </p:sp>
@@ -10095,12 +10691,12 @@
         <p:spPr/>
         <p:txBody>
           <a:bodyPr wrap="square" lIns="91436" tIns="45718" rIns="91436" bIns="45718" anchor="t"/>
+          <a:lstStyle/>
           <a:p>
             <a:r>
               <a:rPr lang="zh-CN" altLang="en-US"/>
               <a:t>美国和欧盟启动脑科学和类脑工程项目使得“类脑智能”成为热门话题。</a:t>
             </a:r>
-            <a:endParaRPr lang="zh-CN" altLang="en-US"/>
           </a:p>
           <a:p>
             <a:endParaRPr lang="zh-CN" altLang="en-US"/>
@@ -10110,7 +10706,6 @@
               <a:rPr lang="zh-CN" altLang="en-US"/>
               <a:t>脉冲神经网络</a:t>
             </a:r>
-            <a:endParaRPr lang="zh-CN" altLang="en-US"/>
           </a:p>
           <a:p>
             <a:endParaRPr lang="zh-CN" altLang="en-US"/>
@@ -10138,7 +10733,14 @@
         <p:cNvGrpSpPr/>
         <p:nvPr/>
       </p:nvGrpSpPr>
-      <p:grpSpPr/>
+      <p:grpSpPr>
+        <a:xfrm>
+          <a:off x="0" y="0"/>
+          <a:ext cx="0" cy="0"/>
+          <a:chOff x="0" y="0"/>
+          <a:chExt cx="0" cy="0"/>
+        </a:xfrm>
+      </p:grpSpPr>
       <p:sp>
         <p:nvSpPr>
           <p:cNvPr id="5121" name="标题 1"/>
@@ -10152,12 +10754,12 @@
         <p:spPr/>
         <p:txBody>
           <a:bodyPr wrap="square" lIns="91436" tIns="45718" rIns="91436" bIns="45718" anchor="ctr"/>
+          <a:lstStyle/>
           <a:p>
             <a:r>
               <a:rPr lang="zh-CN" altLang="en-US"/>
               <a:t>类脑智能的兴起</a:t>
             </a:r>
-            <a:endParaRPr lang="zh-CN" altLang="en-US"/>
           </a:p>
         </p:txBody>
       </p:sp>
@@ -10174,12 +10776,12 @@
         <p:spPr/>
         <p:txBody>
           <a:bodyPr wrap="square" lIns="91436" tIns="45718" rIns="91436" bIns="45718" anchor="t"/>
+          <a:lstStyle/>
           <a:p>
             <a:r>
               <a:rPr lang="zh-CN" altLang="en-US"/>
               <a:t>原由</a:t>
             </a:r>
-            <a:endParaRPr lang="zh-CN" altLang="en-US"/>
           </a:p>
           <a:p>
             <a:pPr lvl="1"/>
@@ -10187,7 +10789,6 @@
               <a:rPr lang="zh-CN" altLang="en-US"/>
               <a:t>从计算机体系结构的角度</a:t>
             </a:r>
-            <a:endParaRPr lang="zh-CN" altLang="en-US"/>
           </a:p>
           <a:p>
             <a:pPr lvl="2"/>
@@ -10195,7 +10796,6 @@
               <a:rPr lang="zh-CN" altLang="en-US"/>
               <a:t>由于传统半导体器件的尺寸逐渐接近其物理极限，摩尔定理难以为继，同时功耗问题也日渐突出。</a:t>
             </a:r>
-            <a:endParaRPr lang="zh-CN" altLang="en-US"/>
           </a:p>
           <a:p>
             <a:pPr lvl="2"/>
@@ -10207,7 +10807,6 @@
               <a:rPr lang="zh-CN" altLang="en-US"/>
               <a:t>从智能信息处理的角度</a:t>
             </a:r>
-            <a:endParaRPr lang="zh-CN" altLang="en-US"/>
           </a:p>
           <a:p>
             <a:pPr lvl="2"/>
@@ -10215,7 +10814,6 @@
               <a:rPr lang="zh-CN" altLang="en-US"/>
               <a:t>人工智能虽然取得了很大进展，并在许多特定领域得到了广泛应用，但智能程度依然极为有限，与人的智能依然相差甚远，理论与方法上亟待出现新思路与新突破。</a:t>
             </a:r>
-            <a:endParaRPr lang="zh-CN" altLang="en-US"/>
           </a:p>
         </p:txBody>
       </p:sp>
@@ -10236,7 +10834,14 @@
         <p:cNvGrpSpPr/>
         <p:nvPr/>
       </p:nvGrpSpPr>
-      <p:grpSpPr/>
+      <p:grpSpPr>
+        <a:xfrm>
+          <a:off x="0" y="0"/>
+          <a:ext cx="0" cy="0"/>
+          <a:chOff x="0" y="0"/>
+          <a:chExt cx="0" cy="0"/>
+        </a:xfrm>
+      </p:grpSpPr>
       <p:sp>
         <p:nvSpPr>
           <p:cNvPr id="38913" name="标题 1"/>
@@ -10250,12 +10855,12 @@
         <p:spPr/>
         <p:txBody>
           <a:bodyPr wrap="square" lIns="91436" tIns="45718" rIns="91436" bIns="45718" anchor="ctr"/>
+          <a:lstStyle/>
           <a:p>
             <a:r>
               <a:rPr lang="zh-CN" altLang="en-US"/>
               <a:t>How to design computers?</a:t>
             </a:r>
-            <a:endParaRPr lang="zh-CN" altLang="en-US"/>
           </a:p>
         </p:txBody>
       </p:sp>
@@ -10272,6 +10877,7 @@
         <p:spPr/>
         <p:txBody>
           <a:bodyPr wrap="square" lIns="91436" tIns="45718" rIns="91436" bIns="45718" anchor="t"/>
+          <a:lstStyle/>
           <a:p>
             <a:endParaRPr lang="zh-CN" altLang="en-US"/>
           </a:p>
@@ -10295,7 +10901,6 @@
               <a:rPr lang="zh-CN" altLang="en-US"/>
               <a:t>Which model to emulate : brain or mathematical logic ?</a:t>
             </a:r>
-            <a:endParaRPr lang="zh-CN" altLang="en-US"/>
           </a:p>
           <a:p>
             <a:r>
@@ -10323,7 +10928,7 @@
           <p:nvPr/>
         </p:nvPicPr>
         <p:blipFill>
-          <a:blip r:embed="rId1"/>
+          <a:blip r:embed="rId2"/>
           <a:stretch>
             <a:fillRect/>
           </a:stretch>
@@ -10359,7 +10964,14 @@
         <p:cNvGrpSpPr/>
         <p:nvPr/>
       </p:nvGrpSpPr>
-      <p:grpSpPr/>
+      <p:grpSpPr>
+        <a:xfrm>
+          <a:off x="0" y="0"/>
+          <a:ext cx="0" cy="0"/>
+          <a:chOff x="0" y="0"/>
+          <a:chExt cx="0" cy="0"/>
+        </a:xfrm>
+      </p:grpSpPr>
       <p:sp>
         <p:nvSpPr>
           <p:cNvPr id="39937" name="标题 1"/>
@@ -10373,12 +10985,12 @@
         <p:spPr/>
         <p:txBody>
           <a:bodyPr wrap="square" lIns="91436" tIns="45718" rIns="91436" bIns="45718" anchor="ctr"/>
+          <a:lstStyle/>
           <a:p>
             <a:r>
               <a:rPr lang="en-US" altLang="zh-CN"/>
               <a:t>References</a:t>
             </a:r>
-            <a:endParaRPr lang="en-US" altLang="zh-CN"/>
           </a:p>
         </p:txBody>
       </p:sp>
@@ -10395,6 +11007,7 @@
         <p:spPr/>
         <p:txBody>
           <a:bodyPr wrap="square" lIns="91436" tIns="45718" rIns="91436" bIns="45718" anchor="t"/>
+          <a:lstStyle/>
           <a:p>
             <a:r>
               <a:rPr lang="zh-CN" altLang="en-US" sz="2000"/>
@@ -10412,42 +11025,36 @@
               <a:rPr lang="en-US" altLang="zh-CN" sz="2000"/>
               <a:t>. Computing with Spiking Neuron Networks. Springer Verlag, 2012:335-376</a:t>
             </a:r>
-            <a:endParaRPr lang="en-US" altLang="zh-CN" sz="2000"/>
           </a:p>
           <a:p>
             <a:r>
               <a:rPr lang="zh-CN" altLang="en-US" sz="2000"/>
               <a:t>W. Gerstner, W. Kistler. Spiking Neuron Models . Cambridge University Press, 2002.</a:t>
             </a:r>
-            <a:endParaRPr lang="zh-CN" altLang="en-US" sz="2000"/>
           </a:p>
           <a:p>
             <a:r>
               <a:rPr lang="zh-CN" altLang="en-US" sz="2000"/>
               <a:t>Yu Q, Tang H, Tan K C, et al. Precise-spike-driven synaptic plasticity: Learning heteroassociationof spatiotemporal spike patterns[J]. 2013.</a:t>
             </a:r>
-            <a:endParaRPr lang="zh-CN" altLang="en-US" sz="2000"/>
           </a:p>
           <a:p>
             <a:r>
               <a:rPr lang="zh-CN" altLang="en-US" sz="2000"/>
               <a:t>Stefano Panzeri, Nicolas Brunel, Nikos K.Logothetis and Christoph Kayser. Sensory neural codes using multiplexed temporal scales. Trends in Neurosciences, 2009, vol. 33, no. 3, 111~120.</a:t>
             </a:r>
-            <a:endParaRPr lang="zh-CN" altLang="en-US" sz="2000"/>
           </a:p>
           <a:p>
             <a:r>
               <a:rPr lang="zh-CN" altLang="en-US" sz="2000"/>
               <a:t>J. Hu, H. Tang, K.C. Tan, H. Li, L. Shi. A Spike-Timing Based Integrated Model for Pattern Recognition. Neural Computation, 2013, vol. 25, no. 2, 450~472</a:t>
             </a:r>
-            <a:endParaRPr lang="zh-CN" altLang="en-US" sz="2000"/>
           </a:p>
           <a:p>
             <a:r>
               <a:rPr lang="zh-CN" altLang="en-US" sz="2000"/>
               <a:t>Eliasmith C, Stewart T C, Choo X, et al. A large-scale model of the functioning brain.[J]. Science, 2012, 338(6111):1202-5.</a:t>
             </a:r>
-            <a:endParaRPr lang="zh-CN" altLang="en-US" sz="2000"/>
           </a:p>
           <a:p>
             <a:endParaRPr lang="zh-CN" altLang="en-US" sz="2000"/>
@@ -10471,7 +11078,14 @@
         <p:cNvGrpSpPr/>
         <p:nvPr/>
       </p:nvGrpSpPr>
-      <p:grpSpPr/>
+      <p:grpSpPr>
+        <a:xfrm>
+          <a:off x="0" y="0"/>
+          <a:ext cx="0" cy="0"/>
+          <a:chOff x="0" y="0"/>
+          <a:chExt cx="0" cy="0"/>
+        </a:xfrm>
+      </p:grpSpPr>
       <p:sp>
         <p:nvSpPr>
           <p:cNvPr id="40961" name="标题 116737"/>
@@ -10490,6 +11104,7 @@
         </p:spPr>
         <p:txBody>
           <a:bodyPr wrap="square" lIns="91436" tIns="45718" rIns="91436" bIns="45718" anchor="ctr"/>
+          <a:lstStyle/>
           <a:p>
             <a:pPr defTabSz="0">
               <a:buNone/>
@@ -10530,6 +11145,7 @@
         </p:spPr>
         <p:txBody>
           <a:bodyPr wrap="square" lIns="91436" tIns="45718" rIns="91436" bIns="45718" anchor="t"/>
+          <a:lstStyle/>
           <a:p>
             <a:pPr marL="342900" indent="-342900" algn="l" defTabSz="0"/>
             <a:endParaRPr lang="zh-CN" altLang="en-US" sz="3200" kern="1200">
@@ -10558,7 +11174,14 @@
         <p:cNvGrpSpPr/>
         <p:nvPr/>
       </p:nvGrpSpPr>
-      <p:grpSpPr/>
+      <p:grpSpPr>
+        <a:xfrm>
+          <a:off x="0" y="0"/>
+          <a:ext cx="0" cy="0"/>
+          <a:chOff x="0" y="0"/>
+          <a:chExt cx="0" cy="0"/>
+        </a:xfrm>
+      </p:grpSpPr>
       <p:sp>
         <p:nvSpPr>
           <p:cNvPr id="6145" name="标题 1"/>
@@ -10572,12 +11195,12 @@
         <p:spPr/>
         <p:txBody>
           <a:bodyPr wrap="square" lIns="91436" tIns="45718" rIns="91436" bIns="45718" anchor="ctr"/>
+          <a:lstStyle/>
           <a:p>
             <a:r>
               <a:rPr lang="zh-CN" altLang="en-US"/>
               <a:t>类脑智能的兴起</a:t>
             </a:r>
-            <a:endParaRPr lang="zh-CN" altLang="en-US"/>
           </a:p>
         </p:txBody>
       </p:sp>
@@ -10594,12 +11217,12 @@
         <p:spPr/>
         <p:txBody>
           <a:bodyPr wrap="square" lIns="91436" tIns="45718" rIns="91436" bIns="45718" anchor="t"/>
+          <a:lstStyle/>
           <a:p>
             <a:r>
               <a:rPr lang="zh-CN" altLang="en-US"/>
               <a:t>现有智能的不足</a:t>
             </a:r>
-            <a:endParaRPr lang="zh-CN" altLang="en-US"/>
           </a:p>
           <a:p>
             <a:pPr lvl="1"/>
@@ -10607,7 +11230,6 @@
               <a:rPr lang="zh-CN" altLang="en-US"/>
               <a:t>综合能力差</a:t>
             </a:r>
-            <a:endParaRPr lang="zh-CN" altLang="en-US"/>
           </a:p>
           <a:p>
             <a:pPr lvl="1"/>
@@ -10615,7 +11237,6 @@
               <a:rPr lang="zh-CN" altLang="en-US"/>
               <a:t>自主学习能力弱</a:t>
             </a:r>
-            <a:endParaRPr lang="zh-CN" altLang="en-US"/>
           </a:p>
           <a:p>
             <a:pPr lvl="1"/>
@@ -10623,7 +11244,6 @@
               <a:rPr lang="zh-CN" altLang="en-US"/>
               <a:t>理解能力弱，鲁棒性差</a:t>
             </a:r>
-            <a:endParaRPr lang="zh-CN" altLang="en-US"/>
           </a:p>
           <a:p>
             <a:pPr lvl="1"/>
@@ -10635,7 +11255,6 @@
               <a:rPr lang="zh-CN" altLang="en-US"/>
               <a:t>深度神经网络依然有它的瓶颈</a:t>
             </a:r>
-            <a:endParaRPr lang="zh-CN" altLang="en-US"/>
           </a:p>
           <a:p>
             <a:pPr lvl="2"/>
@@ -10643,7 +11262,6 @@
               <a:rPr lang="zh-CN" altLang="en-US"/>
               <a:t>训练效率问题</a:t>
             </a:r>
-            <a:endParaRPr lang="zh-CN" altLang="en-US"/>
           </a:p>
           <a:p>
             <a:pPr lvl="2"/>
@@ -10651,7 +11269,6 @@
               <a:rPr lang="zh-CN" altLang="en-US"/>
               <a:t>不够鲁棒</a:t>
             </a:r>
-            <a:endParaRPr lang="zh-CN" altLang="en-US"/>
           </a:p>
         </p:txBody>
       </p:sp>
@@ -10664,7 +11281,7 @@
           <p:nvPr/>
         </p:nvPicPr>
         <p:blipFill>
-          <a:blip r:embed="rId1"/>
+          <a:blip r:embed="rId3"/>
           <a:stretch>
             <a:fillRect/>
           </a:stretch>
@@ -10700,7 +11317,14 @@
         <p:cNvGrpSpPr/>
         <p:nvPr/>
       </p:nvGrpSpPr>
-      <p:grpSpPr/>
+      <p:grpSpPr>
+        <a:xfrm>
+          <a:off x="0" y="0"/>
+          <a:ext cx="0" cy="0"/>
+          <a:chOff x="0" y="0"/>
+          <a:chExt cx="0" cy="0"/>
+        </a:xfrm>
+      </p:grpSpPr>
       <p:sp>
         <p:nvSpPr>
           <p:cNvPr id="8193" name="标题 1"/>
@@ -10714,12 +11338,12 @@
         <p:spPr/>
         <p:txBody>
           <a:bodyPr wrap="square" lIns="91436" tIns="45718" rIns="91436" bIns="45718" anchor="ctr"/>
+          <a:lstStyle/>
           <a:p>
             <a:r>
               <a:rPr lang="zh-CN" altLang="en-US"/>
               <a:t>类脑智能的兴起</a:t>
             </a:r>
-            <a:endParaRPr lang="zh-CN" altLang="en-US"/>
           </a:p>
         </p:txBody>
       </p:sp>
@@ -10732,27 +11356,6 @@
           <p:nvPr>
             <p:ph idx="1"/>
           </p:nvPr>
-        </p:nvPicPr>
-        <p:blipFill>
-          <a:blip r:embed="rId1"/>
-          <a:stretch>
-            <a:fillRect/>
-          </a:stretch>
-        </p:blipFill>
-        <p:spPr>
-          <a:xfrm>
-            <a:off x="925830" y="1371600"/>
-            <a:ext cx="3552825" cy="1860550"/>
-          </a:xfrm>
-        </p:spPr>
-      </p:pic>
-      <p:pic>
-        <p:nvPicPr>
-          <p:cNvPr id="8195" name="图片 4"/>
-          <p:cNvPicPr>
-            <a:picLocks noChangeAspect="1"/>
-          </p:cNvPicPr>
-          <p:nvPr/>
         </p:nvPicPr>
         <p:blipFill>
           <a:blip r:embed="rId2"/>
@@ -10762,21 +11365,14 @@
         </p:blipFill>
         <p:spPr>
           <a:xfrm>
-            <a:off x="5021580" y="1371600"/>
-            <a:ext cx="2973388" cy="1822450"/>
-          </a:xfrm>
-          <a:prstGeom prst="rect">
-            <a:avLst/>
-          </a:prstGeom>
-          <a:noFill/>
-          <a:ln w="9525">
-            <a:noFill/>
-          </a:ln>
+            <a:off x="925830" y="1371600"/>
+            <a:ext cx="3552825" cy="1860550"/>
+          </a:xfrm>
         </p:spPr>
       </p:pic>
       <p:pic>
         <p:nvPicPr>
-          <p:cNvPr id="8196" name="图片 5"/>
+          <p:cNvPr id="8195" name="图片 4"/>
           <p:cNvPicPr>
             <a:picLocks noChangeAspect="1"/>
           </p:cNvPicPr>
@@ -10790,8 +11386,8 @@
         </p:blipFill>
         <p:spPr>
           <a:xfrm>
-            <a:off x="1752600" y="3810000"/>
-            <a:ext cx="2336800" cy="2336800"/>
+            <a:off x="5021580" y="1371600"/>
+            <a:ext cx="2973388" cy="1822450"/>
           </a:xfrm>
           <a:prstGeom prst="rect">
             <a:avLst/>
@@ -10804,7 +11400,7 @@
       </p:pic>
       <p:pic>
         <p:nvPicPr>
-          <p:cNvPr id="8197" name="图片 6"/>
+          <p:cNvPr id="8196" name="图片 5"/>
           <p:cNvPicPr>
             <a:picLocks noChangeAspect="1"/>
           </p:cNvPicPr>
@@ -10818,8 +11414,8 @@
         </p:blipFill>
         <p:spPr>
           <a:xfrm>
-            <a:off x="6781800" y="3962400"/>
-            <a:ext cx="3178175" cy="2119313"/>
+            <a:off x="1752600" y="3810000"/>
+            <a:ext cx="2336800" cy="2336800"/>
           </a:xfrm>
           <a:prstGeom prst="rect">
             <a:avLst/>
@@ -10830,193 +11426,9 @@
           </a:ln>
         </p:spPr>
       </p:pic>
-      <p:sp>
-        <p:nvSpPr>
-          <p:cNvPr id="8198" name="文本框 7"/>
-          <p:cNvSpPr txBox="1"/>
-          <p:nvPr/>
-        </p:nvSpPr>
-        <p:spPr>
-          <a:xfrm>
-            <a:off x="1688465" y="3305810"/>
-            <a:ext cx="1616075" cy="365125"/>
-          </a:xfrm>
-          <a:prstGeom prst="rect">
-            <a:avLst/>
-          </a:prstGeom>
-          <a:noFill/>
-          <a:ln w="9525">
-            <a:noFill/>
-          </a:ln>
-        </p:spPr>
-        <p:txBody>
-          <a:bodyPr wrap="square" anchor="t">
-            <a:spAutoFit/>
-          </a:bodyPr>
-          <a:p>
-            <a:r>
-              <a:rPr lang="en-US" altLang="zh-CN">
-                <a:latin typeface="Arial" panose="020B0604020202020204" pitchFamily="34" charset="0"/>
-                <a:ea typeface="Arial" panose="020B0604020202020204" pitchFamily="34" charset="0"/>
-                <a:cs typeface="Arial" panose="020B0604020202020204" pitchFamily="34" charset="0"/>
-              </a:rPr>
-              <a:t>IBM </a:t>
-            </a:r>
-            <a:r>
-              <a:rPr lang="zh-CN" altLang="en-US">
-                <a:latin typeface="Arial" panose="020B0604020202020204" pitchFamily="34" charset="0"/>
-                <a:ea typeface="宋体" panose="02010600030101010101" pitchFamily="2" charset="-122"/>
-              </a:rPr>
-              <a:t>深蓝电脑</a:t>
-            </a:r>
-            <a:endParaRPr lang="zh-CN" altLang="en-US">
-              <a:latin typeface="Arial" panose="020B0604020202020204" pitchFamily="34" charset="0"/>
-              <a:ea typeface="宋体" panose="02010600030101010101" pitchFamily="2" charset="-122"/>
-            </a:endParaRPr>
-          </a:p>
-        </p:txBody>
-      </p:sp>
-      <p:sp>
-        <p:nvSpPr>
-          <p:cNvPr id="8199" name="文本框 8"/>
-          <p:cNvSpPr txBox="1"/>
-          <p:nvPr/>
-        </p:nvSpPr>
-        <p:spPr>
-          <a:xfrm>
-            <a:off x="5596255" y="3305810"/>
-            <a:ext cx="1978025" cy="365125"/>
-          </a:xfrm>
-          <a:prstGeom prst="rect">
-            <a:avLst/>
-          </a:prstGeom>
-          <a:noFill/>
-          <a:ln w="9525">
-            <a:noFill/>
-          </a:ln>
-        </p:spPr>
-        <p:txBody>
-          <a:bodyPr wrap="square" anchor="t">
-            <a:spAutoFit/>
-          </a:bodyPr>
-          <a:p>
-            <a:r>
-              <a:rPr lang="en-US" altLang="zh-CN">
-                <a:latin typeface="Arial" panose="020B0604020202020204" pitchFamily="34" charset="0"/>
-                <a:ea typeface="Arial" panose="020B0604020202020204" pitchFamily="34" charset="0"/>
-                <a:cs typeface="Arial" panose="020B0604020202020204" pitchFamily="34" charset="0"/>
-              </a:rPr>
-              <a:t>IBM </a:t>
-            </a:r>
-            <a:r>
-              <a:rPr lang="zh-CN" altLang="en-US">
-                <a:latin typeface="Arial" panose="020B0604020202020204" pitchFamily="34" charset="0"/>
-                <a:ea typeface="宋体" panose="02010600030101010101" pitchFamily="2" charset="-122"/>
-              </a:rPr>
-              <a:t>沃森</a:t>
-            </a:r>
-            <a:r>
-              <a:rPr lang="en-US" altLang="zh-CN">
-                <a:latin typeface="Arial" panose="020B0604020202020204" pitchFamily="34" charset="0"/>
-                <a:ea typeface="宋体" panose="02010600030101010101" pitchFamily="2" charset="-122"/>
-              </a:rPr>
-              <a:t>(Watson)</a:t>
-            </a:r>
-            <a:endParaRPr lang="en-US" altLang="zh-CN">
-              <a:latin typeface="Arial" panose="020B0604020202020204" pitchFamily="34" charset="0"/>
-              <a:ea typeface="宋体" panose="02010600030101010101" pitchFamily="2" charset="-122"/>
-            </a:endParaRPr>
-          </a:p>
-        </p:txBody>
-      </p:sp>
-      <p:sp>
-        <p:nvSpPr>
-          <p:cNvPr id="8200" name="文本框 9"/>
-          <p:cNvSpPr txBox="1"/>
-          <p:nvPr/>
-        </p:nvSpPr>
-        <p:spPr>
-          <a:xfrm>
-            <a:off x="2133600" y="6172200"/>
-            <a:ext cx="1651000" cy="365125"/>
-          </a:xfrm>
-          <a:prstGeom prst="rect">
-            <a:avLst/>
-          </a:prstGeom>
-          <a:noFill/>
-          <a:ln w="9525">
-            <a:noFill/>
-          </a:ln>
-        </p:spPr>
-        <p:txBody>
-          <a:bodyPr wrap="square" anchor="t">
-            <a:spAutoFit/>
-          </a:bodyPr>
-          <a:p>
-            <a:r>
-              <a:rPr lang="en-US" altLang="zh-CN">
-                <a:latin typeface="Arial" panose="020B0604020202020204" pitchFamily="34" charset="0"/>
-                <a:ea typeface="Arial" panose="020B0604020202020204" pitchFamily="34" charset="0"/>
-                <a:cs typeface="Arial" panose="020B0604020202020204" pitchFamily="34" charset="0"/>
-              </a:rPr>
-              <a:t>IBM </a:t>
-            </a:r>
-            <a:r>
-              <a:rPr lang="zh-CN" altLang="en-US">
-                <a:latin typeface="Arial" panose="020B0604020202020204" pitchFamily="34" charset="0"/>
-                <a:ea typeface="宋体" panose="02010600030101010101" pitchFamily="2" charset="-122"/>
-              </a:rPr>
-              <a:t>类脑模拟</a:t>
-            </a:r>
-            <a:endParaRPr lang="zh-CN" altLang="en-US">
-              <a:latin typeface="Arial" panose="020B0604020202020204" pitchFamily="34" charset="0"/>
-              <a:ea typeface="宋体" panose="02010600030101010101" pitchFamily="2" charset="-122"/>
-            </a:endParaRPr>
-          </a:p>
-        </p:txBody>
-      </p:sp>
-      <p:sp>
-        <p:nvSpPr>
-          <p:cNvPr id="8201" name="文本框 10"/>
-          <p:cNvSpPr txBox="1"/>
-          <p:nvPr/>
-        </p:nvSpPr>
-        <p:spPr>
-          <a:xfrm>
-            <a:off x="7924800" y="6096000"/>
-            <a:ext cx="1263650" cy="365125"/>
-          </a:xfrm>
-          <a:prstGeom prst="rect">
-            <a:avLst/>
-          </a:prstGeom>
-          <a:noFill/>
-          <a:ln w="9525">
-            <a:noFill/>
-          </a:ln>
-        </p:spPr>
-        <p:txBody>
-          <a:bodyPr wrap="square" anchor="t">
-            <a:spAutoFit/>
-          </a:bodyPr>
-          <a:p>
-            <a:r>
-              <a:rPr lang="zh-CN" altLang="en-US">
-                <a:latin typeface="Arial" panose="020B0604020202020204" pitchFamily="34" charset="0"/>
-                <a:ea typeface="Arial" panose="020B0604020202020204" pitchFamily="34" charset="0"/>
-                <a:cs typeface="Arial" panose="020B0604020202020204" pitchFamily="34" charset="0"/>
-              </a:rPr>
-              <a:t>谷歌大脑</a:t>
-            </a:r>
-            <a:endParaRPr lang="zh-CN" altLang="en-US">
-              <a:latin typeface="Arial" panose="020B0604020202020204" pitchFamily="34" charset="0"/>
-              <a:ea typeface="Arial" panose="020B0604020202020204" pitchFamily="34" charset="0"/>
-            </a:endParaRPr>
-          </a:p>
-        </p:txBody>
-      </p:sp>
       <p:pic>
         <p:nvPicPr>
-          <p:cNvPr id="6" name="图片 5"/>
+          <p:cNvPr id="8197" name="图片 6"/>
           <p:cNvPicPr>
             <a:picLocks noChangeAspect="1"/>
           </p:cNvPicPr>
@@ -11030,24 +11442,8 @@
         </p:blipFill>
         <p:spPr>
           <a:xfrm>
-            <a:off x="8693785" y="1371600"/>
-            <a:ext cx="2857500" cy="1905000"/>
-          </a:xfrm>
-          <a:prstGeom prst="rect">
-            <a:avLst/>
-          </a:prstGeom>
-        </p:spPr>
-      </p:pic>
-      <p:sp>
-        <p:nvSpPr>
-          <p:cNvPr id="2" name="文本框 8"/>
-          <p:cNvSpPr txBox="1"/>
-          <p:nvPr/>
-        </p:nvSpPr>
-        <p:spPr>
-          <a:xfrm>
-            <a:off x="9081770" y="3305810"/>
-            <a:ext cx="1978025" cy="368300"/>
+            <a:off x="6781800" y="3962400"/>
+            <a:ext cx="3178175" cy="2119313"/>
           </a:xfrm>
           <a:prstGeom prst="rect">
             <a:avLst/>
@@ -11057,10 +11453,231 @@
             <a:noFill/>
           </a:ln>
         </p:spPr>
+      </p:pic>
+      <p:sp>
+        <p:nvSpPr>
+          <p:cNvPr id="8198" name="文本框 7"/>
+          <p:cNvSpPr txBox="1"/>
+          <p:nvPr/>
+        </p:nvSpPr>
+        <p:spPr>
+          <a:xfrm>
+            <a:off x="1688465" y="3305810"/>
+            <a:ext cx="1616075" cy="365125"/>
+          </a:xfrm>
+          <a:prstGeom prst="rect">
+            <a:avLst/>
+          </a:prstGeom>
+          <a:noFill/>
+          <a:ln w="9525">
+            <a:noFill/>
+          </a:ln>
+        </p:spPr>
         <p:txBody>
           <a:bodyPr wrap="square" anchor="t">
             <a:spAutoFit/>
           </a:bodyPr>
+          <a:lstStyle/>
+          <a:p>
+            <a:r>
+              <a:rPr lang="en-US" altLang="zh-CN">
+                <a:latin typeface="Arial" panose="020B0604020202020204" pitchFamily="34" charset="0"/>
+                <a:ea typeface="Arial" panose="020B0604020202020204" pitchFamily="34" charset="0"/>
+                <a:cs typeface="Arial" panose="020B0604020202020204" pitchFamily="34" charset="0"/>
+              </a:rPr>
+              <a:t>IBM </a:t>
+            </a:r>
+            <a:r>
+              <a:rPr lang="zh-CN" altLang="en-US">
+                <a:latin typeface="Arial" panose="020B0604020202020204" pitchFamily="34" charset="0"/>
+                <a:ea typeface="宋体" panose="02010600030101010101" pitchFamily="2" charset="-122"/>
+              </a:rPr>
+              <a:t>深蓝电脑</a:t>
+            </a:r>
+          </a:p>
+        </p:txBody>
+      </p:sp>
+      <p:sp>
+        <p:nvSpPr>
+          <p:cNvPr id="8199" name="文本框 8"/>
+          <p:cNvSpPr txBox="1"/>
+          <p:nvPr/>
+        </p:nvSpPr>
+        <p:spPr>
+          <a:xfrm>
+            <a:off x="5596255" y="3305810"/>
+            <a:ext cx="1978025" cy="365125"/>
+          </a:xfrm>
+          <a:prstGeom prst="rect">
+            <a:avLst/>
+          </a:prstGeom>
+          <a:noFill/>
+          <a:ln w="9525">
+            <a:noFill/>
+          </a:ln>
+        </p:spPr>
+        <p:txBody>
+          <a:bodyPr wrap="square" anchor="t">
+            <a:spAutoFit/>
+          </a:bodyPr>
+          <a:lstStyle/>
+          <a:p>
+            <a:r>
+              <a:rPr lang="en-US" altLang="zh-CN">
+                <a:latin typeface="Arial" panose="020B0604020202020204" pitchFamily="34" charset="0"/>
+                <a:ea typeface="Arial" panose="020B0604020202020204" pitchFamily="34" charset="0"/>
+                <a:cs typeface="Arial" panose="020B0604020202020204" pitchFamily="34" charset="0"/>
+              </a:rPr>
+              <a:t>IBM </a:t>
+            </a:r>
+            <a:r>
+              <a:rPr lang="zh-CN" altLang="en-US">
+                <a:latin typeface="Arial" panose="020B0604020202020204" pitchFamily="34" charset="0"/>
+                <a:ea typeface="宋体" panose="02010600030101010101" pitchFamily="2" charset="-122"/>
+              </a:rPr>
+              <a:t>沃森</a:t>
+            </a:r>
+            <a:r>
+              <a:rPr lang="en-US" altLang="zh-CN">
+                <a:latin typeface="Arial" panose="020B0604020202020204" pitchFamily="34" charset="0"/>
+                <a:ea typeface="宋体" panose="02010600030101010101" pitchFamily="2" charset="-122"/>
+              </a:rPr>
+              <a:t>(Watson)</a:t>
+            </a:r>
+          </a:p>
+        </p:txBody>
+      </p:sp>
+      <p:sp>
+        <p:nvSpPr>
+          <p:cNvPr id="8200" name="文本框 9"/>
+          <p:cNvSpPr txBox="1"/>
+          <p:nvPr/>
+        </p:nvSpPr>
+        <p:spPr>
+          <a:xfrm>
+            <a:off x="2133600" y="6172200"/>
+            <a:ext cx="1651000" cy="365125"/>
+          </a:xfrm>
+          <a:prstGeom prst="rect">
+            <a:avLst/>
+          </a:prstGeom>
+          <a:noFill/>
+          <a:ln w="9525">
+            <a:noFill/>
+          </a:ln>
+        </p:spPr>
+        <p:txBody>
+          <a:bodyPr wrap="square" anchor="t">
+            <a:spAutoFit/>
+          </a:bodyPr>
+          <a:lstStyle/>
+          <a:p>
+            <a:r>
+              <a:rPr lang="en-US" altLang="zh-CN">
+                <a:latin typeface="Arial" panose="020B0604020202020204" pitchFamily="34" charset="0"/>
+                <a:ea typeface="Arial" panose="020B0604020202020204" pitchFamily="34" charset="0"/>
+                <a:cs typeface="Arial" panose="020B0604020202020204" pitchFamily="34" charset="0"/>
+              </a:rPr>
+              <a:t>IBM </a:t>
+            </a:r>
+            <a:r>
+              <a:rPr lang="zh-CN" altLang="en-US">
+                <a:latin typeface="Arial" panose="020B0604020202020204" pitchFamily="34" charset="0"/>
+                <a:ea typeface="宋体" panose="02010600030101010101" pitchFamily="2" charset="-122"/>
+              </a:rPr>
+              <a:t>类脑模拟</a:t>
+            </a:r>
+          </a:p>
+        </p:txBody>
+      </p:sp>
+      <p:sp>
+        <p:nvSpPr>
+          <p:cNvPr id="8201" name="文本框 10"/>
+          <p:cNvSpPr txBox="1"/>
+          <p:nvPr/>
+        </p:nvSpPr>
+        <p:spPr>
+          <a:xfrm>
+            <a:off x="7924800" y="6096000"/>
+            <a:ext cx="1263650" cy="365125"/>
+          </a:xfrm>
+          <a:prstGeom prst="rect">
+            <a:avLst/>
+          </a:prstGeom>
+          <a:noFill/>
+          <a:ln w="9525">
+            <a:noFill/>
+          </a:ln>
+        </p:spPr>
+        <p:txBody>
+          <a:bodyPr wrap="square" anchor="t">
+            <a:spAutoFit/>
+          </a:bodyPr>
+          <a:lstStyle/>
+          <a:p>
+            <a:r>
+              <a:rPr lang="zh-CN" altLang="en-US">
+                <a:latin typeface="Arial" panose="020B0604020202020204" pitchFamily="34" charset="0"/>
+                <a:ea typeface="Arial" panose="020B0604020202020204" pitchFamily="34" charset="0"/>
+                <a:cs typeface="Arial" panose="020B0604020202020204" pitchFamily="34" charset="0"/>
+              </a:rPr>
+              <a:t>谷歌大脑</a:t>
+            </a:r>
+            <a:endParaRPr lang="zh-CN" altLang="en-US">
+              <a:latin typeface="Arial" panose="020B0604020202020204" pitchFamily="34" charset="0"/>
+              <a:ea typeface="Arial" panose="020B0604020202020204" pitchFamily="34" charset="0"/>
+            </a:endParaRPr>
+          </a:p>
+        </p:txBody>
+      </p:sp>
+      <p:pic>
+        <p:nvPicPr>
+          <p:cNvPr id="6" name="图片 5"/>
+          <p:cNvPicPr>
+            <a:picLocks noChangeAspect="1"/>
+          </p:cNvPicPr>
+          <p:nvPr/>
+        </p:nvPicPr>
+        <p:blipFill>
+          <a:blip r:embed="rId6"/>
+          <a:stretch>
+            <a:fillRect/>
+          </a:stretch>
+        </p:blipFill>
+        <p:spPr>
+          <a:xfrm>
+            <a:off x="8693785" y="1371600"/>
+            <a:ext cx="2857500" cy="1905000"/>
+          </a:xfrm>
+          <a:prstGeom prst="rect">
+            <a:avLst/>
+          </a:prstGeom>
+        </p:spPr>
+      </p:pic>
+      <p:sp>
+        <p:nvSpPr>
+          <p:cNvPr id="2" name="文本框 8"/>
+          <p:cNvSpPr txBox="1"/>
+          <p:nvPr/>
+        </p:nvSpPr>
+        <p:spPr>
+          <a:xfrm>
+            <a:off x="9081770" y="3305810"/>
+            <a:ext cx="1978025" cy="368300"/>
+          </a:xfrm>
+          <a:prstGeom prst="rect">
+            <a:avLst/>
+          </a:prstGeom>
+          <a:noFill/>
+          <a:ln w="9525">
+            <a:noFill/>
+          </a:ln>
+        </p:spPr>
+        <p:txBody>
+          <a:bodyPr wrap="square" anchor="t">
+            <a:spAutoFit/>
+          </a:bodyPr>
+          <a:lstStyle/>
           <a:p>
             <a:pPr algn="ctr"/>
             <a:r>
@@ -11071,11 +11688,6 @@
               </a:rPr>
               <a:t>AlphaZero</a:t>
             </a:r>
-            <a:endParaRPr lang="en-US" altLang="zh-CN">
-              <a:latin typeface="Arial" panose="020B0604020202020204" pitchFamily="34" charset="0"/>
-              <a:ea typeface="Arial" panose="020B0604020202020204" pitchFamily="34" charset="0"/>
-              <a:cs typeface="Arial" panose="020B0604020202020204" pitchFamily="34" charset="0"/>
-            </a:endParaRPr>
           </a:p>
         </p:txBody>
       </p:sp>
@@ -11096,7 +11708,14 @@
         <p:cNvGrpSpPr/>
         <p:nvPr/>
       </p:nvGrpSpPr>
-      <p:grpSpPr/>
+      <p:grpSpPr>
+        <a:xfrm>
+          <a:off x="0" y="0"/>
+          <a:ext cx="0" cy="0"/>
+          <a:chOff x="0" y="0"/>
+          <a:chExt cx="0" cy="0"/>
+        </a:xfrm>
+      </p:grpSpPr>
       <p:sp>
         <p:nvSpPr>
           <p:cNvPr id="9217" name="标题 1"/>
@@ -11110,12 +11729,12 @@
         <p:spPr/>
         <p:txBody>
           <a:bodyPr wrap="square" lIns="91436" tIns="45718" rIns="91436" bIns="45718" anchor="ctr"/>
+          <a:lstStyle/>
           <a:p>
             <a:r>
               <a:rPr lang="zh-CN" altLang="en-US"/>
               <a:t>类脑智能的兴起</a:t>
             </a:r>
-            <a:endParaRPr lang="zh-CN" altLang="en-US"/>
           </a:p>
         </p:txBody>
       </p:sp>
@@ -11142,6 +11761,7 @@
           <a:bodyPr wrap="square" anchor="t">
             <a:spAutoFit/>
           </a:bodyPr>
+          <a:lstStyle/>
           <a:p>
             <a:r>
               <a:rPr lang="zh-CN" altLang="en-US" sz="2400">
@@ -11161,62 +11781,6 @@
       <p:pic>
         <p:nvPicPr>
           <p:cNvPr id="9221" name="图片 6"/>
-          <p:cNvPicPr>
-            <a:picLocks noChangeAspect="1"/>
-          </p:cNvPicPr>
-          <p:nvPr/>
-        </p:nvPicPr>
-        <p:blipFill>
-          <a:blip r:embed="rId1"/>
-          <a:stretch>
-            <a:fillRect/>
-          </a:stretch>
-        </p:blipFill>
-        <p:spPr>
-          <a:xfrm>
-            <a:off x="775335" y="2033905"/>
-            <a:ext cx="2566670" cy="1715135"/>
-          </a:xfrm>
-          <a:prstGeom prst="rect">
-            <a:avLst/>
-          </a:prstGeom>
-          <a:noFill/>
-          <a:ln w="9525">
-            <a:noFill/>
-          </a:ln>
-        </p:spPr>
-      </p:pic>
-      <p:pic>
-        <p:nvPicPr>
-          <p:cNvPr id="9223" name="图片 8"/>
-          <p:cNvPicPr>
-            <a:picLocks noChangeAspect="1"/>
-          </p:cNvPicPr>
-          <p:nvPr/>
-        </p:nvPicPr>
-        <p:blipFill>
-          <a:blip r:embed="rId2"/>
-          <a:stretch>
-            <a:fillRect/>
-          </a:stretch>
-        </p:blipFill>
-        <p:spPr>
-          <a:xfrm>
-            <a:off x="1964690" y="3167380"/>
-            <a:ext cx="3526155" cy="2160270"/>
-          </a:xfrm>
-          <a:prstGeom prst="rect">
-            <a:avLst/>
-          </a:prstGeom>
-          <a:noFill/>
-          <a:ln w="9525">
-            <a:noFill/>
-          </a:ln>
-        </p:spPr>
-      </p:pic>
-      <p:pic>
-        <p:nvPicPr>
-          <p:cNvPr id="9224" name="图片 9"/>
           <p:cNvPicPr>
             <a:picLocks noChangeAspect="1"/>
           </p:cNvPicPr>
@@ -11230,8 +11794,8 @@
         </p:blipFill>
         <p:spPr>
           <a:xfrm>
-            <a:off x="6546215" y="2033905"/>
-            <a:ext cx="2386965" cy="1631950"/>
+            <a:off x="775335" y="2033905"/>
+            <a:ext cx="2566670" cy="1715135"/>
           </a:xfrm>
           <a:prstGeom prst="rect">
             <a:avLst/>
@@ -11244,7 +11808,7 @@
       </p:pic>
       <p:pic>
         <p:nvPicPr>
-          <p:cNvPr id="9225" name="图片 10"/>
+          <p:cNvPr id="9223" name="图片 8"/>
           <p:cNvPicPr>
             <a:picLocks noChangeAspect="1"/>
           </p:cNvPicPr>
@@ -11258,8 +11822,8 @@
         </p:blipFill>
         <p:spPr>
           <a:xfrm>
-            <a:off x="7334250" y="3167380"/>
-            <a:ext cx="3923665" cy="1988185"/>
+            <a:off x="1964690" y="3167380"/>
+            <a:ext cx="3526155" cy="2160270"/>
           </a:xfrm>
           <a:prstGeom prst="rect">
             <a:avLst/>
@@ -11270,16 +11834,24 @@
           </a:ln>
         </p:spPr>
       </p:pic>
-      <p:sp>
-        <p:nvSpPr>
-          <p:cNvPr id="9226" name="文本框 11"/>
-          <p:cNvSpPr txBox="1"/>
+      <p:pic>
+        <p:nvPicPr>
+          <p:cNvPr id="9224" name="图片 9"/>
+          <p:cNvPicPr>
+            <a:picLocks noChangeAspect="1"/>
+          </p:cNvPicPr>
           <p:nvPr/>
-        </p:nvSpPr>
-        <p:spPr>
-          <a:xfrm>
-            <a:off x="7334250" y="5634355"/>
-            <a:ext cx="3738880" cy="460375"/>
+        </p:nvPicPr>
+        <p:blipFill>
+          <a:blip r:embed="rId5"/>
+          <a:stretch>
+            <a:fillRect/>
+          </a:stretch>
+        </p:blipFill>
+        <p:spPr>
+          <a:xfrm>
+            <a:off x="6546215" y="2033905"/>
+            <a:ext cx="2386965" cy="1631950"/>
           </a:xfrm>
           <a:prstGeom prst="rect">
             <a:avLst/>
@@ -11289,10 +11861,59 @@
             <a:noFill/>
           </a:ln>
         </p:spPr>
+      </p:pic>
+      <p:pic>
+        <p:nvPicPr>
+          <p:cNvPr id="9225" name="图片 10"/>
+          <p:cNvPicPr>
+            <a:picLocks noChangeAspect="1"/>
+          </p:cNvPicPr>
+          <p:nvPr/>
+        </p:nvPicPr>
+        <p:blipFill>
+          <a:blip r:embed="rId6"/>
+          <a:stretch>
+            <a:fillRect/>
+          </a:stretch>
+        </p:blipFill>
+        <p:spPr>
+          <a:xfrm>
+            <a:off x="7334250" y="3167380"/>
+            <a:ext cx="3923665" cy="1988185"/>
+          </a:xfrm>
+          <a:prstGeom prst="rect">
+            <a:avLst/>
+          </a:prstGeom>
+          <a:noFill/>
+          <a:ln w="9525">
+            <a:noFill/>
+          </a:ln>
+        </p:spPr>
+      </p:pic>
+      <p:sp>
+        <p:nvSpPr>
+          <p:cNvPr id="9226" name="文本框 11"/>
+          <p:cNvSpPr txBox="1"/>
+          <p:nvPr/>
+        </p:nvSpPr>
+        <p:spPr>
+          <a:xfrm>
+            <a:off x="7334250" y="5634355"/>
+            <a:ext cx="3738880" cy="460375"/>
+          </a:xfrm>
+          <a:prstGeom prst="rect">
+            <a:avLst/>
+          </a:prstGeom>
+          <a:noFill/>
+          <a:ln w="9525">
+            <a:noFill/>
+          </a:ln>
+        </p:spPr>
         <p:txBody>
           <a:bodyPr wrap="none" anchor="t">
             <a:spAutoFit/>
           </a:bodyPr>
+          <a:lstStyle/>
           <a:p>
             <a:r>
               <a:rPr lang="zh-CN" altLang="en-US" sz="2400">
@@ -11327,7 +11948,14 @@
         <p:cNvGrpSpPr/>
         <p:nvPr/>
       </p:nvGrpSpPr>
-      <p:grpSpPr/>
+      <p:grpSpPr>
+        <a:xfrm>
+          <a:off x="0" y="0"/>
+          <a:ext cx="0" cy="0"/>
+          <a:chOff x="0" y="0"/>
+          <a:chExt cx="0" cy="0"/>
+        </a:xfrm>
+      </p:grpSpPr>
       <p:sp>
         <p:nvSpPr>
           <p:cNvPr id="11265" name="标题 1"/>
@@ -11341,6 +11969,7 @@
         <p:spPr/>
         <p:txBody>
           <a:bodyPr wrap="square" lIns="91436" tIns="45718" rIns="91436" bIns="45718" anchor="ctr"/>
+          <a:lstStyle/>
           <a:p>
             <a:r>
               <a:rPr lang="zh-CN" altLang="en-US"/>
@@ -11350,7 +11979,6 @@
               <a:rPr lang="zh-CN" altLang="en-US" sz="3200"/>
               <a:t>（十三五期间国家重大专项）</a:t>
             </a:r>
-            <a:endParaRPr lang="zh-CN" altLang="en-US" sz="3200"/>
           </a:p>
         </p:txBody>
       </p:sp>
@@ -11387,6 +12015,7 @@
         </p:style>
         <p:txBody>
           <a:bodyPr rtlCol="0" anchor="ctr"/>
+          <a:lstStyle/>
           <a:p>
             <a:pPr algn="ctr" fontAlgn="base"/>
             <a:r>
@@ -11397,11 +12026,6 @@
               </a:rPr>
               <a:t>脑</a:t>
             </a:r>
-            <a:endParaRPr lang="zh-CN" altLang="en-US" sz="4000" strike="noStrike" noProof="1">
-              <a:solidFill>
-                <a:srgbClr val="FF0000"/>
-              </a:solidFill>
-            </a:endParaRPr>
           </a:p>
           <a:p>
             <a:pPr algn="ctr" fontAlgn="base"/>
@@ -11413,11 +12037,6 @@
               </a:rPr>
               <a:t>认</a:t>
             </a:r>
-            <a:endParaRPr lang="zh-CN" altLang="en-US" sz="4000" strike="noStrike" noProof="1">
-              <a:solidFill>
-                <a:srgbClr val="FF0000"/>
-              </a:solidFill>
-            </a:endParaRPr>
           </a:p>
           <a:p>
             <a:pPr algn="ctr" fontAlgn="base"/>
@@ -11429,11 +12048,6 @@
               </a:rPr>
               <a:t>知</a:t>
             </a:r>
-            <a:endParaRPr lang="zh-CN" altLang="en-US" sz="4000" strike="noStrike" noProof="1">
-              <a:solidFill>
-                <a:srgbClr val="FF0000"/>
-              </a:solidFill>
-            </a:endParaRPr>
           </a:p>
           <a:p>
             <a:pPr algn="ctr" fontAlgn="base"/>
@@ -11445,11 +12059,6 @@
               </a:rPr>
               <a:t>原</a:t>
             </a:r>
-            <a:endParaRPr lang="zh-CN" altLang="en-US" sz="4000" strike="noStrike" noProof="1">
-              <a:solidFill>
-                <a:srgbClr val="FF0000"/>
-              </a:solidFill>
-            </a:endParaRPr>
           </a:p>
           <a:p>
             <a:pPr algn="ctr" fontAlgn="base"/>
@@ -11461,11 +12070,6 @@
               </a:rPr>
               <a:t>理</a:t>
             </a:r>
-            <a:endParaRPr lang="zh-CN" altLang="en-US" sz="4000" strike="noStrike" noProof="1">
-              <a:solidFill>
-                <a:srgbClr val="FF0000"/>
-              </a:solidFill>
-            </a:endParaRPr>
           </a:p>
           <a:p>
             <a:pPr algn="ctr" fontAlgn="base"/>
@@ -11485,11 +12089,6 @@
               </a:rPr>
               <a:t>技术平台与</a:t>
             </a:r>
-            <a:endParaRPr lang="zh-CN" altLang="en-US" sz="2400" strike="noStrike" noProof="1">
-              <a:solidFill>
-                <a:srgbClr val="FF0000"/>
-              </a:solidFill>
-            </a:endParaRPr>
           </a:p>
           <a:p>
             <a:pPr algn="ctr" fontAlgn="base"/>
@@ -11501,11 +12100,6 @@
               </a:rPr>
               <a:t>资源库</a:t>
             </a:r>
-            <a:endParaRPr lang="zh-CN" altLang="en-US" sz="2400" strike="noStrike" noProof="1">
-              <a:solidFill>
-                <a:srgbClr val="FF0000"/>
-              </a:solidFill>
-            </a:endParaRPr>
           </a:p>
         </p:txBody>
       </p:sp>
@@ -11542,6 +12136,7 @@
         </p:style>
         <p:txBody>
           <a:bodyPr rtlCol="0" anchor="ctr"/>
+          <a:lstStyle/>
           <a:p>
             <a:pPr algn="ctr" fontAlgn="base"/>
             <a:r>
@@ -11552,11 +12147,6 @@
               </a:rPr>
               <a:t>类脑</a:t>
             </a:r>
-            <a:endParaRPr lang="zh-CN" altLang="en-US" sz="3600" strike="noStrike" noProof="1">
-              <a:solidFill>
-                <a:srgbClr val="FF0000"/>
-              </a:solidFill>
-            </a:endParaRPr>
           </a:p>
           <a:p>
             <a:pPr algn="ctr" fontAlgn="base"/>
@@ -11568,11 +12158,6 @@
               </a:rPr>
               <a:t>智</a:t>
             </a:r>
-            <a:endParaRPr lang="zh-CN" altLang="en-US" sz="3600" strike="noStrike" noProof="1">
-              <a:solidFill>
-                <a:srgbClr val="FF0000"/>
-              </a:solidFill>
-            </a:endParaRPr>
           </a:p>
           <a:p>
             <a:pPr algn="ctr" fontAlgn="base"/>
@@ -11584,11 +12169,6 @@
               </a:rPr>
               <a:t>能</a:t>
             </a:r>
-            <a:endParaRPr lang="zh-CN" altLang="en-US" sz="3600" strike="noStrike" noProof="1">
-              <a:solidFill>
-                <a:srgbClr val="FF0000"/>
-              </a:solidFill>
-            </a:endParaRPr>
           </a:p>
           <a:p>
             <a:pPr algn="ctr" fontAlgn="base"/>
@@ -11600,11 +12180,6 @@
               </a:rPr>
               <a:t>新</a:t>
             </a:r>
-            <a:endParaRPr lang="zh-CN" altLang="en-US" sz="3600" strike="noStrike" noProof="1">
-              <a:solidFill>
-                <a:srgbClr val="FF0000"/>
-              </a:solidFill>
-            </a:endParaRPr>
           </a:p>
           <a:p>
             <a:pPr algn="ctr" fontAlgn="base"/>
@@ -11616,11 +12191,6 @@
               </a:rPr>
               <a:t>技</a:t>
             </a:r>
-            <a:endParaRPr lang="zh-CN" altLang="en-US" sz="3600" strike="noStrike" noProof="1">
-              <a:solidFill>
-                <a:srgbClr val="FF0000"/>
-              </a:solidFill>
-            </a:endParaRPr>
           </a:p>
           <a:p>
             <a:pPr algn="ctr" fontAlgn="base"/>
@@ -11632,11 +12202,6 @@
               </a:rPr>
               <a:t>术</a:t>
             </a:r>
-            <a:endParaRPr lang="zh-CN" altLang="en-US" sz="3600" strike="noStrike" noProof="1">
-              <a:solidFill>
-                <a:srgbClr val="FF0000"/>
-              </a:solidFill>
-            </a:endParaRPr>
           </a:p>
         </p:txBody>
       </p:sp>
@@ -11673,6 +12238,7 @@
         </p:style>
         <p:txBody>
           <a:bodyPr rtlCol="0" anchor="ctr"/>
+          <a:lstStyle/>
           <a:p>
             <a:pPr algn="ctr" fontAlgn="base"/>
             <a:r>
@@ -11683,11 +12249,6 @@
               </a:rPr>
               <a:t>脑</a:t>
             </a:r>
-            <a:endParaRPr lang="zh-CN" altLang="en-US" sz="3600" strike="noStrike" noProof="1">
-              <a:solidFill>
-                <a:srgbClr val="FF0000"/>
-              </a:solidFill>
-            </a:endParaRPr>
           </a:p>
           <a:p>
             <a:pPr algn="ctr" fontAlgn="base"/>
@@ -11699,11 +12260,6 @@
               </a:rPr>
               <a:t>疾病诊断与治疗</a:t>
             </a:r>
-            <a:endParaRPr lang="zh-CN" altLang="en-US" sz="3600" strike="noStrike" noProof="1">
-              <a:solidFill>
-                <a:srgbClr val="FF0000"/>
-              </a:solidFill>
-            </a:endParaRPr>
           </a:p>
         </p:txBody>
       </p:sp>
@@ -11730,6 +12286,7 @@
           <a:bodyPr wrap="square" anchor="t">
             <a:spAutoFit/>
           </a:bodyPr>
+          <a:lstStyle/>
           <a:p>
             <a:r>
               <a:rPr lang="zh-CN" altLang="en-US" sz="2800">
@@ -11769,6 +12326,7 @@
           <a:bodyPr wrap="square" anchor="t">
             <a:spAutoFit/>
           </a:bodyPr>
+          <a:lstStyle/>
           <a:p>
             <a:r>
               <a:rPr lang="zh-CN" altLang="en-US" sz="2800">
@@ -11818,6 +12376,7 @@
         </p:style>
         <p:txBody>
           <a:bodyPr rtlCol="0" anchor="ctr"/>
+          <a:lstStyle/>
           <a:p>
             <a:pPr algn="ctr" fontAlgn="base"/>
             <a:endParaRPr lang="zh-CN" altLang="en-US" strike="noStrike" noProof="1"/>
@@ -11857,6 +12416,7 @@
         </p:style>
         <p:txBody>
           <a:bodyPr rtlCol="0" anchor="ctr"/>
+          <a:lstStyle/>
           <a:p>
             <a:pPr algn="ctr" fontAlgn="base"/>
             <a:endParaRPr lang="zh-CN" altLang="en-US" strike="noStrike" noProof="1"/>
@@ -11896,6 +12456,7 @@
         </p:style>
         <p:txBody>
           <a:bodyPr rtlCol="0" anchor="ctr"/>
+          <a:lstStyle/>
           <a:p>
             <a:pPr algn="ctr" fontAlgn="base"/>
             <a:endParaRPr lang="zh-CN" altLang="en-US" strike="noStrike" noProof="1"/>
@@ -11935,6 +12496,7 @@
         </p:style>
         <p:txBody>
           <a:bodyPr rtlCol="0" anchor="ctr"/>
+          <a:lstStyle/>
           <a:p>
             <a:pPr algn="ctr" fontAlgn="base"/>
             <a:endParaRPr lang="zh-CN" altLang="en-US" strike="noStrike" noProof="1"/>
@@ -11974,6 +12536,7 @@
         </p:style>
         <p:txBody>
           <a:bodyPr rtlCol="0" anchor="ctr"/>
+          <a:lstStyle/>
           <a:p>
             <a:pPr algn="ctr" fontAlgn="base"/>
             <a:endParaRPr lang="zh-CN" altLang="en-US" strike="noStrike" noProof="1"/>
@@ -12013,6 +12576,7 @@
         </p:style>
         <p:txBody>
           <a:bodyPr rtlCol="0" anchor="ctr"/>
+          <a:lstStyle/>
           <a:p>
             <a:pPr algn="ctr" fontAlgn="base"/>
             <a:endParaRPr lang="zh-CN" altLang="en-US" strike="noStrike" noProof="1"/>
@@ -12036,7 +12600,14 @@
         <p:cNvGrpSpPr/>
         <p:nvPr/>
       </p:nvGrpSpPr>
-      <p:grpSpPr/>
+      <p:grpSpPr>
+        <a:xfrm>
+          <a:off x="0" y="0"/>
+          <a:ext cx="0" cy="0"/>
+          <a:chOff x="0" y="0"/>
+          <a:chExt cx="0" cy="0"/>
+        </a:xfrm>
+      </p:grpSpPr>
       <p:sp>
         <p:nvSpPr>
           <p:cNvPr id="14337" name="标题 1"/>
@@ -12050,12 +12621,12 @@
         <p:spPr/>
         <p:txBody>
           <a:bodyPr wrap="square" lIns="91436" tIns="45718" rIns="91436" bIns="45718" anchor="ctr"/>
+          <a:lstStyle/>
           <a:p>
             <a:r>
               <a:rPr lang="zh-CN" altLang="en-US"/>
               <a:t>人工智能的发展方向：类脑智能</a:t>
             </a:r>
-            <a:endParaRPr lang="zh-CN" altLang="en-US"/>
           </a:p>
         </p:txBody>
       </p:sp>
@@ -12077,12 +12648,12 @@
         </p:spPr>
         <p:txBody>
           <a:bodyPr wrap="square" lIns="91436" tIns="45718" rIns="91436" bIns="45718" anchor="t"/>
+          <a:lstStyle/>
           <a:p>
             <a:r>
               <a:rPr lang="zh-CN" altLang="en-US"/>
               <a:t>通过类脑神经机理的模拟与实现达到类人行为上的机器智能</a:t>
             </a:r>
-            <a:endParaRPr lang="zh-CN" altLang="en-US"/>
           </a:p>
           <a:p>
             <a:pPr lvl="1"/>
@@ -12090,7 +12661,6 @@
               <a:rPr lang="zh-CN" altLang="en-US"/>
               <a:t>从实现机理上采用类脑神经网络</a:t>
             </a:r>
-            <a:endParaRPr lang="zh-CN" altLang="en-US"/>
           </a:p>
           <a:p>
             <a:pPr lvl="1"/>
@@ -12098,7 +12668,6 @@
               <a:rPr lang="zh-CN" altLang="en-US"/>
               <a:t>网络结构、脑区、神经元功能上模拟脑</a:t>
             </a:r>
-            <a:endParaRPr lang="zh-CN" altLang="en-US"/>
           </a:p>
           <a:p>
             <a:pPr lvl="1"/>
@@ -12106,7 +12675,6 @@
               <a:rPr lang="zh-CN" altLang="en-US"/>
               <a:t>从单任务向多任务、多通道、多脑区协同处理发展</a:t>
             </a:r>
-            <a:endParaRPr lang="zh-CN" altLang="en-US"/>
           </a:p>
           <a:p>
             <a:pPr lvl="4"/>
@@ -12130,11 +12698,6 @@
               </a:rPr>
               <a:t>brain-like</a:t>
             </a:r>
-            <a:endParaRPr lang="en-US" altLang="zh-CN">
-              <a:latin typeface="Arial" panose="020B0604020202020204" pitchFamily="34" charset="0"/>
-              <a:ea typeface="Arial" panose="020B0604020202020204" pitchFamily="34" charset="0"/>
-              <a:sym typeface="+mn-ea"/>
-            </a:endParaRPr>
           </a:p>
           <a:p>
             <a:r>
@@ -12427,7 +12990,14 @@
         <p:cNvGrpSpPr/>
         <p:nvPr/>
       </p:nvGrpSpPr>
-      <p:grpSpPr/>
+      <p:grpSpPr>
+        <a:xfrm>
+          <a:off x="0" y="0"/>
+          <a:ext cx="0" cy="0"/>
+          <a:chOff x="0" y="0"/>
+          <a:chExt cx="0" cy="0"/>
+        </a:xfrm>
+      </p:grpSpPr>
       <p:sp>
         <p:nvSpPr>
           <p:cNvPr id="15361" name="标题 1"/>
@@ -12441,6 +13011,7 @@
         <p:spPr/>
         <p:txBody>
           <a:bodyPr wrap="square" lIns="91436" tIns="45718" rIns="91436" bIns="45718" anchor="ctr"/>
+          <a:lstStyle/>
           <a:p>
             <a:r>
               <a:rPr lang="zh-CN" altLang="en-US"/>
@@ -12458,7 +13029,6 @@
               <a:rPr lang="en-US" altLang="zh-CN"/>
               <a:t>)</a:t>
             </a:r>
-            <a:endParaRPr lang="en-US" altLang="zh-CN"/>
           </a:p>
         </p:txBody>
       </p:sp>
@@ -12473,7 +13043,7 @@
           </p:nvPr>
         </p:nvPicPr>
         <p:blipFill>
-          <a:blip r:embed="rId1"/>
+          <a:blip r:embed="rId2"/>
           <a:stretch>
             <a:fillRect/>
           </a:stretch>
@@ -12713,6 +13283,8 @@
       </a:bgFillStyleLst>
     </a:fmtScheme>
   </a:themeElements>
+  <a:objectDefaults/>
+  <a:extraClrSchemeLst/>
   <a:extLst>
     <a:ext uri="{05A4C25C-085E-4340-85A3-A5531E510DB2}">
       <thm15:themeFamily xmlns:thm15="http://schemas.microsoft.com/office/thememl/2012/main" name="Office Theme" id="{62F939B6-93AF-4DB8-9C6B-D6C7DFDC589F}" vid="{4A3C46E8-61CC-4603-A589-7422A47A8E4A}"/>
@@ -13001,6 +13573,8 @@
       </a:bgFillStyleLst>
     </a:fmtScheme>
   </a:themeElements>
+  <a:objectDefaults/>
+  <a:extraClrSchemeLst/>
   <a:extLst>
     <a:ext uri="{05A4C25C-085E-4340-85A3-A5531E510DB2}">
       <thm15:themeFamily xmlns:thm15="http://schemas.microsoft.com/office/thememl/2012/main" name="Office Theme" id="{62F939B6-93AF-4DB8-9C6B-D6C7DFDC589F}" vid="{4A3C46E8-61CC-4603-A589-7422A47A8E4A}"/>
